--- a/ProjectExample/Data Science Projects.pptx
+++ b/ProjectExample/Data Science Projects.pptx
@@ -1,44 +1,44 @@
 
 <file path=ppt/presentation.xml><?xml version="1.0" encoding="utf-8"?>
-<p:presentation xmlns:a="http://schemas.openxmlformats.org/drawingml/2006/main" xmlns:r="http://schemas.openxmlformats.org/officeDocument/2006/relationships" xmlns:mc="http://schemas.openxmlformats.org/markup-compatibility/2006" xmlns:mv="urn:schemas-microsoft-com:mac:vml" xmlns:p="http://schemas.openxmlformats.org/presentationml/2006/main" xmlns:c="http://schemas.openxmlformats.org/drawingml/2006/chart" xmlns:dgm="http://schemas.openxmlformats.org/drawingml/2006/diagram" xmlns:o="urn:schemas-microsoft-com:office:office" xmlns:v="urn:schemas-microsoft-com:vml" xmlns:pvml="urn:schemas-microsoft-com:office:powerpoint" xmlns:com="http://schemas.openxmlformats.org/drawingml/2006/compatibility" xmlns:p14="http://schemas.microsoft.com/office/powerpoint/2010/main" xmlns:p15="http://schemas.microsoft.com/office/powerpoint/2012/main" autoCompressPictures="0" embedTrueTypeFonts="1" strictFirstAndLastChars="0" saveSubsetFonts="1">
+<p:presentation xmlns:a="http://schemas.openxmlformats.org/drawingml/2006/main" xmlns:r="http://schemas.openxmlformats.org/officeDocument/2006/relationships" xmlns:p="http://schemas.openxmlformats.org/presentationml/2006/main" strictFirstAndLastChars="0" embedTrueTypeFonts="1" autoCompressPictures="0">
   <p:sldMasterIdLst>
-    <p:sldMasterId id="2147483659" r:id="rId4"/>
+    <p:sldMasterId id="2147483659" r:id="rId1"/>
   </p:sldMasterIdLst>
   <p:notesMasterIdLst>
-    <p:notesMasterId r:id="rId5"/>
+    <p:notesMasterId r:id="rId12"/>
   </p:notesMasterIdLst>
   <p:sldIdLst>
-    <p:sldId id="256" r:id="rId6"/>
-    <p:sldId id="257" r:id="rId7"/>
-    <p:sldId id="258" r:id="rId8"/>
-    <p:sldId id="259" r:id="rId9"/>
-    <p:sldId id="260" r:id="rId10"/>
-    <p:sldId id="261" r:id="rId11"/>
-    <p:sldId id="262" r:id="rId12"/>
-    <p:sldId id="263" r:id="rId13"/>
-    <p:sldId id="264" r:id="rId14"/>
-    <p:sldId id="265" r:id="rId15"/>
+    <p:sldId id="256" r:id="rId2"/>
+    <p:sldId id="257" r:id="rId3"/>
+    <p:sldId id="258" r:id="rId4"/>
+    <p:sldId id="259" r:id="rId5"/>
+    <p:sldId id="260" r:id="rId6"/>
+    <p:sldId id="261" r:id="rId7"/>
+    <p:sldId id="262" r:id="rId8"/>
+    <p:sldId id="263" r:id="rId9"/>
+    <p:sldId id="264" r:id="rId10"/>
+    <p:sldId id="265" r:id="rId11"/>
   </p:sldIdLst>
-  <p:sldSz cy="5143500" cx="9144000"/>
+  <p:sldSz cx="9144000" cy="5143500" type="screen16x9"/>
   <p:notesSz cx="6858000" cy="9144000"/>
   <p:embeddedFontLst>
     <p:embeddedFont>
-      <p:font typeface="Economica"/>
-      <p:regular r:id="rId16"/>
-      <p:bold r:id="rId17"/>
-      <p:italic r:id="rId18"/>
-      <p:boldItalic r:id="rId19"/>
+      <p:font typeface="Economica" panose="02000506040000020004" pitchFamily="2" charset="77"/>
+      <p:regular r:id="rId13"/>
+      <p:bold r:id="rId14"/>
+      <p:italic r:id="rId15"/>
+      <p:boldItalic r:id="rId16"/>
     </p:embeddedFont>
     <p:embeddedFont>
-      <p:font typeface="Open Sans"/>
-      <p:regular r:id="rId20"/>
-      <p:bold r:id="rId21"/>
-      <p:italic r:id="rId22"/>
-      <p:boldItalic r:id="rId23"/>
+      <p:font typeface="Open Sans" panose="020B0606030504020204" pitchFamily="34" charset="0"/>
+      <p:regular r:id="rId17"/>
+      <p:bold r:id="rId18"/>
+      <p:italic r:id="rId19"/>
+      <p:boldItalic r:id="rId20"/>
     </p:embeddedFont>
   </p:embeddedFontLst>
   <p:defaultTextStyle>
-    <a:defPPr lvl="0" marR="0" rtl="0" algn="l">
+    <a:defPPr marR="0" lvl="0" algn="l" rtl="0">
       <a:lnSpc>
         <a:spcPct val="100000"/>
       </a:lnSpc>
@@ -49,7 +49,7 @@
         <a:spcPts val="0"/>
       </a:spcAft>
     </a:defPPr>
-    <a:lvl1pPr lvl="0" marR="0" rtl="0" algn="l">
+    <a:lvl1pPr marR="0" lvl="0" algn="l" rtl="0">
       <a:lnSpc>
         <a:spcPct val="100000"/>
       </a:lnSpc>
@@ -63,7 +63,7 @@
         <a:srgbClr val="000000"/>
       </a:buClr>
       <a:buFont typeface="Arial"/>
-      <a:defRPr b="0" i="0" sz="1400" u="none" cap="none" strike="noStrike">
+      <a:defRPr sz="1400" b="0" i="0" u="none" strike="noStrike" cap="none">
         <a:solidFill>
           <a:srgbClr val="000000"/>
         </a:solidFill>
@@ -73,7 +73,7 @@
         <a:sym typeface="Arial"/>
       </a:defRPr>
     </a:lvl1pPr>
-    <a:lvl2pPr lvl="1" marR="0" rtl="0" algn="l">
+    <a:lvl2pPr marR="0" lvl="1" algn="l" rtl="0">
       <a:lnSpc>
         <a:spcPct val="100000"/>
       </a:lnSpc>
@@ -87,7 +87,7 @@
         <a:srgbClr val="000000"/>
       </a:buClr>
       <a:buFont typeface="Arial"/>
-      <a:defRPr b="0" i="0" sz="1400" u="none" cap="none" strike="noStrike">
+      <a:defRPr sz="1400" b="0" i="0" u="none" strike="noStrike" cap="none">
         <a:solidFill>
           <a:srgbClr val="000000"/>
         </a:solidFill>
@@ -97,7 +97,7 @@
         <a:sym typeface="Arial"/>
       </a:defRPr>
     </a:lvl2pPr>
-    <a:lvl3pPr lvl="2" marR="0" rtl="0" algn="l">
+    <a:lvl3pPr marR="0" lvl="2" algn="l" rtl="0">
       <a:lnSpc>
         <a:spcPct val="100000"/>
       </a:lnSpc>
@@ -111,7 +111,7 @@
         <a:srgbClr val="000000"/>
       </a:buClr>
       <a:buFont typeface="Arial"/>
-      <a:defRPr b="0" i="0" sz="1400" u="none" cap="none" strike="noStrike">
+      <a:defRPr sz="1400" b="0" i="0" u="none" strike="noStrike" cap="none">
         <a:solidFill>
           <a:srgbClr val="000000"/>
         </a:solidFill>
@@ -121,7 +121,7 @@
         <a:sym typeface="Arial"/>
       </a:defRPr>
     </a:lvl3pPr>
-    <a:lvl4pPr lvl="3" marR="0" rtl="0" algn="l">
+    <a:lvl4pPr marR="0" lvl="3" algn="l" rtl="0">
       <a:lnSpc>
         <a:spcPct val="100000"/>
       </a:lnSpc>
@@ -135,7 +135,7 @@
         <a:srgbClr val="000000"/>
       </a:buClr>
       <a:buFont typeface="Arial"/>
-      <a:defRPr b="0" i="0" sz="1400" u="none" cap="none" strike="noStrike">
+      <a:defRPr sz="1400" b="0" i="0" u="none" strike="noStrike" cap="none">
         <a:solidFill>
           <a:srgbClr val="000000"/>
         </a:solidFill>
@@ -145,7 +145,7 @@
         <a:sym typeface="Arial"/>
       </a:defRPr>
     </a:lvl4pPr>
-    <a:lvl5pPr lvl="4" marR="0" rtl="0" algn="l">
+    <a:lvl5pPr marR="0" lvl="4" algn="l" rtl="0">
       <a:lnSpc>
         <a:spcPct val="100000"/>
       </a:lnSpc>
@@ -159,7 +159,7 @@
         <a:srgbClr val="000000"/>
       </a:buClr>
       <a:buFont typeface="Arial"/>
-      <a:defRPr b="0" i="0" sz="1400" u="none" cap="none" strike="noStrike">
+      <a:defRPr sz="1400" b="0" i="0" u="none" strike="noStrike" cap="none">
         <a:solidFill>
           <a:srgbClr val="000000"/>
         </a:solidFill>
@@ -169,7 +169,7 @@
         <a:sym typeface="Arial"/>
       </a:defRPr>
     </a:lvl5pPr>
-    <a:lvl6pPr lvl="5" marR="0" rtl="0" algn="l">
+    <a:lvl6pPr marR="0" lvl="5" algn="l" rtl="0">
       <a:lnSpc>
         <a:spcPct val="100000"/>
       </a:lnSpc>
@@ -183,7 +183,7 @@
         <a:srgbClr val="000000"/>
       </a:buClr>
       <a:buFont typeface="Arial"/>
-      <a:defRPr b="0" i="0" sz="1400" u="none" cap="none" strike="noStrike">
+      <a:defRPr sz="1400" b="0" i="0" u="none" strike="noStrike" cap="none">
         <a:solidFill>
           <a:srgbClr val="000000"/>
         </a:solidFill>
@@ -193,7 +193,7 @@
         <a:sym typeface="Arial"/>
       </a:defRPr>
     </a:lvl6pPr>
-    <a:lvl7pPr lvl="6" marR="0" rtl="0" algn="l">
+    <a:lvl7pPr marR="0" lvl="6" algn="l" rtl="0">
       <a:lnSpc>
         <a:spcPct val="100000"/>
       </a:lnSpc>
@@ -207,7 +207,7 @@
         <a:srgbClr val="000000"/>
       </a:buClr>
       <a:buFont typeface="Arial"/>
-      <a:defRPr b="0" i="0" sz="1400" u="none" cap="none" strike="noStrike">
+      <a:defRPr sz="1400" b="0" i="0" u="none" strike="noStrike" cap="none">
         <a:solidFill>
           <a:srgbClr val="000000"/>
         </a:solidFill>
@@ -217,7 +217,7 @@
         <a:sym typeface="Arial"/>
       </a:defRPr>
     </a:lvl7pPr>
-    <a:lvl8pPr lvl="7" marR="0" rtl="0" algn="l">
+    <a:lvl8pPr marR="0" lvl="7" algn="l" rtl="0">
       <a:lnSpc>
         <a:spcPct val="100000"/>
       </a:lnSpc>
@@ -231,7 +231,7 @@
         <a:srgbClr val="000000"/>
       </a:buClr>
       <a:buFont typeface="Arial"/>
-      <a:defRPr b="0" i="0" sz="1400" u="none" cap="none" strike="noStrike">
+      <a:defRPr sz="1400" b="0" i="0" u="none" strike="noStrike" cap="none">
         <a:solidFill>
           <a:srgbClr val="000000"/>
         </a:solidFill>
@@ -241,7 +241,7 @@
         <a:sym typeface="Arial"/>
       </a:defRPr>
     </a:lvl8pPr>
-    <a:lvl9pPr lvl="8" marR="0" rtl="0" algn="l">
+    <a:lvl9pPr marR="0" lvl="8" algn="l" rtl="0">
       <a:lnSpc>
         <a:spcPct val="100000"/>
       </a:lnSpc>
@@ -255,7 +255,7 @@
         <a:srgbClr val="000000"/>
       </a:buClr>
       <a:buFont typeface="Arial"/>
-      <a:defRPr b="0" i="0" sz="1400" u="none" cap="none" strike="noStrike">
+      <a:defRPr sz="1400" b="0" i="0" u="none" strike="noStrike" cap="none">
         <a:solidFill>
           <a:srgbClr val="000000"/>
         </a:solidFill>
@@ -268,7 +268,7 @@
   </p:defaultTextStyle>
   <p:extLst>
     <p:ext uri="{EFAFB233-063F-42B5-8137-9DF3F51BA10A}">
-      <p15:sldGuideLst>
+      <p15:sldGuideLst xmlns:p15="http://schemas.microsoft.com/office/powerpoint/2012/main">
         <p15:guide id="1" orient="horz" pos="1620">
           <p15:clr>
             <a:srgbClr val="A4A3A4"/>
@@ -286,11 +286,16 @@
 </file>
 
 <file path=ppt/notesMasters/notesMaster1.xml><?xml version="1.0" encoding="utf-8"?>
-<p:notesMaster xmlns:a="http://schemas.openxmlformats.org/drawingml/2006/main" xmlns:r="http://schemas.openxmlformats.org/officeDocument/2006/relationships" xmlns:mc="http://schemas.openxmlformats.org/markup-compatibility/2006" xmlns:mv="urn:schemas-microsoft-com:mac:vml" xmlns:p="http://schemas.openxmlformats.org/presentationml/2006/main" xmlns:c="http://schemas.openxmlformats.org/drawingml/2006/chart" xmlns:dgm="http://schemas.openxmlformats.org/drawingml/2006/diagram" xmlns:o="urn:schemas-microsoft-com:office:office" xmlns:v="urn:schemas-microsoft-com:vml" xmlns:pvml="urn:schemas-microsoft-com:office:powerpoint" xmlns:com="http://schemas.openxmlformats.org/drawingml/2006/compatibility" xmlns:p14="http://schemas.microsoft.com/office/powerpoint/2010/main" xmlns:p15="http://schemas.microsoft.com/office/powerpoint/2012/main">
+<p:notesMaster xmlns:a="http://schemas.openxmlformats.org/drawingml/2006/main" xmlns:r="http://schemas.openxmlformats.org/officeDocument/2006/relationships" xmlns:p="http://schemas.openxmlformats.org/presentationml/2006/main">
   <p:cSld>
+    <p:bg>
+      <p:bgRef idx="1001">
+        <a:schemeClr val="bg1"/>
+      </p:bgRef>
+    </p:bg>
     <p:spTree>
       <p:nvGrpSpPr>
-        <p:cNvPr id="2" name="Shape 2"/>
+        <p:cNvPr id="1" name="Shape 2"/>
         <p:cNvGrpSpPr/>
         <p:nvPr/>
       </p:nvGrpSpPr>
@@ -305,9 +310,11 @@
       <p:sp>
         <p:nvSpPr>
           <p:cNvPr id="3" name="Google Shape;3;n"/>
-          <p:cNvSpPr/>
+          <p:cNvSpPr>
+            <a:spLocks noGrp="1" noRot="1" noChangeAspect="1"/>
+          </p:cNvSpPr>
           <p:nvPr>
-            <p:ph idx="2" type="sldImg"/>
+            <p:ph type="sldImg" idx="2"/>
           </p:nvPr>
         </p:nvSpPr>
         <p:spPr>
@@ -316,9 +323,13 @@
             <a:ext cx="6096075" cy="3429000"/>
           </a:xfrm>
           <a:custGeom>
-            <a:rect b="b" l="l" r="r" t="t"/>
+            <a:avLst/>
+            <a:gdLst/>
+            <a:ahLst/>
+            <a:cxnLst/>
+            <a:rect l="l" t="t" r="r" b="b"/>
             <a:pathLst>
-              <a:path extrusionOk="0" h="120000" w="120000">
+              <a:path w="120000" h="120000" extrusionOk="0">
                 <a:moveTo>
                   <a:pt x="0" y="0"/>
                 </a:moveTo>
@@ -336,23 +347,25 @@
             </a:pathLst>
           </a:custGeom>
           <a:noFill/>
-          <a:ln cap="flat" cmpd="sng" w="9525">
+          <a:ln w="9525" cap="flat" cmpd="sng">
             <a:solidFill>
               <a:srgbClr val="000000"/>
             </a:solidFill>
             <a:prstDash val="solid"/>
             <a:round/>
-            <a:headEnd len="sm" w="sm" type="none"/>
-            <a:tailEnd len="sm" w="sm" type="none"/>
+            <a:headEnd type="none" w="sm" len="sm"/>
+            <a:tailEnd type="none" w="sm" len="sm"/>
           </a:ln>
         </p:spPr>
       </p:sp>
       <p:sp>
         <p:nvSpPr>
           <p:cNvPr id="4" name="Google Shape;4;n"/>
-          <p:cNvSpPr txBox="1"/>
+          <p:cNvSpPr txBox="1">
+            <a:spLocks noGrp="1"/>
+          </p:cNvSpPr>
           <p:nvPr>
-            <p:ph idx="1" type="body"/>
+            <p:ph type="body" idx="1"/>
           </p:nvPr>
         </p:nvSpPr>
         <p:spPr>
@@ -369,11 +382,11 @@
           </a:ln>
         </p:spPr>
         <p:txBody>
-          <a:bodyPr anchorCtr="0" anchor="t" bIns="91425" lIns="91425" spcFirstLastPara="1" rIns="91425" wrap="square" tIns="91425">
+          <a:bodyPr spcFirstLastPara="1" wrap="square" lIns="91425" tIns="91425" rIns="91425" bIns="91425" anchor="t" anchorCtr="0">
             <a:noAutofit/>
           </a:bodyPr>
           <a:lstStyle>
-            <a:lvl1pPr indent="-298450" lvl="0" marL="457200">
+            <a:lvl1pPr marL="457200" lvl="0" indent="-298450">
               <a:spcBef>
                 <a:spcPts val="0"/>
               </a:spcBef>
@@ -384,7 +397,7 @@
               <a:buChar char="●"/>
               <a:defRPr sz="1100"/>
             </a:lvl1pPr>
-            <a:lvl2pPr indent="-298450" lvl="1" marL="914400">
+            <a:lvl2pPr marL="914400" lvl="1" indent="-298450">
               <a:spcBef>
                 <a:spcPts val="0"/>
               </a:spcBef>
@@ -395,7 +408,7 @@
               <a:buChar char="○"/>
               <a:defRPr sz="1100"/>
             </a:lvl2pPr>
-            <a:lvl3pPr indent="-298450" lvl="2" marL="1371600">
+            <a:lvl3pPr marL="1371600" lvl="2" indent="-298450">
               <a:spcBef>
                 <a:spcPts val="0"/>
               </a:spcBef>
@@ -406,7 +419,7 @@
               <a:buChar char="■"/>
               <a:defRPr sz="1100"/>
             </a:lvl3pPr>
-            <a:lvl4pPr indent="-298450" lvl="3" marL="1828800">
+            <a:lvl4pPr marL="1828800" lvl="3" indent="-298450">
               <a:spcBef>
                 <a:spcPts val="0"/>
               </a:spcBef>
@@ -417,7 +430,7 @@
               <a:buChar char="●"/>
               <a:defRPr sz="1100"/>
             </a:lvl4pPr>
-            <a:lvl5pPr indent="-298450" lvl="4" marL="2286000">
+            <a:lvl5pPr marL="2286000" lvl="4" indent="-298450">
               <a:spcBef>
                 <a:spcPts val="0"/>
               </a:spcBef>
@@ -428,7 +441,7 @@
               <a:buChar char="○"/>
               <a:defRPr sz="1100"/>
             </a:lvl5pPr>
-            <a:lvl6pPr indent="-298450" lvl="5" marL="2743200">
+            <a:lvl6pPr marL="2743200" lvl="5" indent="-298450">
               <a:spcBef>
                 <a:spcPts val="0"/>
               </a:spcBef>
@@ -439,7 +452,7 @@
               <a:buChar char="■"/>
               <a:defRPr sz="1100"/>
             </a:lvl6pPr>
-            <a:lvl7pPr indent="-298450" lvl="6" marL="3200400">
+            <a:lvl7pPr marL="3200400" lvl="6" indent="-298450">
               <a:spcBef>
                 <a:spcPts val="0"/>
               </a:spcBef>
@@ -450,7 +463,7 @@
               <a:buChar char="●"/>
               <a:defRPr sz="1100"/>
             </a:lvl7pPr>
-            <a:lvl8pPr indent="-298450" lvl="7" marL="3657600">
+            <a:lvl8pPr marL="3657600" lvl="7" indent="-298450">
               <a:spcBef>
                 <a:spcPts val="0"/>
               </a:spcBef>
@@ -461,7 +474,7 @@
               <a:buChar char="○"/>
               <a:defRPr sz="1100"/>
             </a:lvl8pPr>
-            <a:lvl9pPr indent="-298450" lvl="8" marL="4114800">
+            <a:lvl9pPr marL="4114800" lvl="8" indent="-298450">
               <a:spcBef>
                 <a:spcPts val="0"/>
               </a:spcBef>
@@ -473,14 +486,16 @@
               <a:defRPr sz="1100"/>
             </a:lvl9pPr>
           </a:lstStyle>
-          <a:p/>
+          <a:p>
+            <a:endParaRPr/>
+          </a:p>
         </p:txBody>
       </p:sp>
     </p:spTree>
   </p:cSld>
-  <p:clrMap accent1="accent1" accent2="accent2" accent3="accent3" accent4="accent4" accent5="accent5" accent6="accent6" bg1="lt1" bg2="dk2" tx1="dk1" tx2="lt2" folHlink="folHlink" hlink="hlink"/>
+  <p:clrMap bg1="lt1" tx1="dk1" bg2="dk2" tx2="lt2" accent1="accent1" accent2="accent2" accent3="accent3" accent4="accent4" accent5="accent5" accent6="accent6" hlink="hlink" folHlink="folHlink"/>
   <p:notesStyle>
-    <a:defPPr lvl="0" marR="0" rtl="0" algn="l">
+    <a:defPPr marR="0" lvl="0" algn="l" rtl="0">
       <a:lnSpc>
         <a:spcPct val="100000"/>
       </a:lnSpc>
@@ -491,7 +506,7 @@
         <a:spcPts val="0"/>
       </a:spcAft>
     </a:defPPr>
-    <a:lvl1pPr lvl="0" marR="0" rtl="0" algn="l">
+    <a:lvl1pPr marR="0" lvl="0" algn="l" rtl="0">
       <a:lnSpc>
         <a:spcPct val="100000"/>
       </a:lnSpc>
@@ -505,7 +520,7 @@
         <a:srgbClr val="000000"/>
       </a:buClr>
       <a:buFont typeface="Arial"/>
-      <a:defRPr b="0" i="0" sz="1400" u="none" cap="none" strike="noStrike">
+      <a:defRPr sz="1400" b="0" i="0" u="none" strike="noStrike" cap="none">
         <a:solidFill>
           <a:srgbClr val="000000"/>
         </a:solidFill>
@@ -515,7 +530,7 @@
         <a:sym typeface="Arial"/>
       </a:defRPr>
     </a:lvl1pPr>
-    <a:lvl2pPr lvl="1" marR="0" rtl="0" algn="l">
+    <a:lvl2pPr marR="0" lvl="1" algn="l" rtl="0">
       <a:lnSpc>
         <a:spcPct val="100000"/>
       </a:lnSpc>
@@ -529,7 +544,7 @@
         <a:srgbClr val="000000"/>
       </a:buClr>
       <a:buFont typeface="Arial"/>
-      <a:defRPr b="0" i="0" sz="1400" u="none" cap="none" strike="noStrike">
+      <a:defRPr sz="1400" b="0" i="0" u="none" strike="noStrike" cap="none">
         <a:solidFill>
           <a:srgbClr val="000000"/>
         </a:solidFill>
@@ -539,7 +554,7 @@
         <a:sym typeface="Arial"/>
       </a:defRPr>
     </a:lvl2pPr>
-    <a:lvl3pPr lvl="2" marR="0" rtl="0" algn="l">
+    <a:lvl3pPr marR="0" lvl="2" algn="l" rtl="0">
       <a:lnSpc>
         <a:spcPct val="100000"/>
       </a:lnSpc>
@@ -553,7 +568,7 @@
         <a:srgbClr val="000000"/>
       </a:buClr>
       <a:buFont typeface="Arial"/>
-      <a:defRPr b="0" i="0" sz="1400" u="none" cap="none" strike="noStrike">
+      <a:defRPr sz="1400" b="0" i="0" u="none" strike="noStrike" cap="none">
         <a:solidFill>
           <a:srgbClr val="000000"/>
         </a:solidFill>
@@ -563,7 +578,7 @@
         <a:sym typeface="Arial"/>
       </a:defRPr>
     </a:lvl3pPr>
-    <a:lvl4pPr lvl="3" marR="0" rtl="0" algn="l">
+    <a:lvl4pPr marR="0" lvl="3" algn="l" rtl="0">
       <a:lnSpc>
         <a:spcPct val="100000"/>
       </a:lnSpc>
@@ -577,7 +592,7 @@
         <a:srgbClr val="000000"/>
       </a:buClr>
       <a:buFont typeface="Arial"/>
-      <a:defRPr b="0" i="0" sz="1400" u="none" cap="none" strike="noStrike">
+      <a:defRPr sz="1400" b="0" i="0" u="none" strike="noStrike" cap="none">
         <a:solidFill>
           <a:srgbClr val="000000"/>
         </a:solidFill>
@@ -587,7 +602,7 @@
         <a:sym typeface="Arial"/>
       </a:defRPr>
     </a:lvl4pPr>
-    <a:lvl5pPr lvl="4" marR="0" rtl="0" algn="l">
+    <a:lvl5pPr marR="0" lvl="4" algn="l" rtl="0">
       <a:lnSpc>
         <a:spcPct val="100000"/>
       </a:lnSpc>
@@ -601,7 +616,7 @@
         <a:srgbClr val="000000"/>
       </a:buClr>
       <a:buFont typeface="Arial"/>
-      <a:defRPr b="0" i="0" sz="1400" u="none" cap="none" strike="noStrike">
+      <a:defRPr sz="1400" b="0" i="0" u="none" strike="noStrike" cap="none">
         <a:solidFill>
           <a:srgbClr val="000000"/>
         </a:solidFill>
@@ -611,7 +626,7 @@
         <a:sym typeface="Arial"/>
       </a:defRPr>
     </a:lvl5pPr>
-    <a:lvl6pPr lvl="5" marR="0" rtl="0" algn="l">
+    <a:lvl6pPr marR="0" lvl="5" algn="l" rtl="0">
       <a:lnSpc>
         <a:spcPct val="100000"/>
       </a:lnSpc>
@@ -625,7 +640,7 @@
         <a:srgbClr val="000000"/>
       </a:buClr>
       <a:buFont typeface="Arial"/>
-      <a:defRPr b="0" i="0" sz="1400" u="none" cap="none" strike="noStrike">
+      <a:defRPr sz="1400" b="0" i="0" u="none" strike="noStrike" cap="none">
         <a:solidFill>
           <a:srgbClr val="000000"/>
         </a:solidFill>
@@ -635,7 +650,7 @@
         <a:sym typeface="Arial"/>
       </a:defRPr>
     </a:lvl6pPr>
-    <a:lvl7pPr lvl="6" marR="0" rtl="0" algn="l">
+    <a:lvl7pPr marR="0" lvl="6" algn="l" rtl="0">
       <a:lnSpc>
         <a:spcPct val="100000"/>
       </a:lnSpc>
@@ -649,7 +664,7 @@
         <a:srgbClr val="000000"/>
       </a:buClr>
       <a:buFont typeface="Arial"/>
-      <a:defRPr b="0" i="0" sz="1400" u="none" cap="none" strike="noStrike">
+      <a:defRPr sz="1400" b="0" i="0" u="none" strike="noStrike" cap="none">
         <a:solidFill>
           <a:srgbClr val="000000"/>
         </a:solidFill>
@@ -659,7 +674,7 @@
         <a:sym typeface="Arial"/>
       </a:defRPr>
     </a:lvl7pPr>
-    <a:lvl8pPr lvl="7" marR="0" rtl="0" algn="l">
+    <a:lvl8pPr marR="0" lvl="7" algn="l" rtl="0">
       <a:lnSpc>
         <a:spcPct val="100000"/>
       </a:lnSpc>
@@ -673,7 +688,7 @@
         <a:srgbClr val="000000"/>
       </a:buClr>
       <a:buFont typeface="Arial"/>
-      <a:defRPr b="0" i="0" sz="1400" u="none" cap="none" strike="noStrike">
+      <a:defRPr sz="1400" b="0" i="0" u="none" strike="noStrike" cap="none">
         <a:solidFill>
           <a:srgbClr val="000000"/>
         </a:solidFill>
@@ -683,7 +698,7 @@
         <a:sym typeface="Arial"/>
       </a:defRPr>
     </a:lvl8pPr>
-    <a:lvl9pPr lvl="8" marR="0" rtl="0" algn="l">
+    <a:lvl9pPr marR="0" lvl="8" algn="l" rtl="0">
       <a:lnSpc>
         <a:spcPct val="100000"/>
       </a:lnSpc>
@@ -697,7 +712,7 @@
         <a:srgbClr val="000000"/>
       </a:buClr>
       <a:buFont typeface="Arial"/>
-      <a:defRPr b="0" i="0" sz="1400" u="none" cap="none" strike="noStrike">
+      <a:defRPr sz="1400" b="0" i="0" u="none" strike="noStrike" cap="none">
         <a:solidFill>
           <a:srgbClr val="000000"/>
         </a:solidFill>
@@ -712,11 +727,11 @@
 </file>
 
 <file path=ppt/notesSlides/notesSlide1.xml><?xml version="1.0" encoding="utf-8"?>
-<p:notes xmlns:a="http://schemas.openxmlformats.org/drawingml/2006/main" xmlns:r="http://schemas.openxmlformats.org/officeDocument/2006/relationships" xmlns:mc="http://schemas.openxmlformats.org/markup-compatibility/2006" xmlns:mv="urn:schemas-microsoft-com:mac:vml" xmlns:p="http://schemas.openxmlformats.org/presentationml/2006/main" xmlns:c="http://schemas.openxmlformats.org/drawingml/2006/chart" xmlns:dgm="http://schemas.openxmlformats.org/drawingml/2006/diagram" xmlns:o="urn:schemas-microsoft-com:office:office" xmlns:v="urn:schemas-microsoft-com:vml" xmlns:pvml="urn:schemas-microsoft-com:office:powerpoint" xmlns:com="http://schemas.openxmlformats.org/drawingml/2006/compatibility" xmlns:p14="http://schemas.microsoft.com/office/powerpoint/2010/main" xmlns:p15="http://schemas.microsoft.com/office/powerpoint/2012/main" showMasterPhAnim="0" showMasterSp="0">
+<p:notes xmlns:a="http://schemas.openxmlformats.org/drawingml/2006/main" xmlns:r="http://schemas.openxmlformats.org/officeDocument/2006/relationships" xmlns:p="http://schemas.openxmlformats.org/presentationml/2006/main" showMasterSp="0" showMasterPhAnim="0">
   <p:cSld>
     <p:spTree>
       <p:nvGrpSpPr>
-        <p:cNvPr id="58" name="Shape 58"/>
+        <p:cNvPr id="1" name="Shape 58"/>
         <p:cNvGrpSpPr/>
         <p:nvPr/>
       </p:nvGrpSpPr>
@@ -731,9 +746,11 @@
       <p:sp>
         <p:nvSpPr>
           <p:cNvPr id="59" name="Google Shape;59;p:notes"/>
-          <p:cNvSpPr/>
+          <p:cNvSpPr>
+            <a:spLocks noGrp="1" noRot="1" noChangeAspect="1"/>
+          </p:cNvSpPr>
           <p:nvPr>
-            <p:ph idx="2" type="sldImg"/>
+            <p:ph type="sldImg" idx="2"/>
           </p:nvPr>
         </p:nvSpPr>
         <p:spPr>
@@ -742,9 +759,13 @@
             <a:ext cx="6096075" cy="3429000"/>
           </a:xfrm>
           <a:custGeom>
-            <a:rect b="b" l="l" r="r" t="t"/>
+            <a:avLst/>
+            <a:gdLst/>
+            <a:ahLst/>
+            <a:cxnLst/>
+            <a:rect l="l" t="t" r="r" b="b"/>
             <a:pathLst>
-              <a:path extrusionOk="0" h="120000" w="120000">
+              <a:path w="120000" h="120000" extrusionOk="0">
                 <a:moveTo>
                   <a:pt x="0" y="0"/>
                 </a:moveTo>
@@ -766,9 +787,11 @@
       <p:sp>
         <p:nvSpPr>
           <p:cNvPr id="60" name="Google Shape;60;p:notes"/>
-          <p:cNvSpPr txBox="1"/>
+          <p:cNvSpPr txBox="1">
+            <a:spLocks noGrp="1"/>
+          </p:cNvSpPr>
           <p:nvPr>
-            <p:ph idx="1" type="body"/>
+            <p:ph type="body" idx="1"/>
           </p:nvPr>
         </p:nvSpPr>
         <p:spPr>
@@ -781,12 +804,12 @@
           </a:prstGeom>
         </p:spPr>
         <p:txBody>
-          <a:bodyPr anchorCtr="0" anchor="t" bIns="91425" lIns="91425" spcFirstLastPara="1" rIns="91425" wrap="square" tIns="91425">
+          <a:bodyPr spcFirstLastPara="1" wrap="square" lIns="91425" tIns="91425" rIns="91425" bIns="91425" anchor="t" anchorCtr="0">
             <a:noAutofit/>
           </a:bodyPr>
           <a:lstStyle/>
           <a:p>
-            <a:pPr indent="0" lvl="0" marL="0" rtl="0" algn="l">
+            <a:pPr marL="0" lvl="0" indent="0" algn="l" rtl="0">
               <a:spcBef>
                 <a:spcPts val="0"/>
               </a:spcBef>
@@ -795,9 +818,6 @@
               </a:spcAft>
               <a:buNone/>
             </a:pPr>
-            <a:r>
-              <a:t/>
-            </a:r>
             <a:endParaRPr/>
           </a:p>
         </p:txBody>
@@ -811,11 +831,11 @@
 </file>
 
 <file path=ppt/notesSlides/notesSlide10.xml><?xml version="1.0" encoding="utf-8"?>
-<p:notes xmlns:a="http://schemas.openxmlformats.org/drawingml/2006/main" xmlns:r="http://schemas.openxmlformats.org/officeDocument/2006/relationships" xmlns:mc="http://schemas.openxmlformats.org/markup-compatibility/2006" xmlns:mv="urn:schemas-microsoft-com:mac:vml" xmlns:p="http://schemas.openxmlformats.org/presentationml/2006/main" xmlns:c="http://schemas.openxmlformats.org/drawingml/2006/chart" xmlns:dgm="http://schemas.openxmlformats.org/drawingml/2006/diagram" xmlns:o="urn:schemas-microsoft-com:office:office" xmlns:v="urn:schemas-microsoft-com:vml" xmlns:pvml="urn:schemas-microsoft-com:office:powerpoint" xmlns:com="http://schemas.openxmlformats.org/drawingml/2006/compatibility" xmlns:p14="http://schemas.microsoft.com/office/powerpoint/2010/main" xmlns:p15="http://schemas.microsoft.com/office/powerpoint/2012/main" showMasterPhAnim="0" showMasterSp="0">
+<p:notes xmlns:a="http://schemas.openxmlformats.org/drawingml/2006/main" xmlns:r="http://schemas.openxmlformats.org/officeDocument/2006/relationships" xmlns:p="http://schemas.openxmlformats.org/presentationml/2006/main" showMasterSp="0" showMasterPhAnim="0">
   <p:cSld>
     <p:spTree>
       <p:nvGrpSpPr>
-        <p:cNvPr id="113" name="Shape 113"/>
+        <p:cNvPr id="1" name="Shape 113"/>
         <p:cNvGrpSpPr/>
         <p:nvPr/>
       </p:nvGrpSpPr>
@@ -830,20 +850,26 @@
       <p:sp>
         <p:nvSpPr>
           <p:cNvPr id="114" name="Google Shape;114;g5fca08cf1f_0_358:notes"/>
-          <p:cNvSpPr/>
+          <p:cNvSpPr>
+            <a:spLocks noGrp="1" noRot="1" noChangeAspect="1"/>
+          </p:cNvSpPr>
           <p:nvPr>
-            <p:ph idx="2" type="sldImg"/>
+            <p:ph type="sldImg" idx="2"/>
           </p:nvPr>
         </p:nvSpPr>
         <p:spPr>
           <a:xfrm>
-            <a:off x="381300" y="685800"/>
+            <a:off x="381000" y="685800"/>
             <a:ext cx="6096000" cy="3429000"/>
           </a:xfrm>
           <a:custGeom>
-            <a:rect b="b" l="l" r="r" t="t"/>
+            <a:avLst/>
+            <a:gdLst/>
+            <a:ahLst/>
+            <a:cxnLst/>
+            <a:rect l="l" t="t" r="r" b="b"/>
             <a:pathLst>
-              <a:path extrusionOk="0" h="120000" w="120000">
+              <a:path w="120000" h="120000" extrusionOk="0">
                 <a:moveTo>
                   <a:pt x="0" y="0"/>
                 </a:moveTo>
@@ -865,9 +891,11 @@
       <p:sp>
         <p:nvSpPr>
           <p:cNvPr id="115" name="Google Shape;115;g5fca08cf1f_0_358:notes"/>
-          <p:cNvSpPr txBox="1"/>
+          <p:cNvSpPr txBox="1">
+            <a:spLocks noGrp="1"/>
+          </p:cNvSpPr>
           <p:nvPr>
-            <p:ph idx="1" type="body"/>
+            <p:ph type="body" idx="1"/>
           </p:nvPr>
         </p:nvSpPr>
         <p:spPr>
@@ -880,12 +908,12 @@
           </a:prstGeom>
         </p:spPr>
         <p:txBody>
-          <a:bodyPr anchorCtr="0" anchor="t" bIns="91425" lIns="91425" spcFirstLastPara="1" rIns="91425" wrap="square" tIns="91425">
+          <a:bodyPr spcFirstLastPara="1" wrap="square" lIns="91425" tIns="91425" rIns="91425" bIns="91425" anchor="t" anchorCtr="0">
             <a:noAutofit/>
           </a:bodyPr>
           <a:lstStyle/>
           <a:p>
-            <a:pPr indent="0" lvl="0" marL="0" rtl="0" algn="l">
+            <a:pPr marL="0" lvl="0" indent="0" algn="l" rtl="0">
               <a:spcBef>
                 <a:spcPts val="0"/>
               </a:spcBef>
@@ -894,9 +922,6 @@
               </a:spcAft>
               <a:buNone/>
             </a:pPr>
-            <a:r>
-              <a:t/>
-            </a:r>
             <a:endParaRPr/>
           </a:p>
         </p:txBody>
@@ -910,11 +935,11 @@
 </file>
 
 <file path=ppt/notesSlides/notesSlide2.xml><?xml version="1.0" encoding="utf-8"?>
-<p:notes xmlns:a="http://schemas.openxmlformats.org/drawingml/2006/main" xmlns:r="http://schemas.openxmlformats.org/officeDocument/2006/relationships" xmlns:mc="http://schemas.openxmlformats.org/markup-compatibility/2006" xmlns:mv="urn:schemas-microsoft-com:mac:vml" xmlns:p="http://schemas.openxmlformats.org/presentationml/2006/main" xmlns:c="http://schemas.openxmlformats.org/drawingml/2006/chart" xmlns:dgm="http://schemas.openxmlformats.org/drawingml/2006/diagram" xmlns:o="urn:schemas-microsoft-com:office:office" xmlns:v="urn:schemas-microsoft-com:vml" xmlns:pvml="urn:schemas-microsoft-com:office:powerpoint" xmlns:com="http://schemas.openxmlformats.org/drawingml/2006/compatibility" xmlns:p14="http://schemas.microsoft.com/office/powerpoint/2010/main" xmlns:p15="http://schemas.microsoft.com/office/powerpoint/2012/main" showMasterPhAnim="0" showMasterSp="0">
+<p:notes xmlns:a="http://schemas.openxmlformats.org/drawingml/2006/main" xmlns:r="http://schemas.openxmlformats.org/officeDocument/2006/relationships" xmlns:p="http://schemas.openxmlformats.org/presentationml/2006/main" showMasterSp="0" showMasterPhAnim="0">
   <p:cSld>
     <p:spTree>
       <p:nvGrpSpPr>
-        <p:cNvPr id="64" name="Shape 64"/>
+        <p:cNvPr id="1" name="Shape 64"/>
         <p:cNvGrpSpPr/>
         <p:nvPr/>
       </p:nvGrpSpPr>
@@ -929,9 +954,11 @@
       <p:sp>
         <p:nvSpPr>
           <p:cNvPr id="65" name="Google Shape;65;g5fca08cf1f_0_103:notes"/>
-          <p:cNvSpPr/>
+          <p:cNvSpPr>
+            <a:spLocks noGrp="1" noRot="1" noChangeAspect="1"/>
+          </p:cNvSpPr>
           <p:nvPr>
-            <p:ph idx="2" type="sldImg"/>
+            <p:ph type="sldImg" idx="2"/>
           </p:nvPr>
         </p:nvSpPr>
         <p:spPr>
@@ -940,9 +967,13 @@
             <a:ext cx="6096000" cy="3429000"/>
           </a:xfrm>
           <a:custGeom>
-            <a:rect b="b" l="l" r="r" t="t"/>
+            <a:avLst/>
+            <a:gdLst/>
+            <a:ahLst/>
+            <a:cxnLst/>
+            <a:rect l="l" t="t" r="r" b="b"/>
             <a:pathLst>
-              <a:path extrusionOk="0" h="120000" w="120000">
+              <a:path w="120000" h="120000" extrusionOk="0">
                 <a:moveTo>
                   <a:pt x="0" y="0"/>
                 </a:moveTo>
@@ -964,9 +995,11 @@
       <p:sp>
         <p:nvSpPr>
           <p:cNvPr id="66" name="Google Shape;66;g5fca08cf1f_0_103:notes"/>
-          <p:cNvSpPr txBox="1"/>
+          <p:cNvSpPr txBox="1">
+            <a:spLocks noGrp="1"/>
+          </p:cNvSpPr>
           <p:nvPr>
-            <p:ph idx="1" type="body"/>
+            <p:ph type="body" idx="1"/>
           </p:nvPr>
         </p:nvSpPr>
         <p:spPr>
@@ -979,12 +1012,12 @@
           </a:prstGeom>
         </p:spPr>
         <p:txBody>
-          <a:bodyPr anchorCtr="0" anchor="t" bIns="91425" lIns="91425" spcFirstLastPara="1" rIns="91425" wrap="square" tIns="91425">
+          <a:bodyPr spcFirstLastPara="1" wrap="square" lIns="91425" tIns="91425" rIns="91425" bIns="91425" anchor="t" anchorCtr="0">
             <a:noAutofit/>
           </a:bodyPr>
           <a:lstStyle/>
           <a:p>
-            <a:pPr indent="0" lvl="0" marL="0" rtl="0" algn="l">
+            <a:pPr marL="0" lvl="0" indent="0" algn="l" rtl="0">
               <a:spcBef>
                 <a:spcPts val="0"/>
               </a:spcBef>
@@ -993,9 +1026,6 @@
               </a:spcAft>
               <a:buNone/>
             </a:pPr>
-            <a:r>
-              <a:t/>
-            </a:r>
             <a:endParaRPr/>
           </a:p>
         </p:txBody>
@@ -1009,11 +1039,11 @@
 </file>
 
 <file path=ppt/notesSlides/notesSlide3.xml><?xml version="1.0" encoding="utf-8"?>
-<p:notes xmlns:a="http://schemas.openxmlformats.org/drawingml/2006/main" xmlns:r="http://schemas.openxmlformats.org/officeDocument/2006/relationships" xmlns:mc="http://schemas.openxmlformats.org/markup-compatibility/2006" xmlns:mv="urn:schemas-microsoft-com:mac:vml" xmlns:p="http://schemas.openxmlformats.org/presentationml/2006/main" xmlns:c="http://schemas.openxmlformats.org/drawingml/2006/chart" xmlns:dgm="http://schemas.openxmlformats.org/drawingml/2006/diagram" xmlns:o="urn:schemas-microsoft-com:office:office" xmlns:v="urn:schemas-microsoft-com:vml" xmlns:pvml="urn:schemas-microsoft-com:office:powerpoint" xmlns:com="http://schemas.openxmlformats.org/drawingml/2006/compatibility" xmlns:p14="http://schemas.microsoft.com/office/powerpoint/2010/main" xmlns:p15="http://schemas.microsoft.com/office/powerpoint/2012/main" showMasterPhAnim="0" showMasterSp="0">
+<p:notes xmlns:a="http://schemas.openxmlformats.org/drawingml/2006/main" xmlns:r="http://schemas.openxmlformats.org/officeDocument/2006/relationships" xmlns:p="http://schemas.openxmlformats.org/presentationml/2006/main" showMasterSp="0" showMasterPhAnim="0">
   <p:cSld>
     <p:spTree>
       <p:nvGrpSpPr>
-        <p:cNvPr id="71" name="Shape 71"/>
+        <p:cNvPr id="1" name="Shape 71"/>
         <p:cNvGrpSpPr/>
         <p:nvPr/>
       </p:nvGrpSpPr>
@@ -1028,9 +1058,11 @@
       <p:sp>
         <p:nvSpPr>
           <p:cNvPr id="72" name="Google Shape;72;g5fca08cf1f_0_318:notes"/>
-          <p:cNvSpPr/>
+          <p:cNvSpPr>
+            <a:spLocks noGrp="1" noRot="1" noChangeAspect="1"/>
+          </p:cNvSpPr>
           <p:nvPr>
-            <p:ph idx="2" type="sldImg"/>
+            <p:ph type="sldImg" idx="2"/>
           </p:nvPr>
         </p:nvSpPr>
         <p:spPr>
@@ -1039,9 +1071,13 @@
             <a:ext cx="6096000" cy="3429000"/>
           </a:xfrm>
           <a:custGeom>
-            <a:rect b="b" l="l" r="r" t="t"/>
+            <a:avLst/>
+            <a:gdLst/>
+            <a:ahLst/>
+            <a:cxnLst/>
+            <a:rect l="l" t="t" r="r" b="b"/>
             <a:pathLst>
-              <a:path extrusionOk="0" h="120000" w="120000">
+              <a:path w="120000" h="120000" extrusionOk="0">
                 <a:moveTo>
                   <a:pt x="0" y="0"/>
                 </a:moveTo>
@@ -1063,9 +1099,11 @@
       <p:sp>
         <p:nvSpPr>
           <p:cNvPr id="73" name="Google Shape;73;g5fca08cf1f_0_318:notes"/>
-          <p:cNvSpPr txBox="1"/>
+          <p:cNvSpPr txBox="1">
+            <a:spLocks noGrp="1"/>
+          </p:cNvSpPr>
           <p:nvPr>
-            <p:ph idx="1" type="body"/>
+            <p:ph type="body" idx="1"/>
           </p:nvPr>
         </p:nvSpPr>
         <p:spPr>
@@ -1078,12 +1116,12 @@
           </a:prstGeom>
         </p:spPr>
         <p:txBody>
-          <a:bodyPr anchorCtr="0" anchor="t" bIns="91425" lIns="91425" spcFirstLastPara="1" rIns="91425" wrap="square" tIns="91425">
+          <a:bodyPr spcFirstLastPara="1" wrap="square" lIns="91425" tIns="91425" rIns="91425" bIns="91425" anchor="t" anchorCtr="0">
             <a:noAutofit/>
           </a:bodyPr>
           <a:lstStyle/>
           <a:p>
-            <a:pPr indent="0" lvl="0" marL="0" rtl="0" algn="l">
+            <a:pPr marL="0" lvl="0" indent="0" algn="l" rtl="0">
               <a:spcBef>
                 <a:spcPts val="0"/>
               </a:spcBef>
@@ -1092,9 +1130,6 @@
               </a:spcAft>
               <a:buNone/>
             </a:pPr>
-            <a:r>
-              <a:t/>
-            </a:r>
             <a:endParaRPr/>
           </a:p>
         </p:txBody>
@@ -1108,11 +1143,11 @@
 </file>
 
 <file path=ppt/notesSlides/notesSlide4.xml><?xml version="1.0" encoding="utf-8"?>
-<p:notes xmlns:a="http://schemas.openxmlformats.org/drawingml/2006/main" xmlns:r="http://schemas.openxmlformats.org/officeDocument/2006/relationships" xmlns:mc="http://schemas.openxmlformats.org/markup-compatibility/2006" xmlns:mv="urn:schemas-microsoft-com:mac:vml" xmlns:p="http://schemas.openxmlformats.org/presentationml/2006/main" xmlns:c="http://schemas.openxmlformats.org/drawingml/2006/chart" xmlns:dgm="http://schemas.openxmlformats.org/drawingml/2006/diagram" xmlns:o="urn:schemas-microsoft-com:office:office" xmlns:v="urn:schemas-microsoft-com:vml" xmlns:pvml="urn:schemas-microsoft-com:office:powerpoint" xmlns:com="http://schemas.openxmlformats.org/drawingml/2006/compatibility" xmlns:p14="http://schemas.microsoft.com/office/powerpoint/2010/main" xmlns:p15="http://schemas.microsoft.com/office/powerpoint/2012/main" showMasterPhAnim="0" showMasterSp="0">
+<p:notes xmlns:a="http://schemas.openxmlformats.org/drawingml/2006/main" xmlns:r="http://schemas.openxmlformats.org/officeDocument/2006/relationships" xmlns:p="http://schemas.openxmlformats.org/presentationml/2006/main" showMasterSp="0" showMasterPhAnim="0">
   <p:cSld>
     <p:spTree>
       <p:nvGrpSpPr>
-        <p:cNvPr id="77" name="Shape 77"/>
+        <p:cNvPr id="1" name="Shape 77"/>
         <p:cNvGrpSpPr/>
         <p:nvPr/>
       </p:nvGrpSpPr>
@@ -1127,9 +1162,11 @@
       <p:sp>
         <p:nvSpPr>
           <p:cNvPr id="78" name="Google Shape;78;g5fca08cf1f_0_328:notes"/>
-          <p:cNvSpPr/>
+          <p:cNvSpPr>
+            <a:spLocks noGrp="1" noRot="1" noChangeAspect="1"/>
+          </p:cNvSpPr>
           <p:nvPr>
-            <p:ph idx="2" type="sldImg"/>
+            <p:ph type="sldImg" idx="2"/>
           </p:nvPr>
         </p:nvSpPr>
         <p:spPr>
@@ -1138,9 +1175,13 @@
             <a:ext cx="6096000" cy="3429000"/>
           </a:xfrm>
           <a:custGeom>
-            <a:rect b="b" l="l" r="r" t="t"/>
+            <a:avLst/>
+            <a:gdLst/>
+            <a:ahLst/>
+            <a:cxnLst/>
+            <a:rect l="l" t="t" r="r" b="b"/>
             <a:pathLst>
-              <a:path extrusionOk="0" h="120000" w="120000">
+              <a:path w="120000" h="120000" extrusionOk="0">
                 <a:moveTo>
                   <a:pt x="0" y="0"/>
                 </a:moveTo>
@@ -1162,9 +1203,11 @@
       <p:sp>
         <p:nvSpPr>
           <p:cNvPr id="79" name="Google Shape;79;g5fca08cf1f_0_328:notes"/>
-          <p:cNvSpPr txBox="1"/>
+          <p:cNvSpPr txBox="1">
+            <a:spLocks noGrp="1"/>
+          </p:cNvSpPr>
           <p:nvPr>
-            <p:ph idx="1" type="body"/>
+            <p:ph type="body" idx="1"/>
           </p:nvPr>
         </p:nvSpPr>
         <p:spPr>
@@ -1177,12 +1220,12 @@
           </a:prstGeom>
         </p:spPr>
         <p:txBody>
-          <a:bodyPr anchorCtr="0" anchor="t" bIns="91425" lIns="91425" spcFirstLastPara="1" rIns="91425" wrap="square" tIns="91425">
+          <a:bodyPr spcFirstLastPara="1" wrap="square" lIns="91425" tIns="91425" rIns="91425" bIns="91425" anchor="t" anchorCtr="0">
             <a:noAutofit/>
           </a:bodyPr>
           <a:lstStyle/>
           <a:p>
-            <a:pPr indent="0" lvl="0" marL="0" rtl="0" algn="l">
+            <a:pPr marL="0" lvl="0" indent="0" algn="l" rtl="0">
               <a:spcBef>
                 <a:spcPts val="0"/>
               </a:spcBef>
@@ -1191,9 +1234,6 @@
               </a:spcAft>
               <a:buNone/>
             </a:pPr>
-            <a:r>
-              <a:t/>
-            </a:r>
             <a:endParaRPr/>
           </a:p>
         </p:txBody>
@@ -1207,11 +1247,11 @@
 </file>
 
 <file path=ppt/notesSlides/notesSlide5.xml><?xml version="1.0" encoding="utf-8"?>
-<p:notes xmlns:a="http://schemas.openxmlformats.org/drawingml/2006/main" xmlns:r="http://schemas.openxmlformats.org/officeDocument/2006/relationships" xmlns:mc="http://schemas.openxmlformats.org/markup-compatibility/2006" xmlns:mv="urn:schemas-microsoft-com:mac:vml" xmlns:p="http://schemas.openxmlformats.org/presentationml/2006/main" xmlns:c="http://schemas.openxmlformats.org/drawingml/2006/chart" xmlns:dgm="http://schemas.openxmlformats.org/drawingml/2006/diagram" xmlns:o="urn:schemas-microsoft-com:office:office" xmlns:v="urn:schemas-microsoft-com:vml" xmlns:pvml="urn:schemas-microsoft-com:office:powerpoint" xmlns:com="http://schemas.openxmlformats.org/drawingml/2006/compatibility" xmlns:p14="http://schemas.microsoft.com/office/powerpoint/2010/main" xmlns:p15="http://schemas.microsoft.com/office/powerpoint/2012/main" showMasterPhAnim="0" showMasterSp="0">
+<p:notes xmlns:a="http://schemas.openxmlformats.org/drawingml/2006/main" xmlns:r="http://schemas.openxmlformats.org/officeDocument/2006/relationships" xmlns:p="http://schemas.openxmlformats.org/presentationml/2006/main" showMasterSp="0" showMasterPhAnim="0">
   <p:cSld>
     <p:spTree>
       <p:nvGrpSpPr>
-        <p:cNvPr id="83" name="Shape 83"/>
+        <p:cNvPr id="1" name="Shape 83"/>
         <p:cNvGrpSpPr/>
         <p:nvPr/>
       </p:nvGrpSpPr>
@@ -1226,9 +1266,11 @@
       <p:sp>
         <p:nvSpPr>
           <p:cNvPr id="84" name="Google Shape;84;g5fca08cf1f_0_333:notes"/>
-          <p:cNvSpPr/>
+          <p:cNvSpPr>
+            <a:spLocks noGrp="1" noRot="1" noChangeAspect="1"/>
+          </p:cNvSpPr>
           <p:nvPr>
-            <p:ph idx="2" type="sldImg"/>
+            <p:ph type="sldImg" idx="2"/>
           </p:nvPr>
         </p:nvSpPr>
         <p:spPr>
@@ -1237,9 +1279,13 @@
             <a:ext cx="6096000" cy="3429000"/>
           </a:xfrm>
           <a:custGeom>
-            <a:rect b="b" l="l" r="r" t="t"/>
+            <a:avLst/>
+            <a:gdLst/>
+            <a:ahLst/>
+            <a:cxnLst/>
+            <a:rect l="l" t="t" r="r" b="b"/>
             <a:pathLst>
-              <a:path extrusionOk="0" h="120000" w="120000">
+              <a:path w="120000" h="120000" extrusionOk="0">
                 <a:moveTo>
                   <a:pt x="0" y="0"/>
                 </a:moveTo>
@@ -1261,9 +1307,11 @@
       <p:sp>
         <p:nvSpPr>
           <p:cNvPr id="85" name="Google Shape;85;g5fca08cf1f_0_333:notes"/>
-          <p:cNvSpPr txBox="1"/>
+          <p:cNvSpPr txBox="1">
+            <a:spLocks noGrp="1"/>
+          </p:cNvSpPr>
           <p:nvPr>
-            <p:ph idx="1" type="body"/>
+            <p:ph type="body" idx="1"/>
           </p:nvPr>
         </p:nvSpPr>
         <p:spPr>
@@ -1276,12 +1324,12 @@
           </a:prstGeom>
         </p:spPr>
         <p:txBody>
-          <a:bodyPr anchorCtr="0" anchor="t" bIns="91425" lIns="91425" spcFirstLastPara="1" rIns="91425" wrap="square" tIns="91425">
+          <a:bodyPr spcFirstLastPara="1" wrap="square" lIns="91425" tIns="91425" rIns="91425" bIns="91425" anchor="t" anchorCtr="0">
             <a:noAutofit/>
           </a:bodyPr>
           <a:lstStyle/>
           <a:p>
-            <a:pPr indent="0" lvl="0" marL="0" rtl="0" algn="l">
+            <a:pPr marL="0" lvl="0" indent="0" algn="l" rtl="0">
               <a:spcBef>
                 <a:spcPts val="0"/>
               </a:spcBef>
@@ -1290,9 +1338,6 @@
               </a:spcAft>
               <a:buNone/>
             </a:pPr>
-            <a:r>
-              <a:t/>
-            </a:r>
             <a:endParaRPr/>
           </a:p>
         </p:txBody>
@@ -1306,11 +1351,11 @@
 </file>
 
 <file path=ppt/notesSlides/notesSlide6.xml><?xml version="1.0" encoding="utf-8"?>
-<p:notes xmlns:a="http://schemas.openxmlformats.org/drawingml/2006/main" xmlns:r="http://schemas.openxmlformats.org/officeDocument/2006/relationships" xmlns:mc="http://schemas.openxmlformats.org/markup-compatibility/2006" xmlns:mv="urn:schemas-microsoft-com:mac:vml" xmlns:p="http://schemas.openxmlformats.org/presentationml/2006/main" xmlns:c="http://schemas.openxmlformats.org/drawingml/2006/chart" xmlns:dgm="http://schemas.openxmlformats.org/drawingml/2006/diagram" xmlns:o="urn:schemas-microsoft-com:office:office" xmlns:v="urn:schemas-microsoft-com:vml" xmlns:pvml="urn:schemas-microsoft-com:office:powerpoint" xmlns:com="http://schemas.openxmlformats.org/drawingml/2006/compatibility" xmlns:p14="http://schemas.microsoft.com/office/powerpoint/2010/main" xmlns:p15="http://schemas.microsoft.com/office/powerpoint/2012/main" showMasterPhAnim="0" showMasterSp="0">
+<p:notes xmlns:a="http://schemas.openxmlformats.org/drawingml/2006/main" xmlns:r="http://schemas.openxmlformats.org/officeDocument/2006/relationships" xmlns:p="http://schemas.openxmlformats.org/presentationml/2006/main" showMasterSp="0" showMasterPhAnim="0">
   <p:cSld>
     <p:spTree>
       <p:nvGrpSpPr>
-        <p:cNvPr id="89" name="Shape 89"/>
+        <p:cNvPr id="1" name="Shape 89"/>
         <p:cNvGrpSpPr/>
         <p:nvPr/>
       </p:nvGrpSpPr>
@@ -1325,20 +1370,26 @@
       <p:sp>
         <p:nvSpPr>
           <p:cNvPr id="90" name="Google Shape;90;g5fca08cf1f_0_338:notes"/>
-          <p:cNvSpPr/>
+          <p:cNvSpPr>
+            <a:spLocks noGrp="1" noRot="1" noChangeAspect="1"/>
+          </p:cNvSpPr>
           <p:nvPr>
-            <p:ph idx="2" type="sldImg"/>
+            <p:ph type="sldImg" idx="2"/>
           </p:nvPr>
         </p:nvSpPr>
         <p:spPr>
           <a:xfrm>
-            <a:off x="381300" y="685800"/>
+            <a:off x="381000" y="685800"/>
             <a:ext cx="6096000" cy="3429000"/>
           </a:xfrm>
           <a:custGeom>
-            <a:rect b="b" l="l" r="r" t="t"/>
+            <a:avLst/>
+            <a:gdLst/>
+            <a:ahLst/>
+            <a:cxnLst/>
+            <a:rect l="l" t="t" r="r" b="b"/>
             <a:pathLst>
-              <a:path extrusionOk="0" h="120000" w="120000">
+              <a:path w="120000" h="120000" extrusionOk="0">
                 <a:moveTo>
                   <a:pt x="0" y="0"/>
                 </a:moveTo>
@@ -1360,9 +1411,11 @@
       <p:sp>
         <p:nvSpPr>
           <p:cNvPr id="91" name="Google Shape;91;g5fca08cf1f_0_338:notes"/>
-          <p:cNvSpPr txBox="1"/>
+          <p:cNvSpPr txBox="1">
+            <a:spLocks noGrp="1"/>
+          </p:cNvSpPr>
           <p:nvPr>
-            <p:ph idx="1" type="body"/>
+            <p:ph type="body" idx="1"/>
           </p:nvPr>
         </p:nvSpPr>
         <p:spPr>
@@ -1375,12 +1428,12 @@
           </a:prstGeom>
         </p:spPr>
         <p:txBody>
-          <a:bodyPr anchorCtr="0" anchor="t" bIns="91425" lIns="91425" spcFirstLastPara="1" rIns="91425" wrap="square" tIns="91425">
+          <a:bodyPr spcFirstLastPara="1" wrap="square" lIns="91425" tIns="91425" rIns="91425" bIns="91425" anchor="t" anchorCtr="0">
             <a:noAutofit/>
           </a:bodyPr>
           <a:lstStyle/>
           <a:p>
-            <a:pPr indent="0" lvl="0" marL="0" rtl="0" algn="l">
+            <a:pPr marL="0" lvl="0" indent="0" algn="l" rtl="0">
               <a:spcBef>
                 <a:spcPts val="0"/>
               </a:spcBef>
@@ -1389,9 +1442,6 @@
               </a:spcAft>
               <a:buNone/>
             </a:pPr>
-            <a:r>
-              <a:t/>
-            </a:r>
             <a:endParaRPr/>
           </a:p>
         </p:txBody>
@@ -1405,11 +1455,11 @@
 </file>
 
 <file path=ppt/notesSlides/notesSlide7.xml><?xml version="1.0" encoding="utf-8"?>
-<p:notes xmlns:a="http://schemas.openxmlformats.org/drawingml/2006/main" xmlns:r="http://schemas.openxmlformats.org/officeDocument/2006/relationships" xmlns:mc="http://schemas.openxmlformats.org/markup-compatibility/2006" xmlns:mv="urn:schemas-microsoft-com:mac:vml" xmlns:p="http://schemas.openxmlformats.org/presentationml/2006/main" xmlns:c="http://schemas.openxmlformats.org/drawingml/2006/chart" xmlns:dgm="http://schemas.openxmlformats.org/drawingml/2006/diagram" xmlns:o="urn:schemas-microsoft-com:office:office" xmlns:v="urn:schemas-microsoft-com:vml" xmlns:pvml="urn:schemas-microsoft-com:office:powerpoint" xmlns:com="http://schemas.openxmlformats.org/drawingml/2006/compatibility" xmlns:p14="http://schemas.microsoft.com/office/powerpoint/2010/main" xmlns:p15="http://schemas.microsoft.com/office/powerpoint/2012/main" showMasterPhAnim="0" showMasterSp="0">
+<p:notes xmlns:a="http://schemas.openxmlformats.org/drawingml/2006/main" xmlns:r="http://schemas.openxmlformats.org/officeDocument/2006/relationships" xmlns:p="http://schemas.openxmlformats.org/presentationml/2006/main" showMasterSp="0" showMasterPhAnim="0">
   <p:cSld>
     <p:spTree>
       <p:nvGrpSpPr>
-        <p:cNvPr id="95" name="Shape 95"/>
+        <p:cNvPr id="1" name="Shape 95"/>
         <p:cNvGrpSpPr/>
         <p:nvPr/>
       </p:nvGrpSpPr>
@@ -1424,9 +1474,11 @@
       <p:sp>
         <p:nvSpPr>
           <p:cNvPr id="96" name="Google Shape;96;g5fca08cf1f_0_343:notes"/>
-          <p:cNvSpPr/>
+          <p:cNvSpPr>
+            <a:spLocks noGrp="1" noRot="1" noChangeAspect="1"/>
+          </p:cNvSpPr>
           <p:nvPr>
-            <p:ph idx="2" type="sldImg"/>
+            <p:ph type="sldImg" idx="2"/>
           </p:nvPr>
         </p:nvSpPr>
         <p:spPr>
@@ -1435,9 +1487,13 @@
             <a:ext cx="6096000" cy="3429000"/>
           </a:xfrm>
           <a:custGeom>
-            <a:rect b="b" l="l" r="r" t="t"/>
+            <a:avLst/>
+            <a:gdLst/>
+            <a:ahLst/>
+            <a:cxnLst/>
+            <a:rect l="l" t="t" r="r" b="b"/>
             <a:pathLst>
-              <a:path extrusionOk="0" h="120000" w="120000">
+              <a:path w="120000" h="120000" extrusionOk="0">
                 <a:moveTo>
                   <a:pt x="0" y="0"/>
                 </a:moveTo>
@@ -1459,9 +1515,11 @@
       <p:sp>
         <p:nvSpPr>
           <p:cNvPr id="97" name="Google Shape;97;g5fca08cf1f_0_343:notes"/>
-          <p:cNvSpPr txBox="1"/>
+          <p:cNvSpPr txBox="1">
+            <a:spLocks noGrp="1"/>
+          </p:cNvSpPr>
           <p:nvPr>
-            <p:ph idx="1" type="body"/>
+            <p:ph type="body" idx="1"/>
           </p:nvPr>
         </p:nvSpPr>
         <p:spPr>
@@ -1474,12 +1532,12 @@
           </a:prstGeom>
         </p:spPr>
         <p:txBody>
-          <a:bodyPr anchorCtr="0" anchor="t" bIns="91425" lIns="91425" spcFirstLastPara="1" rIns="91425" wrap="square" tIns="91425">
+          <a:bodyPr spcFirstLastPara="1" wrap="square" lIns="91425" tIns="91425" rIns="91425" bIns="91425" anchor="t" anchorCtr="0">
             <a:noAutofit/>
           </a:bodyPr>
           <a:lstStyle/>
           <a:p>
-            <a:pPr indent="0" lvl="0" marL="0" rtl="0" algn="l">
+            <a:pPr marL="0" lvl="0" indent="0" algn="l" rtl="0">
               <a:spcBef>
                 <a:spcPts val="0"/>
               </a:spcBef>
@@ -1488,9 +1546,6 @@
               </a:spcAft>
               <a:buNone/>
             </a:pPr>
-            <a:r>
-              <a:t/>
-            </a:r>
             <a:endParaRPr/>
           </a:p>
         </p:txBody>
@@ -1504,11 +1559,11 @@
 </file>
 
 <file path=ppt/notesSlides/notesSlide8.xml><?xml version="1.0" encoding="utf-8"?>
-<p:notes xmlns:a="http://schemas.openxmlformats.org/drawingml/2006/main" xmlns:r="http://schemas.openxmlformats.org/officeDocument/2006/relationships" xmlns:mc="http://schemas.openxmlformats.org/markup-compatibility/2006" xmlns:mv="urn:schemas-microsoft-com:mac:vml" xmlns:p="http://schemas.openxmlformats.org/presentationml/2006/main" xmlns:c="http://schemas.openxmlformats.org/drawingml/2006/chart" xmlns:dgm="http://schemas.openxmlformats.org/drawingml/2006/diagram" xmlns:o="urn:schemas-microsoft-com:office:office" xmlns:v="urn:schemas-microsoft-com:vml" xmlns:pvml="urn:schemas-microsoft-com:office:powerpoint" xmlns:com="http://schemas.openxmlformats.org/drawingml/2006/compatibility" xmlns:p14="http://schemas.microsoft.com/office/powerpoint/2010/main" xmlns:p15="http://schemas.microsoft.com/office/powerpoint/2012/main" showMasterPhAnim="0" showMasterSp="0">
+<p:notes xmlns:a="http://schemas.openxmlformats.org/drawingml/2006/main" xmlns:r="http://schemas.openxmlformats.org/officeDocument/2006/relationships" xmlns:p="http://schemas.openxmlformats.org/presentationml/2006/main" showMasterSp="0" showMasterPhAnim="0">
   <p:cSld>
     <p:spTree>
       <p:nvGrpSpPr>
-        <p:cNvPr id="101" name="Shape 101"/>
+        <p:cNvPr id="1" name="Shape 101"/>
         <p:cNvGrpSpPr/>
         <p:nvPr/>
       </p:nvGrpSpPr>
@@ -1523,9 +1578,11 @@
       <p:sp>
         <p:nvSpPr>
           <p:cNvPr id="102" name="Google Shape;102;g5fca08cf1f_0_348:notes"/>
-          <p:cNvSpPr/>
+          <p:cNvSpPr>
+            <a:spLocks noGrp="1" noRot="1" noChangeAspect="1"/>
+          </p:cNvSpPr>
           <p:nvPr>
-            <p:ph idx="2" type="sldImg"/>
+            <p:ph type="sldImg" idx="2"/>
           </p:nvPr>
         </p:nvSpPr>
         <p:spPr>
@@ -1534,9 +1591,13 @@
             <a:ext cx="6096000" cy="3429000"/>
           </a:xfrm>
           <a:custGeom>
-            <a:rect b="b" l="l" r="r" t="t"/>
+            <a:avLst/>
+            <a:gdLst/>
+            <a:ahLst/>
+            <a:cxnLst/>
+            <a:rect l="l" t="t" r="r" b="b"/>
             <a:pathLst>
-              <a:path extrusionOk="0" h="120000" w="120000">
+              <a:path w="120000" h="120000" extrusionOk="0">
                 <a:moveTo>
                   <a:pt x="0" y="0"/>
                 </a:moveTo>
@@ -1558,9 +1619,11 @@
       <p:sp>
         <p:nvSpPr>
           <p:cNvPr id="103" name="Google Shape;103;g5fca08cf1f_0_348:notes"/>
-          <p:cNvSpPr txBox="1"/>
+          <p:cNvSpPr txBox="1">
+            <a:spLocks noGrp="1"/>
+          </p:cNvSpPr>
           <p:nvPr>
-            <p:ph idx="1" type="body"/>
+            <p:ph type="body" idx="1"/>
           </p:nvPr>
         </p:nvSpPr>
         <p:spPr>
@@ -1573,12 +1636,12 @@
           </a:prstGeom>
         </p:spPr>
         <p:txBody>
-          <a:bodyPr anchorCtr="0" anchor="t" bIns="91425" lIns="91425" spcFirstLastPara="1" rIns="91425" wrap="square" tIns="91425">
+          <a:bodyPr spcFirstLastPara="1" wrap="square" lIns="91425" tIns="91425" rIns="91425" bIns="91425" anchor="t" anchorCtr="0">
             <a:noAutofit/>
           </a:bodyPr>
           <a:lstStyle/>
           <a:p>
-            <a:pPr indent="0" lvl="0" marL="0" rtl="0" algn="l">
+            <a:pPr marL="0" lvl="0" indent="0" algn="l" rtl="0">
               <a:spcBef>
                 <a:spcPts val="0"/>
               </a:spcBef>
@@ -1587,9 +1650,6 @@
               </a:spcAft>
               <a:buNone/>
             </a:pPr>
-            <a:r>
-              <a:t/>
-            </a:r>
             <a:endParaRPr/>
           </a:p>
         </p:txBody>
@@ -1603,11 +1663,11 @@
 </file>
 
 <file path=ppt/notesSlides/notesSlide9.xml><?xml version="1.0" encoding="utf-8"?>
-<p:notes xmlns:a="http://schemas.openxmlformats.org/drawingml/2006/main" xmlns:r="http://schemas.openxmlformats.org/officeDocument/2006/relationships" xmlns:mc="http://schemas.openxmlformats.org/markup-compatibility/2006" xmlns:mv="urn:schemas-microsoft-com:mac:vml" xmlns:p="http://schemas.openxmlformats.org/presentationml/2006/main" xmlns:c="http://schemas.openxmlformats.org/drawingml/2006/chart" xmlns:dgm="http://schemas.openxmlformats.org/drawingml/2006/diagram" xmlns:o="urn:schemas-microsoft-com:office:office" xmlns:v="urn:schemas-microsoft-com:vml" xmlns:pvml="urn:schemas-microsoft-com:office:powerpoint" xmlns:com="http://schemas.openxmlformats.org/drawingml/2006/compatibility" xmlns:p14="http://schemas.microsoft.com/office/powerpoint/2010/main" xmlns:p15="http://schemas.microsoft.com/office/powerpoint/2012/main" showMasterPhAnim="0" showMasterSp="0">
+<p:notes xmlns:a="http://schemas.openxmlformats.org/drawingml/2006/main" xmlns:r="http://schemas.openxmlformats.org/officeDocument/2006/relationships" xmlns:p="http://schemas.openxmlformats.org/presentationml/2006/main" showMasterSp="0" showMasterPhAnim="0">
   <p:cSld>
     <p:spTree>
       <p:nvGrpSpPr>
-        <p:cNvPr id="107" name="Shape 107"/>
+        <p:cNvPr id="1" name="Shape 107"/>
         <p:cNvGrpSpPr/>
         <p:nvPr/>
       </p:nvGrpSpPr>
@@ -1622,9 +1682,11 @@
       <p:sp>
         <p:nvSpPr>
           <p:cNvPr id="108" name="Google Shape;108;g5fca08cf1f_0_353:notes"/>
-          <p:cNvSpPr/>
+          <p:cNvSpPr>
+            <a:spLocks noGrp="1" noRot="1" noChangeAspect="1"/>
+          </p:cNvSpPr>
           <p:nvPr>
-            <p:ph idx="2" type="sldImg"/>
+            <p:ph type="sldImg" idx="2"/>
           </p:nvPr>
         </p:nvSpPr>
         <p:spPr>
@@ -1633,9 +1695,13 @@
             <a:ext cx="6096000" cy="3429000"/>
           </a:xfrm>
           <a:custGeom>
-            <a:rect b="b" l="l" r="r" t="t"/>
+            <a:avLst/>
+            <a:gdLst/>
+            <a:ahLst/>
+            <a:cxnLst/>
+            <a:rect l="l" t="t" r="r" b="b"/>
             <a:pathLst>
-              <a:path extrusionOk="0" h="120000" w="120000">
+              <a:path w="120000" h="120000" extrusionOk="0">
                 <a:moveTo>
                   <a:pt x="0" y="0"/>
                 </a:moveTo>
@@ -1657,9 +1723,11 @@
       <p:sp>
         <p:nvSpPr>
           <p:cNvPr id="109" name="Google Shape;109;g5fca08cf1f_0_353:notes"/>
-          <p:cNvSpPr txBox="1"/>
+          <p:cNvSpPr txBox="1">
+            <a:spLocks noGrp="1"/>
+          </p:cNvSpPr>
           <p:nvPr>
-            <p:ph idx="1" type="body"/>
+            <p:ph type="body" idx="1"/>
           </p:nvPr>
         </p:nvSpPr>
         <p:spPr>
@@ -1672,12 +1740,12 @@
           </a:prstGeom>
         </p:spPr>
         <p:txBody>
-          <a:bodyPr anchorCtr="0" anchor="t" bIns="91425" lIns="91425" spcFirstLastPara="1" rIns="91425" wrap="square" tIns="91425">
+          <a:bodyPr spcFirstLastPara="1" wrap="square" lIns="91425" tIns="91425" rIns="91425" bIns="91425" anchor="t" anchorCtr="0">
             <a:noAutofit/>
           </a:bodyPr>
           <a:lstStyle/>
           <a:p>
-            <a:pPr indent="0" lvl="0" marL="0" rtl="0" algn="l">
+            <a:pPr marL="0" lvl="0" indent="0" algn="l" rtl="0">
               <a:spcBef>
                 <a:spcPts val="0"/>
               </a:spcBef>
@@ -1686,9 +1754,6 @@
               </a:spcAft>
               <a:buNone/>
             </a:pPr>
-            <a:r>
-              <a:t/>
-            </a:r>
             <a:endParaRPr/>
           </a:p>
         </p:txBody>
@@ -1702,11 +1767,11 @@
 </file>
 
 <file path=ppt/slideLayouts/slideLayout1.xml><?xml version="1.0" encoding="utf-8"?>
-<p:sldLayout xmlns:a="http://schemas.openxmlformats.org/drawingml/2006/main" xmlns:r="http://schemas.openxmlformats.org/officeDocument/2006/relationships" xmlns:mc="http://schemas.openxmlformats.org/markup-compatibility/2006" xmlns:mv="urn:schemas-microsoft-com:mac:vml" xmlns:p="http://schemas.openxmlformats.org/presentationml/2006/main" xmlns:c="http://schemas.openxmlformats.org/drawingml/2006/chart" xmlns:dgm="http://schemas.openxmlformats.org/drawingml/2006/diagram" xmlns:o="urn:schemas-microsoft-com:office:office" xmlns:v="urn:schemas-microsoft-com:vml" xmlns:pvml="urn:schemas-microsoft-com:office:powerpoint" xmlns:com="http://schemas.openxmlformats.org/drawingml/2006/compatibility" xmlns:p14="http://schemas.microsoft.com/office/powerpoint/2010/main" xmlns:p15="http://schemas.microsoft.com/office/powerpoint/2012/main" matchingName="Title slide" type="title">
+<p:sldLayout xmlns:a="http://schemas.openxmlformats.org/drawingml/2006/main" xmlns:r="http://schemas.openxmlformats.org/officeDocument/2006/relationships" xmlns:p="http://schemas.openxmlformats.org/presentationml/2006/main" matchingName="Title slide" type="title">
   <p:cSld name="TITLE">
     <p:spTree>
       <p:nvGrpSpPr>
-        <p:cNvPr id="9" name="Shape 9"/>
+        <p:cNvPr id="1" name="Shape 9"/>
         <p:cNvGrpSpPr/>
         <p:nvPr/>
       </p:nvGrpSpPr>
@@ -1730,9 +1795,13 @@
             <a:ext cx="1081625" cy="1124950"/>
           </a:xfrm>
           <a:custGeom>
-            <a:rect b="b" l="l" r="r" t="t"/>
+            <a:avLst/>
+            <a:gdLst/>
+            <a:ahLst/>
+            <a:cxnLst/>
+            <a:rect l="l" t="t" r="r" b="b"/>
             <a:pathLst>
-              <a:path extrusionOk="0" h="44998" w="43265">
+              <a:path w="43265" h="44998" extrusionOk="0">
                 <a:moveTo>
                   <a:pt x="0" y="44998"/>
                 </a:moveTo>
@@ -1746,14 +1815,14 @@
             </a:pathLst>
           </a:custGeom>
           <a:noFill/>
-          <a:ln cap="flat" cmpd="sng" w="28575">
+          <a:ln w="28575" cap="flat" cmpd="sng">
             <a:solidFill>
               <a:schemeClr val="lt2"/>
             </a:solidFill>
             <a:prstDash val="solid"/>
             <a:miter lim="8000"/>
-            <a:headEnd len="sm" w="sm" type="none"/>
-            <a:tailEnd len="sm" w="sm" type="none"/>
+            <a:headEnd type="none" w="sm" len="sm"/>
+            <a:tailEnd type="none" w="sm" len="sm"/>
           </a:ln>
         </p:spPr>
       </p:sp>
@@ -1769,9 +1838,13 @@
             <a:ext cx="1081625" cy="1124950"/>
           </a:xfrm>
           <a:custGeom>
-            <a:rect b="b" l="l" r="r" t="t"/>
+            <a:avLst/>
+            <a:gdLst/>
+            <a:ahLst/>
+            <a:cxnLst/>
+            <a:rect l="l" t="t" r="r" b="b"/>
             <a:pathLst>
-              <a:path extrusionOk="0" h="44998" w="43265">
+              <a:path w="43265" h="44998" extrusionOk="0">
                 <a:moveTo>
                   <a:pt x="0" y="44998"/>
                 </a:moveTo>
@@ -1785,21 +1858,23 @@
             </a:pathLst>
           </a:custGeom>
           <a:noFill/>
-          <a:ln cap="flat" cmpd="sng" w="28575">
+          <a:ln w="28575" cap="flat" cmpd="sng">
             <a:solidFill>
               <a:schemeClr val="lt2"/>
             </a:solidFill>
             <a:prstDash val="solid"/>
             <a:miter lim="8000"/>
-            <a:headEnd len="sm" w="sm" type="none"/>
-            <a:tailEnd len="sm" w="sm" type="none"/>
+            <a:headEnd type="none" w="sm" len="sm"/>
+            <a:tailEnd type="none" w="sm" len="sm"/>
           </a:ln>
         </p:spPr>
       </p:sp>
       <p:sp>
         <p:nvSpPr>
           <p:cNvPr id="12" name="Google Shape;12;p2"/>
-          <p:cNvSpPr txBox="1"/>
+          <p:cNvSpPr txBox="1">
+            <a:spLocks noGrp="1"/>
+          </p:cNvSpPr>
           <p:nvPr>
             <p:ph type="ctrTitle"/>
           </p:nvPr>
@@ -1814,7 +1889,7 @@
           </a:prstGeom>
         </p:spPr>
         <p:txBody>
-          <a:bodyPr anchorCtr="0" anchor="b" bIns="91425" lIns="91425" spcFirstLastPara="1" rIns="91425" wrap="square" tIns="91425">
+          <a:bodyPr spcFirstLastPara="1" wrap="square" lIns="91425" tIns="91425" rIns="91425" bIns="91425" anchor="b" anchorCtr="0">
             <a:noAutofit/>
           </a:bodyPr>
           <a:lstStyle>
@@ -1918,15 +1993,19 @@
               <a:defRPr/>
             </a:lvl9pPr>
           </a:lstStyle>
-          <a:p/>
+          <a:p>
+            <a:endParaRPr/>
+          </a:p>
         </p:txBody>
       </p:sp>
       <p:sp>
         <p:nvSpPr>
           <p:cNvPr id="13" name="Google Shape;13;p2"/>
-          <p:cNvSpPr txBox="1"/>
+          <p:cNvSpPr txBox="1">
+            <a:spLocks noGrp="1"/>
+          </p:cNvSpPr>
           <p:nvPr>
-            <p:ph idx="1" type="subTitle"/>
+            <p:ph type="subTitle" idx="1"/>
           </p:nvPr>
         </p:nvSpPr>
         <p:spPr>
@@ -1939,7 +2018,7 @@
           </a:prstGeom>
         </p:spPr>
         <p:txBody>
-          <a:bodyPr anchorCtr="0" anchor="t" bIns="91425" lIns="91425" spcFirstLastPara="1" rIns="91425" wrap="square" tIns="91425">
+          <a:bodyPr spcFirstLastPara="1" wrap="square" lIns="91425" tIns="91425" rIns="91425" bIns="91425" anchor="t" anchorCtr="0">
             <a:noAutofit/>
           </a:bodyPr>
           <a:lstStyle>
@@ -2124,15 +2203,19 @@
               </a:defRPr>
             </a:lvl9pPr>
           </a:lstStyle>
-          <a:p/>
+          <a:p>
+            <a:endParaRPr/>
+          </a:p>
         </p:txBody>
       </p:sp>
       <p:sp>
         <p:nvSpPr>
           <p:cNvPr id="14" name="Google Shape;14;p2"/>
-          <p:cNvSpPr txBox="1"/>
+          <p:cNvSpPr txBox="1">
+            <a:spLocks noGrp="1"/>
+          </p:cNvSpPr>
           <p:nvPr>
-            <p:ph idx="12" type="sldNum"/>
+            <p:ph type="sldNum" idx="12"/>
           </p:nvPr>
         </p:nvSpPr>
         <p:spPr>
@@ -2145,7 +2228,7 @@
           </a:prstGeom>
         </p:spPr>
         <p:txBody>
-          <a:bodyPr anchorCtr="0" anchor="ctr" bIns="91425" lIns="91425" spcFirstLastPara="1" rIns="91425" wrap="square" tIns="91425">
+          <a:bodyPr spcFirstLastPara="1" wrap="square" lIns="91425" tIns="91425" rIns="91425" bIns="91425" anchor="ctr" anchorCtr="0">
             <a:noAutofit/>
           </a:bodyPr>
           <a:lstStyle>
@@ -2187,7 +2270,7 @@
             </a:lvl9pPr>
           </a:lstStyle>
           <a:p>
-            <a:pPr indent="0" lvl="0" marL="0" rtl="0" algn="r">
+            <a:pPr marL="0" lvl="0" indent="0" algn="r" rtl="0">
               <a:spcBef>
                 <a:spcPts val="0"/>
               </a:spcBef>
@@ -2213,11 +2296,11 @@
 </file>
 
 <file path=ppt/slideLayouts/slideLayout10.xml><?xml version="1.0" encoding="utf-8"?>
-<p:sldLayout xmlns:a="http://schemas.openxmlformats.org/drawingml/2006/main" xmlns:r="http://schemas.openxmlformats.org/officeDocument/2006/relationships" xmlns:mc="http://schemas.openxmlformats.org/markup-compatibility/2006" xmlns:mv="urn:schemas-microsoft-com:mac:vml" xmlns:p="http://schemas.openxmlformats.org/presentationml/2006/main" xmlns:c="http://schemas.openxmlformats.org/drawingml/2006/chart" xmlns:dgm="http://schemas.openxmlformats.org/drawingml/2006/diagram" xmlns:o="urn:schemas-microsoft-com:office:office" xmlns:v="urn:schemas-microsoft-com:vml" xmlns:pvml="urn:schemas-microsoft-com:office:powerpoint" xmlns:com="http://schemas.openxmlformats.org/drawingml/2006/compatibility" xmlns:p14="http://schemas.microsoft.com/office/powerpoint/2010/main" xmlns:p15="http://schemas.microsoft.com/office/powerpoint/2012/main" matchingName="Big number">
+<p:sldLayout xmlns:a="http://schemas.openxmlformats.org/drawingml/2006/main" xmlns:r="http://schemas.openxmlformats.org/officeDocument/2006/relationships" xmlns:p="http://schemas.openxmlformats.org/presentationml/2006/main" matchingName="Big number">
   <p:cSld name="BIG_NUMBER">
     <p:spTree>
       <p:nvGrpSpPr>
-        <p:cNvPr id="51" name="Shape 51"/>
+        <p:cNvPr id="1" name="Shape 51"/>
         <p:cNvGrpSpPr/>
         <p:nvPr/>
       </p:nvGrpSpPr>
@@ -2251,12 +2334,12 @@
           </a:ln>
         </p:spPr>
         <p:txBody>
-          <a:bodyPr anchorCtr="0" anchor="ctr" bIns="91425" lIns="91425" spcFirstLastPara="1" rIns="91425" wrap="square" tIns="91425">
+          <a:bodyPr spcFirstLastPara="1" wrap="square" lIns="91425" tIns="91425" rIns="91425" bIns="91425" anchor="ctr" anchorCtr="0">
             <a:noAutofit/>
           </a:bodyPr>
           <a:lstStyle/>
           <a:p>
-            <a:pPr indent="0" lvl="0" marL="0" rtl="0" algn="l">
+            <a:pPr marL="0" lvl="0" indent="0" algn="l" rtl="0">
               <a:spcBef>
                 <a:spcPts val="0"/>
               </a:spcBef>
@@ -2265,9 +2348,6 @@
               </a:spcAft>
               <a:buNone/>
             </a:pPr>
-            <a:r>
-              <a:t/>
-            </a:r>
             <a:endParaRPr/>
           </a:p>
         </p:txBody>
@@ -2275,9 +2355,11 @@
       <p:sp>
         <p:nvSpPr>
           <p:cNvPr id="53" name="Google Shape;53;p11"/>
-          <p:cNvSpPr txBox="1"/>
+          <p:cNvSpPr txBox="1">
+            <a:spLocks noGrp="1"/>
+          </p:cNvSpPr>
           <p:nvPr>
-            <p:ph hasCustomPrompt="1" type="title"/>
+            <p:ph type="title" hasCustomPrompt="1"/>
           </p:nvPr>
         </p:nvSpPr>
         <p:spPr>
@@ -2290,7 +2372,7 @@
           </a:prstGeom>
         </p:spPr>
         <p:txBody>
-          <a:bodyPr anchorCtr="0" anchor="ctr" bIns="91425" lIns="91425" spcFirstLastPara="1" rIns="91425" wrap="square" tIns="91425">
+          <a:bodyPr spcFirstLastPara="1" wrap="square" lIns="91425" tIns="91425" rIns="91425" bIns="91425" anchor="ctr" anchorCtr="0">
             <a:noAutofit/>
           </a:bodyPr>
           <a:lstStyle>
@@ -2467,9 +2549,11 @@
       <p:sp>
         <p:nvSpPr>
           <p:cNvPr id="54" name="Google Shape;54;p11"/>
-          <p:cNvSpPr txBox="1"/>
+          <p:cNvSpPr txBox="1">
+            <a:spLocks noGrp="1"/>
+          </p:cNvSpPr>
           <p:nvPr>
-            <p:ph idx="1" type="body"/>
+            <p:ph type="body" idx="1"/>
           </p:nvPr>
         </p:nvSpPr>
         <p:spPr>
@@ -2482,11 +2566,11 @@
           </a:prstGeom>
         </p:spPr>
         <p:txBody>
-          <a:bodyPr anchorCtr="0" anchor="t" bIns="91425" lIns="91425" spcFirstLastPara="1" rIns="91425" wrap="square" tIns="91425">
+          <a:bodyPr spcFirstLastPara="1" wrap="square" lIns="91425" tIns="91425" rIns="91425" bIns="91425" anchor="t" anchorCtr="0">
             <a:noAutofit/>
           </a:bodyPr>
           <a:lstStyle>
-            <a:lvl1pPr indent="-342900" lvl="0" marL="457200" algn="ctr">
+            <a:lvl1pPr marL="457200" lvl="0" indent="-342900" algn="ctr">
               <a:spcBef>
                 <a:spcPts val="0"/>
               </a:spcBef>
@@ -2497,7 +2581,7 @@
               <a:buChar char="●"/>
               <a:defRPr/>
             </a:lvl1pPr>
-            <a:lvl2pPr indent="-317500" lvl="1" marL="914400" algn="ctr">
+            <a:lvl2pPr marL="914400" lvl="1" indent="-317500" algn="ctr">
               <a:spcBef>
                 <a:spcPts val="1600"/>
               </a:spcBef>
@@ -2508,7 +2592,7 @@
               <a:buChar char="○"/>
               <a:defRPr/>
             </a:lvl2pPr>
-            <a:lvl3pPr indent="-317500" lvl="2" marL="1371600" algn="ctr">
+            <a:lvl3pPr marL="1371600" lvl="2" indent="-317500" algn="ctr">
               <a:spcBef>
                 <a:spcPts val="1600"/>
               </a:spcBef>
@@ -2519,7 +2603,7 @@
               <a:buChar char="■"/>
               <a:defRPr/>
             </a:lvl3pPr>
-            <a:lvl4pPr indent="-317500" lvl="3" marL="1828800" algn="ctr">
+            <a:lvl4pPr marL="1828800" lvl="3" indent="-317500" algn="ctr">
               <a:spcBef>
                 <a:spcPts val="1600"/>
               </a:spcBef>
@@ -2530,7 +2614,7 @@
               <a:buChar char="●"/>
               <a:defRPr/>
             </a:lvl4pPr>
-            <a:lvl5pPr indent="-317500" lvl="4" marL="2286000" algn="ctr">
+            <a:lvl5pPr marL="2286000" lvl="4" indent="-317500" algn="ctr">
               <a:spcBef>
                 <a:spcPts val="1600"/>
               </a:spcBef>
@@ -2541,7 +2625,7 @@
               <a:buChar char="○"/>
               <a:defRPr/>
             </a:lvl5pPr>
-            <a:lvl6pPr indent="-317500" lvl="5" marL="2743200" algn="ctr">
+            <a:lvl6pPr marL="2743200" lvl="5" indent="-317500" algn="ctr">
               <a:spcBef>
                 <a:spcPts val="1600"/>
               </a:spcBef>
@@ -2552,7 +2636,7 @@
               <a:buChar char="■"/>
               <a:defRPr/>
             </a:lvl6pPr>
-            <a:lvl7pPr indent="-317500" lvl="6" marL="3200400" algn="ctr">
+            <a:lvl7pPr marL="3200400" lvl="6" indent="-317500" algn="ctr">
               <a:spcBef>
                 <a:spcPts val="1600"/>
               </a:spcBef>
@@ -2563,7 +2647,7 @@
               <a:buChar char="●"/>
               <a:defRPr/>
             </a:lvl7pPr>
-            <a:lvl8pPr indent="-317500" lvl="7" marL="3657600" algn="ctr">
+            <a:lvl8pPr marL="3657600" lvl="7" indent="-317500" algn="ctr">
               <a:spcBef>
                 <a:spcPts val="1600"/>
               </a:spcBef>
@@ -2574,7 +2658,7 @@
               <a:buChar char="○"/>
               <a:defRPr/>
             </a:lvl8pPr>
-            <a:lvl9pPr indent="-317500" lvl="8" marL="4114800" algn="ctr">
+            <a:lvl9pPr marL="4114800" lvl="8" indent="-317500" algn="ctr">
               <a:spcBef>
                 <a:spcPts val="1600"/>
               </a:spcBef>
@@ -2586,15 +2670,19 @@
               <a:defRPr/>
             </a:lvl9pPr>
           </a:lstStyle>
-          <a:p/>
+          <a:p>
+            <a:endParaRPr/>
+          </a:p>
         </p:txBody>
       </p:sp>
       <p:sp>
         <p:nvSpPr>
           <p:cNvPr id="55" name="Google Shape;55;p11"/>
-          <p:cNvSpPr txBox="1"/>
+          <p:cNvSpPr txBox="1">
+            <a:spLocks noGrp="1"/>
+          </p:cNvSpPr>
           <p:nvPr>
-            <p:ph idx="12" type="sldNum"/>
+            <p:ph type="sldNum" idx="12"/>
           </p:nvPr>
         </p:nvSpPr>
         <p:spPr>
@@ -2607,7 +2695,7 @@
           </a:prstGeom>
         </p:spPr>
         <p:txBody>
-          <a:bodyPr anchorCtr="0" anchor="ctr" bIns="91425" lIns="91425" spcFirstLastPara="1" rIns="91425" wrap="square" tIns="91425">
+          <a:bodyPr spcFirstLastPara="1" wrap="square" lIns="91425" tIns="91425" rIns="91425" bIns="91425" anchor="ctr" anchorCtr="0">
             <a:noAutofit/>
           </a:bodyPr>
           <a:lstStyle>
@@ -2649,7 +2737,7 @@
             </a:lvl9pPr>
           </a:lstStyle>
           <a:p>
-            <a:pPr indent="0" lvl="0" marL="0" rtl="0" algn="r">
+            <a:pPr marL="0" lvl="0" indent="0" algn="r" rtl="0">
               <a:spcBef>
                 <a:spcPts val="0"/>
               </a:spcBef>
@@ -2675,11 +2763,11 @@
 </file>
 
 <file path=ppt/slideLayouts/slideLayout11.xml><?xml version="1.0" encoding="utf-8"?>
-<p:sldLayout xmlns:a="http://schemas.openxmlformats.org/drawingml/2006/main" xmlns:r="http://schemas.openxmlformats.org/officeDocument/2006/relationships" xmlns:mc="http://schemas.openxmlformats.org/markup-compatibility/2006" xmlns:mv="urn:schemas-microsoft-com:mac:vml" xmlns:p="http://schemas.openxmlformats.org/presentationml/2006/main" xmlns:c="http://schemas.openxmlformats.org/drawingml/2006/chart" xmlns:dgm="http://schemas.openxmlformats.org/drawingml/2006/diagram" xmlns:o="urn:schemas-microsoft-com:office:office" xmlns:v="urn:schemas-microsoft-com:vml" xmlns:pvml="urn:schemas-microsoft-com:office:powerpoint" xmlns:com="http://schemas.openxmlformats.org/drawingml/2006/compatibility" xmlns:p14="http://schemas.microsoft.com/office/powerpoint/2010/main" xmlns:p15="http://schemas.microsoft.com/office/powerpoint/2012/main" matchingName="Blank" type="blank">
+<p:sldLayout xmlns:a="http://schemas.openxmlformats.org/drawingml/2006/main" xmlns:r="http://schemas.openxmlformats.org/officeDocument/2006/relationships" xmlns:p="http://schemas.openxmlformats.org/presentationml/2006/main" matchingName="Blank" type="blank">
   <p:cSld name="BLANK">
     <p:spTree>
       <p:nvGrpSpPr>
-        <p:cNvPr id="56" name="Shape 56"/>
+        <p:cNvPr id="1" name="Shape 56"/>
         <p:cNvGrpSpPr/>
         <p:nvPr/>
       </p:nvGrpSpPr>
@@ -2694,9 +2782,11 @@
       <p:sp>
         <p:nvSpPr>
           <p:cNvPr id="57" name="Google Shape;57;p12"/>
-          <p:cNvSpPr txBox="1"/>
+          <p:cNvSpPr txBox="1">
+            <a:spLocks noGrp="1"/>
+          </p:cNvSpPr>
           <p:nvPr>
-            <p:ph idx="12" type="sldNum"/>
+            <p:ph type="sldNum" idx="12"/>
           </p:nvPr>
         </p:nvSpPr>
         <p:spPr>
@@ -2709,7 +2799,7 @@
           </a:prstGeom>
         </p:spPr>
         <p:txBody>
-          <a:bodyPr anchorCtr="0" anchor="ctr" bIns="91425" lIns="91425" spcFirstLastPara="1" rIns="91425" wrap="square" tIns="91425">
+          <a:bodyPr spcFirstLastPara="1" wrap="square" lIns="91425" tIns="91425" rIns="91425" bIns="91425" anchor="ctr" anchorCtr="0">
             <a:noAutofit/>
           </a:bodyPr>
           <a:lstStyle>
@@ -2751,7 +2841,7 @@
             </a:lvl9pPr>
           </a:lstStyle>
           <a:p>
-            <a:pPr indent="0" lvl="0" marL="0" rtl="0" algn="r">
+            <a:pPr marL="0" lvl="0" indent="0" algn="r" rtl="0">
               <a:spcBef>
                 <a:spcPts val="0"/>
               </a:spcBef>
@@ -2777,11 +2867,11 @@
 </file>
 
 <file path=ppt/slideLayouts/slideLayout2.xml><?xml version="1.0" encoding="utf-8"?>
-<p:sldLayout xmlns:a="http://schemas.openxmlformats.org/drawingml/2006/main" xmlns:r="http://schemas.openxmlformats.org/officeDocument/2006/relationships" xmlns:mc="http://schemas.openxmlformats.org/markup-compatibility/2006" xmlns:mv="urn:schemas-microsoft-com:mac:vml" xmlns:p="http://schemas.openxmlformats.org/presentationml/2006/main" xmlns:c="http://schemas.openxmlformats.org/drawingml/2006/chart" xmlns:dgm="http://schemas.openxmlformats.org/drawingml/2006/diagram" xmlns:o="urn:schemas-microsoft-com:office:office" xmlns:v="urn:schemas-microsoft-com:vml" xmlns:pvml="urn:schemas-microsoft-com:office:powerpoint" xmlns:com="http://schemas.openxmlformats.org/drawingml/2006/compatibility" xmlns:p14="http://schemas.microsoft.com/office/powerpoint/2010/main" xmlns:p15="http://schemas.microsoft.com/office/powerpoint/2012/main" matchingName="Section header" type="secHead">
+<p:sldLayout xmlns:a="http://schemas.openxmlformats.org/drawingml/2006/main" xmlns:r="http://schemas.openxmlformats.org/officeDocument/2006/relationships" xmlns:p="http://schemas.openxmlformats.org/presentationml/2006/main" matchingName="Section header" type="secHead">
   <p:cSld name="SECTION_HEADER">
     <p:spTree>
       <p:nvGrpSpPr>
-        <p:cNvPr id="15" name="Shape 15"/>
+        <p:cNvPr id="1" name="Shape 15"/>
         <p:cNvGrpSpPr/>
         <p:nvPr/>
       </p:nvGrpSpPr>
@@ -2805,9 +2895,13 @@
             <a:ext cx="1081625" cy="1124950"/>
           </a:xfrm>
           <a:custGeom>
-            <a:rect b="b" l="l" r="r" t="t"/>
+            <a:avLst/>
+            <a:gdLst/>
+            <a:ahLst/>
+            <a:cxnLst/>
+            <a:rect l="l" t="t" r="r" b="b"/>
             <a:pathLst>
-              <a:path extrusionOk="0" h="44998" w="43265">
+              <a:path w="43265" h="44998" extrusionOk="0">
                 <a:moveTo>
                   <a:pt x="0" y="44998"/>
                 </a:moveTo>
@@ -2821,14 +2915,14 @@
             </a:pathLst>
           </a:custGeom>
           <a:noFill/>
-          <a:ln cap="flat" cmpd="sng" w="28575">
+          <a:ln w="28575" cap="flat" cmpd="sng">
             <a:solidFill>
               <a:schemeClr val="lt2"/>
             </a:solidFill>
             <a:prstDash val="solid"/>
             <a:miter lim="8000"/>
-            <a:headEnd len="sm" w="sm" type="none"/>
-            <a:tailEnd len="sm" w="sm" type="none"/>
+            <a:headEnd type="none" w="sm" len="sm"/>
+            <a:tailEnd type="none" w="sm" len="sm"/>
           </a:ln>
         </p:spPr>
       </p:sp>
@@ -2839,14 +2933,18 @@
           <p:nvPr/>
         </p:nvSpPr>
         <p:spPr>
-          <a:xfrm flipH="1" rot="10800000">
+          <a:xfrm rot="10800000" flipH="1">
             <a:off x="466425" y="3558325"/>
             <a:ext cx="1081625" cy="1124950"/>
           </a:xfrm>
           <a:custGeom>
-            <a:rect b="b" l="l" r="r" t="t"/>
+            <a:avLst/>
+            <a:gdLst/>
+            <a:ahLst/>
+            <a:cxnLst/>
+            <a:rect l="l" t="t" r="r" b="b"/>
             <a:pathLst>
-              <a:path extrusionOk="0" h="44998" w="43265">
+              <a:path w="43265" h="44998" extrusionOk="0">
                 <a:moveTo>
                   <a:pt x="0" y="44998"/>
                 </a:moveTo>
@@ -2860,21 +2958,23 @@
             </a:pathLst>
           </a:custGeom>
           <a:noFill/>
-          <a:ln cap="flat" cmpd="sng" w="28575">
+          <a:ln w="28575" cap="flat" cmpd="sng">
             <a:solidFill>
               <a:schemeClr val="lt2"/>
             </a:solidFill>
             <a:prstDash val="solid"/>
             <a:miter lim="8000"/>
-            <a:headEnd len="sm" w="sm" type="none"/>
-            <a:tailEnd len="sm" w="sm" type="none"/>
+            <a:headEnd type="none" w="sm" len="sm"/>
+            <a:tailEnd type="none" w="sm" len="sm"/>
           </a:ln>
         </p:spPr>
       </p:sp>
       <p:sp>
         <p:nvSpPr>
           <p:cNvPr id="18" name="Google Shape;18;p3"/>
-          <p:cNvSpPr txBox="1"/>
+          <p:cNvSpPr txBox="1">
+            <a:spLocks noGrp="1"/>
+          </p:cNvSpPr>
           <p:nvPr>
             <p:ph type="title"/>
           </p:nvPr>
@@ -2889,7 +2989,7 @@
           </a:prstGeom>
         </p:spPr>
         <p:txBody>
-          <a:bodyPr anchorCtr="0" anchor="ctr" bIns="91425" lIns="91425" spcFirstLastPara="1" rIns="91425" wrap="square" tIns="91425">
+          <a:bodyPr spcFirstLastPara="1" wrap="square" lIns="91425" tIns="91425" rIns="91425" bIns="91425" anchor="ctr" anchorCtr="0">
             <a:noAutofit/>
           </a:bodyPr>
           <a:lstStyle>
@@ -2993,15 +3093,19 @@
               <a:defRPr/>
             </a:lvl9pPr>
           </a:lstStyle>
-          <a:p/>
+          <a:p>
+            <a:endParaRPr/>
+          </a:p>
         </p:txBody>
       </p:sp>
       <p:sp>
         <p:nvSpPr>
           <p:cNvPr id="19" name="Google Shape;19;p3"/>
-          <p:cNvSpPr txBox="1"/>
+          <p:cNvSpPr txBox="1">
+            <a:spLocks noGrp="1"/>
+          </p:cNvSpPr>
           <p:nvPr>
-            <p:ph idx="12" type="sldNum"/>
+            <p:ph type="sldNum" idx="12"/>
           </p:nvPr>
         </p:nvSpPr>
         <p:spPr>
@@ -3014,7 +3118,7 @@
           </a:prstGeom>
         </p:spPr>
         <p:txBody>
-          <a:bodyPr anchorCtr="0" anchor="ctr" bIns="91425" lIns="91425" spcFirstLastPara="1" rIns="91425" wrap="square" tIns="91425">
+          <a:bodyPr spcFirstLastPara="1" wrap="square" lIns="91425" tIns="91425" rIns="91425" bIns="91425" anchor="ctr" anchorCtr="0">
             <a:noAutofit/>
           </a:bodyPr>
           <a:lstStyle>
@@ -3056,7 +3160,7 @@
             </a:lvl9pPr>
           </a:lstStyle>
           <a:p>
-            <a:pPr indent="0" lvl="0" marL="0" rtl="0" algn="r">
+            <a:pPr marL="0" lvl="0" indent="0" algn="r" rtl="0">
               <a:spcBef>
                 <a:spcPts val="0"/>
               </a:spcBef>
@@ -3082,11 +3186,11 @@
 </file>
 
 <file path=ppt/slideLayouts/slideLayout3.xml><?xml version="1.0" encoding="utf-8"?>
-<p:sldLayout xmlns:a="http://schemas.openxmlformats.org/drawingml/2006/main" xmlns:r="http://schemas.openxmlformats.org/officeDocument/2006/relationships" xmlns:mc="http://schemas.openxmlformats.org/markup-compatibility/2006" xmlns:mv="urn:schemas-microsoft-com:mac:vml" xmlns:p="http://schemas.openxmlformats.org/presentationml/2006/main" xmlns:c="http://schemas.openxmlformats.org/drawingml/2006/chart" xmlns:dgm="http://schemas.openxmlformats.org/drawingml/2006/diagram" xmlns:o="urn:schemas-microsoft-com:office:office" xmlns:v="urn:schemas-microsoft-com:vml" xmlns:pvml="urn:schemas-microsoft-com:office:powerpoint" xmlns:com="http://schemas.openxmlformats.org/drawingml/2006/compatibility" xmlns:p14="http://schemas.microsoft.com/office/powerpoint/2010/main" xmlns:p15="http://schemas.microsoft.com/office/powerpoint/2012/main" matchingName="Title and body" type="tx">
+<p:sldLayout xmlns:a="http://schemas.openxmlformats.org/drawingml/2006/main" xmlns:r="http://schemas.openxmlformats.org/officeDocument/2006/relationships" xmlns:p="http://schemas.openxmlformats.org/presentationml/2006/main" matchingName="Title and body" type="tx">
   <p:cSld name="TITLE_AND_BODY">
     <p:spTree>
       <p:nvGrpSpPr>
-        <p:cNvPr id="20" name="Shape 20"/>
+        <p:cNvPr id="1" name="Shape 20"/>
         <p:cNvGrpSpPr/>
         <p:nvPr/>
       </p:nvGrpSpPr>
@@ -3120,12 +3224,12 @@
           </a:ln>
         </p:spPr>
         <p:txBody>
-          <a:bodyPr anchorCtr="0" anchor="ctr" bIns="91425" lIns="91425" spcFirstLastPara="1" rIns="91425" wrap="square" tIns="91425">
+          <a:bodyPr spcFirstLastPara="1" wrap="square" lIns="91425" tIns="91425" rIns="91425" bIns="91425" anchor="ctr" anchorCtr="0">
             <a:noAutofit/>
           </a:bodyPr>
           <a:lstStyle/>
           <a:p>
-            <a:pPr indent="0" lvl="0" marL="0" rtl="0" algn="l">
+            <a:pPr marL="0" lvl="0" indent="0" algn="l" rtl="0">
               <a:spcBef>
                 <a:spcPts val="0"/>
               </a:spcBef>
@@ -3134,9 +3238,6 @@
               </a:spcAft>
               <a:buNone/>
             </a:pPr>
-            <a:r>
-              <a:t/>
-            </a:r>
             <a:endParaRPr/>
           </a:p>
         </p:txBody>
@@ -3144,7 +3245,9 @@
       <p:sp>
         <p:nvSpPr>
           <p:cNvPr id="22" name="Google Shape;22;p4"/>
-          <p:cNvSpPr txBox="1"/>
+          <p:cNvSpPr txBox="1">
+            <a:spLocks noGrp="1"/>
+          </p:cNvSpPr>
           <p:nvPr>
             <p:ph type="title"/>
           </p:nvPr>
@@ -3159,7 +3262,7 @@
           </a:prstGeom>
         </p:spPr>
         <p:txBody>
-          <a:bodyPr anchorCtr="0" anchor="b" bIns="91425" lIns="91425" spcFirstLastPara="1" rIns="91425" wrap="square" tIns="91425">
+          <a:bodyPr spcFirstLastPara="1" wrap="square" lIns="91425" tIns="91425" rIns="91425" bIns="91425" anchor="b" anchorCtr="0">
             <a:noAutofit/>
           </a:bodyPr>
           <a:lstStyle>
@@ -3263,15 +3366,19 @@
               <a:defRPr/>
             </a:lvl9pPr>
           </a:lstStyle>
-          <a:p/>
+          <a:p>
+            <a:endParaRPr/>
+          </a:p>
         </p:txBody>
       </p:sp>
       <p:sp>
         <p:nvSpPr>
           <p:cNvPr id="23" name="Google Shape;23;p4"/>
-          <p:cNvSpPr txBox="1"/>
+          <p:cNvSpPr txBox="1">
+            <a:spLocks noGrp="1"/>
+          </p:cNvSpPr>
           <p:nvPr>
-            <p:ph idx="1" type="body"/>
+            <p:ph type="body" idx="1"/>
           </p:nvPr>
         </p:nvSpPr>
         <p:spPr>
@@ -3284,11 +3391,11 @@
           </a:prstGeom>
         </p:spPr>
         <p:txBody>
-          <a:bodyPr anchorCtr="0" anchor="t" bIns="91425" lIns="91425" spcFirstLastPara="1" rIns="91425" wrap="square" tIns="91425">
+          <a:bodyPr spcFirstLastPara="1" wrap="square" lIns="91425" tIns="91425" rIns="91425" bIns="91425" anchor="t" anchorCtr="0">
             <a:noAutofit/>
           </a:bodyPr>
           <a:lstStyle>
-            <a:lvl1pPr indent="-342900" lvl="0" marL="457200">
+            <a:lvl1pPr marL="457200" lvl="0" indent="-342900">
               <a:spcBef>
                 <a:spcPts val="0"/>
               </a:spcBef>
@@ -3299,7 +3406,7 @@
               <a:buChar char="●"/>
               <a:defRPr/>
             </a:lvl1pPr>
-            <a:lvl2pPr indent="-317500" lvl="1" marL="914400">
+            <a:lvl2pPr marL="914400" lvl="1" indent="-317500">
               <a:spcBef>
                 <a:spcPts val="1600"/>
               </a:spcBef>
@@ -3310,7 +3417,7 @@
               <a:buChar char="○"/>
               <a:defRPr/>
             </a:lvl2pPr>
-            <a:lvl3pPr indent="-317500" lvl="2" marL="1371600">
+            <a:lvl3pPr marL="1371600" lvl="2" indent="-317500">
               <a:spcBef>
                 <a:spcPts val="1600"/>
               </a:spcBef>
@@ -3321,7 +3428,7 @@
               <a:buChar char="■"/>
               <a:defRPr/>
             </a:lvl3pPr>
-            <a:lvl4pPr indent="-317500" lvl="3" marL="1828800">
+            <a:lvl4pPr marL="1828800" lvl="3" indent="-317500">
               <a:spcBef>
                 <a:spcPts val="1600"/>
               </a:spcBef>
@@ -3332,7 +3439,7 @@
               <a:buChar char="●"/>
               <a:defRPr/>
             </a:lvl4pPr>
-            <a:lvl5pPr indent="-317500" lvl="4" marL="2286000">
+            <a:lvl5pPr marL="2286000" lvl="4" indent="-317500">
               <a:spcBef>
                 <a:spcPts val="1600"/>
               </a:spcBef>
@@ -3343,7 +3450,7 @@
               <a:buChar char="○"/>
               <a:defRPr/>
             </a:lvl5pPr>
-            <a:lvl6pPr indent="-317500" lvl="5" marL="2743200">
+            <a:lvl6pPr marL="2743200" lvl="5" indent="-317500">
               <a:spcBef>
                 <a:spcPts val="1600"/>
               </a:spcBef>
@@ -3354,7 +3461,7 @@
               <a:buChar char="■"/>
               <a:defRPr/>
             </a:lvl6pPr>
-            <a:lvl7pPr indent="-317500" lvl="6" marL="3200400">
+            <a:lvl7pPr marL="3200400" lvl="6" indent="-317500">
               <a:spcBef>
                 <a:spcPts val="1600"/>
               </a:spcBef>
@@ -3365,7 +3472,7 @@
               <a:buChar char="●"/>
               <a:defRPr/>
             </a:lvl7pPr>
-            <a:lvl8pPr indent="-317500" lvl="7" marL="3657600">
+            <a:lvl8pPr marL="3657600" lvl="7" indent="-317500">
               <a:spcBef>
                 <a:spcPts val="1600"/>
               </a:spcBef>
@@ -3376,7 +3483,7 @@
               <a:buChar char="○"/>
               <a:defRPr/>
             </a:lvl8pPr>
-            <a:lvl9pPr indent="-317500" lvl="8" marL="4114800">
+            <a:lvl9pPr marL="4114800" lvl="8" indent="-317500">
               <a:spcBef>
                 <a:spcPts val="1600"/>
               </a:spcBef>
@@ -3388,15 +3495,19 @@
               <a:defRPr/>
             </a:lvl9pPr>
           </a:lstStyle>
-          <a:p/>
+          <a:p>
+            <a:endParaRPr/>
+          </a:p>
         </p:txBody>
       </p:sp>
       <p:sp>
         <p:nvSpPr>
           <p:cNvPr id="24" name="Google Shape;24;p4"/>
-          <p:cNvSpPr txBox="1"/>
+          <p:cNvSpPr txBox="1">
+            <a:spLocks noGrp="1"/>
+          </p:cNvSpPr>
           <p:nvPr>
-            <p:ph idx="12" type="sldNum"/>
+            <p:ph type="sldNum" idx="12"/>
           </p:nvPr>
         </p:nvSpPr>
         <p:spPr>
@@ -3409,7 +3520,7 @@
           </a:prstGeom>
         </p:spPr>
         <p:txBody>
-          <a:bodyPr anchorCtr="0" anchor="ctr" bIns="91425" lIns="91425" spcFirstLastPara="1" rIns="91425" wrap="square" tIns="91425">
+          <a:bodyPr spcFirstLastPara="1" wrap="square" lIns="91425" tIns="91425" rIns="91425" bIns="91425" anchor="ctr" anchorCtr="0">
             <a:noAutofit/>
           </a:bodyPr>
           <a:lstStyle>
@@ -3451,7 +3562,7 @@
             </a:lvl9pPr>
           </a:lstStyle>
           <a:p>
-            <a:pPr indent="0" lvl="0" marL="0" rtl="0" algn="r">
+            <a:pPr marL="0" lvl="0" indent="0" algn="r" rtl="0">
               <a:spcBef>
                 <a:spcPts val="0"/>
               </a:spcBef>
@@ -3477,11 +3588,11 @@
 </file>
 
 <file path=ppt/slideLayouts/slideLayout4.xml><?xml version="1.0" encoding="utf-8"?>
-<p:sldLayout xmlns:a="http://schemas.openxmlformats.org/drawingml/2006/main" xmlns:r="http://schemas.openxmlformats.org/officeDocument/2006/relationships" xmlns:mc="http://schemas.openxmlformats.org/markup-compatibility/2006" xmlns:mv="urn:schemas-microsoft-com:mac:vml" xmlns:p="http://schemas.openxmlformats.org/presentationml/2006/main" xmlns:c="http://schemas.openxmlformats.org/drawingml/2006/chart" xmlns:dgm="http://schemas.openxmlformats.org/drawingml/2006/diagram" xmlns:o="urn:schemas-microsoft-com:office:office" xmlns:v="urn:schemas-microsoft-com:vml" xmlns:pvml="urn:schemas-microsoft-com:office:powerpoint" xmlns:com="http://schemas.openxmlformats.org/drawingml/2006/compatibility" xmlns:p14="http://schemas.microsoft.com/office/powerpoint/2010/main" xmlns:p15="http://schemas.microsoft.com/office/powerpoint/2012/main" matchingName="Title and two columns" type="twoColTx">
+<p:sldLayout xmlns:a="http://schemas.openxmlformats.org/drawingml/2006/main" xmlns:r="http://schemas.openxmlformats.org/officeDocument/2006/relationships" xmlns:p="http://schemas.openxmlformats.org/presentationml/2006/main" matchingName="Title and two columns" type="twoColTx">
   <p:cSld name="TITLE_AND_TWO_COLUMNS">
     <p:spTree>
       <p:nvGrpSpPr>
-        <p:cNvPr id="25" name="Shape 25"/>
+        <p:cNvPr id="1" name="Shape 25"/>
         <p:cNvGrpSpPr/>
         <p:nvPr/>
       </p:nvGrpSpPr>
@@ -3496,7 +3607,9 @@
       <p:sp>
         <p:nvSpPr>
           <p:cNvPr id="26" name="Google Shape;26;p5"/>
-          <p:cNvSpPr txBox="1"/>
+          <p:cNvSpPr txBox="1">
+            <a:spLocks noGrp="1"/>
+          </p:cNvSpPr>
           <p:nvPr>
             <p:ph type="title"/>
           </p:nvPr>
@@ -3511,7 +3624,7 @@
           </a:prstGeom>
         </p:spPr>
         <p:txBody>
-          <a:bodyPr anchorCtr="0" anchor="b" bIns="91425" lIns="91425" spcFirstLastPara="1" rIns="91425" wrap="square" tIns="91425">
+          <a:bodyPr spcFirstLastPara="1" wrap="square" lIns="91425" tIns="91425" rIns="91425" bIns="91425" anchor="b" anchorCtr="0">
             <a:noAutofit/>
           </a:bodyPr>
           <a:lstStyle>
@@ -3615,15 +3728,19 @@
               <a:defRPr/>
             </a:lvl9pPr>
           </a:lstStyle>
-          <a:p/>
+          <a:p>
+            <a:endParaRPr/>
+          </a:p>
         </p:txBody>
       </p:sp>
       <p:sp>
         <p:nvSpPr>
           <p:cNvPr id="27" name="Google Shape;27;p5"/>
-          <p:cNvSpPr txBox="1"/>
+          <p:cNvSpPr txBox="1">
+            <a:spLocks noGrp="1"/>
+          </p:cNvSpPr>
           <p:nvPr>
-            <p:ph idx="1" type="body"/>
+            <p:ph type="body" idx="1"/>
           </p:nvPr>
         </p:nvSpPr>
         <p:spPr>
@@ -3636,11 +3753,11 @@
           </a:prstGeom>
         </p:spPr>
         <p:txBody>
-          <a:bodyPr anchorCtr="0" anchor="t" bIns="91425" lIns="91425" spcFirstLastPara="1" rIns="91425" wrap="square" tIns="91425">
+          <a:bodyPr spcFirstLastPara="1" wrap="square" lIns="91425" tIns="91425" rIns="91425" bIns="91425" anchor="t" anchorCtr="0">
             <a:noAutofit/>
           </a:bodyPr>
           <a:lstStyle>
-            <a:lvl1pPr indent="-317500" lvl="0" marL="457200">
+            <a:lvl1pPr marL="457200" lvl="0" indent="-317500">
               <a:spcBef>
                 <a:spcPts val="0"/>
               </a:spcBef>
@@ -3651,7 +3768,7 @@
               <a:buChar char="●"/>
               <a:defRPr sz="1400"/>
             </a:lvl1pPr>
-            <a:lvl2pPr indent="-304800" lvl="1" marL="914400">
+            <a:lvl2pPr marL="914400" lvl="1" indent="-304800">
               <a:spcBef>
                 <a:spcPts val="1600"/>
               </a:spcBef>
@@ -3662,7 +3779,7 @@
               <a:buChar char="○"/>
               <a:defRPr sz="1200"/>
             </a:lvl2pPr>
-            <a:lvl3pPr indent="-304800" lvl="2" marL="1371600">
+            <a:lvl3pPr marL="1371600" lvl="2" indent="-304800">
               <a:spcBef>
                 <a:spcPts val="1600"/>
               </a:spcBef>
@@ -3673,7 +3790,7 @@
               <a:buChar char="■"/>
               <a:defRPr sz="1200"/>
             </a:lvl3pPr>
-            <a:lvl4pPr indent="-304800" lvl="3" marL="1828800">
+            <a:lvl4pPr marL="1828800" lvl="3" indent="-304800">
               <a:spcBef>
                 <a:spcPts val="1600"/>
               </a:spcBef>
@@ -3684,7 +3801,7 @@
               <a:buChar char="●"/>
               <a:defRPr sz="1200"/>
             </a:lvl4pPr>
-            <a:lvl5pPr indent="-304800" lvl="4" marL="2286000">
+            <a:lvl5pPr marL="2286000" lvl="4" indent="-304800">
               <a:spcBef>
                 <a:spcPts val="1600"/>
               </a:spcBef>
@@ -3695,7 +3812,7 @@
               <a:buChar char="○"/>
               <a:defRPr sz="1200"/>
             </a:lvl5pPr>
-            <a:lvl6pPr indent="-304800" lvl="5" marL="2743200">
+            <a:lvl6pPr marL="2743200" lvl="5" indent="-304800">
               <a:spcBef>
                 <a:spcPts val="1600"/>
               </a:spcBef>
@@ -3706,7 +3823,7 @@
               <a:buChar char="■"/>
               <a:defRPr sz="1200"/>
             </a:lvl6pPr>
-            <a:lvl7pPr indent="-304800" lvl="6" marL="3200400">
+            <a:lvl7pPr marL="3200400" lvl="6" indent="-304800">
               <a:spcBef>
                 <a:spcPts val="1600"/>
               </a:spcBef>
@@ -3717,7 +3834,7 @@
               <a:buChar char="●"/>
               <a:defRPr sz="1200"/>
             </a:lvl7pPr>
-            <a:lvl8pPr indent="-304800" lvl="7" marL="3657600">
+            <a:lvl8pPr marL="3657600" lvl="7" indent="-304800">
               <a:spcBef>
                 <a:spcPts val="1600"/>
               </a:spcBef>
@@ -3728,7 +3845,7 @@
               <a:buChar char="○"/>
               <a:defRPr sz="1200"/>
             </a:lvl8pPr>
-            <a:lvl9pPr indent="-304800" lvl="8" marL="4114800">
+            <a:lvl9pPr marL="4114800" lvl="8" indent="-304800">
               <a:spcBef>
                 <a:spcPts val="1600"/>
               </a:spcBef>
@@ -3740,15 +3857,19 @@
               <a:defRPr sz="1200"/>
             </a:lvl9pPr>
           </a:lstStyle>
-          <a:p/>
+          <a:p>
+            <a:endParaRPr/>
+          </a:p>
         </p:txBody>
       </p:sp>
       <p:sp>
         <p:nvSpPr>
           <p:cNvPr id="28" name="Google Shape;28;p5"/>
-          <p:cNvSpPr txBox="1"/>
+          <p:cNvSpPr txBox="1">
+            <a:spLocks noGrp="1"/>
+          </p:cNvSpPr>
           <p:nvPr>
-            <p:ph idx="2" type="body"/>
+            <p:ph type="body" idx="2"/>
           </p:nvPr>
         </p:nvSpPr>
         <p:spPr>
@@ -3761,11 +3882,11 @@
           </a:prstGeom>
         </p:spPr>
         <p:txBody>
-          <a:bodyPr anchorCtr="0" anchor="t" bIns="91425" lIns="91425" spcFirstLastPara="1" rIns="91425" wrap="square" tIns="91425">
+          <a:bodyPr spcFirstLastPara="1" wrap="square" lIns="91425" tIns="91425" rIns="91425" bIns="91425" anchor="t" anchorCtr="0">
             <a:noAutofit/>
           </a:bodyPr>
           <a:lstStyle>
-            <a:lvl1pPr indent="-317500" lvl="0" marL="457200">
+            <a:lvl1pPr marL="457200" lvl="0" indent="-317500">
               <a:spcBef>
                 <a:spcPts val="0"/>
               </a:spcBef>
@@ -3776,7 +3897,7 @@
               <a:buChar char="●"/>
               <a:defRPr sz="1400"/>
             </a:lvl1pPr>
-            <a:lvl2pPr indent="-304800" lvl="1" marL="914400">
+            <a:lvl2pPr marL="914400" lvl="1" indent="-304800">
               <a:spcBef>
                 <a:spcPts val="1600"/>
               </a:spcBef>
@@ -3787,7 +3908,7 @@
               <a:buChar char="○"/>
               <a:defRPr sz="1200"/>
             </a:lvl2pPr>
-            <a:lvl3pPr indent="-304800" lvl="2" marL="1371600">
+            <a:lvl3pPr marL="1371600" lvl="2" indent="-304800">
               <a:spcBef>
                 <a:spcPts val="1600"/>
               </a:spcBef>
@@ -3798,7 +3919,7 @@
               <a:buChar char="■"/>
               <a:defRPr sz="1200"/>
             </a:lvl3pPr>
-            <a:lvl4pPr indent="-304800" lvl="3" marL="1828800">
+            <a:lvl4pPr marL="1828800" lvl="3" indent="-304800">
               <a:spcBef>
                 <a:spcPts val="1600"/>
               </a:spcBef>
@@ -3809,7 +3930,7 @@
               <a:buChar char="●"/>
               <a:defRPr sz="1200"/>
             </a:lvl4pPr>
-            <a:lvl5pPr indent="-304800" lvl="4" marL="2286000">
+            <a:lvl5pPr marL="2286000" lvl="4" indent="-304800">
               <a:spcBef>
                 <a:spcPts val="1600"/>
               </a:spcBef>
@@ -3820,7 +3941,7 @@
               <a:buChar char="○"/>
               <a:defRPr sz="1200"/>
             </a:lvl5pPr>
-            <a:lvl6pPr indent="-304800" lvl="5" marL="2743200">
+            <a:lvl6pPr marL="2743200" lvl="5" indent="-304800">
               <a:spcBef>
                 <a:spcPts val="1600"/>
               </a:spcBef>
@@ -3831,7 +3952,7 @@
               <a:buChar char="■"/>
               <a:defRPr sz="1200"/>
             </a:lvl6pPr>
-            <a:lvl7pPr indent="-304800" lvl="6" marL="3200400">
+            <a:lvl7pPr marL="3200400" lvl="6" indent="-304800">
               <a:spcBef>
                 <a:spcPts val="1600"/>
               </a:spcBef>
@@ -3842,7 +3963,7 @@
               <a:buChar char="●"/>
               <a:defRPr sz="1200"/>
             </a:lvl7pPr>
-            <a:lvl8pPr indent="-304800" lvl="7" marL="3657600">
+            <a:lvl8pPr marL="3657600" lvl="7" indent="-304800">
               <a:spcBef>
                 <a:spcPts val="1600"/>
               </a:spcBef>
@@ -3853,7 +3974,7 @@
               <a:buChar char="○"/>
               <a:defRPr sz="1200"/>
             </a:lvl8pPr>
-            <a:lvl9pPr indent="-304800" lvl="8" marL="4114800">
+            <a:lvl9pPr marL="4114800" lvl="8" indent="-304800">
               <a:spcBef>
                 <a:spcPts val="1600"/>
               </a:spcBef>
@@ -3865,15 +3986,19 @@
               <a:defRPr sz="1200"/>
             </a:lvl9pPr>
           </a:lstStyle>
-          <a:p/>
+          <a:p>
+            <a:endParaRPr/>
+          </a:p>
         </p:txBody>
       </p:sp>
       <p:sp>
         <p:nvSpPr>
           <p:cNvPr id="29" name="Google Shape;29;p5"/>
-          <p:cNvSpPr txBox="1"/>
+          <p:cNvSpPr txBox="1">
+            <a:spLocks noGrp="1"/>
+          </p:cNvSpPr>
           <p:nvPr>
-            <p:ph idx="12" type="sldNum"/>
+            <p:ph type="sldNum" idx="12"/>
           </p:nvPr>
         </p:nvSpPr>
         <p:spPr>
@@ -3886,7 +4011,7 @@
           </a:prstGeom>
         </p:spPr>
         <p:txBody>
-          <a:bodyPr anchorCtr="0" anchor="ctr" bIns="91425" lIns="91425" spcFirstLastPara="1" rIns="91425" wrap="square" tIns="91425">
+          <a:bodyPr spcFirstLastPara="1" wrap="square" lIns="91425" tIns="91425" rIns="91425" bIns="91425" anchor="ctr" anchorCtr="0">
             <a:noAutofit/>
           </a:bodyPr>
           <a:lstStyle>
@@ -3928,7 +4053,7 @@
             </a:lvl9pPr>
           </a:lstStyle>
           <a:p>
-            <a:pPr indent="0" lvl="0" marL="0" rtl="0" algn="r">
+            <a:pPr marL="0" lvl="0" indent="0" algn="r" rtl="0">
               <a:spcBef>
                 <a:spcPts val="0"/>
               </a:spcBef>
@@ -3954,11 +4079,11 @@
 </file>
 
 <file path=ppt/slideLayouts/slideLayout5.xml><?xml version="1.0" encoding="utf-8"?>
-<p:sldLayout xmlns:a="http://schemas.openxmlformats.org/drawingml/2006/main" xmlns:r="http://schemas.openxmlformats.org/officeDocument/2006/relationships" xmlns:mc="http://schemas.openxmlformats.org/markup-compatibility/2006" xmlns:mv="urn:schemas-microsoft-com:mac:vml" xmlns:p="http://schemas.openxmlformats.org/presentationml/2006/main" xmlns:c="http://schemas.openxmlformats.org/drawingml/2006/chart" xmlns:dgm="http://schemas.openxmlformats.org/drawingml/2006/diagram" xmlns:o="urn:schemas-microsoft-com:office:office" xmlns:v="urn:schemas-microsoft-com:vml" xmlns:pvml="urn:schemas-microsoft-com:office:powerpoint" xmlns:com="http://schemas.openxmlformats.org/drawingml/2006/compatibility" xmlns:p14="http://schemas.microsoft.com/office/powerpoint/2010/main" xmlns:p15="http://schemas.microsoft.com/office/powerpoint/2012/main" matchingName="Title only" type="titleOnly">
+<p:sldLayout xmlns:a="http://schemas.openxmlformats.org/drawingml/2006/main" xmlns:r="http://schemas.openxmlformats.org/officeDocument/2006/relationships" xmlns:p="http://schemas.openxmlformats.org/presentationml/2006/main" matchingName="Title only" type="titleOnly">
   <p:cSld name="TITLE_ONLY">
     <p:spTree>
       <p:nvGrpSpPr>
-        <p:cNvPr id="30" name="Shape 30"/>
+        <p:cNvPr id="1" name="Shape 30"/>
         <p:cNvGrpSpPr/>
         <p:nvPr/>
       </p:nvGrpSpPr>
@@ -3973,7 +4098,9 @@
       <p:sp>
         <p:nvSpPr>
           <p:cNvPr id="31" name="Google Shape;31;p6"/>
-          <p:cNvSpPr txBox="1"/>
+          <p:cNvSpPr txBox="1">
+            <a:spLocks noGrp="1"/>
+          </p:cNvSpPr>
           <p:nvPr>
             <p:ph type="title"/>
           </p:nvPr>
@@ -3988,7 +4115,7 @@
           </a:prstGeom>
         </p:spPr>
         <p:txBody>
-          <a:bodyPr anchorCtr="0" anchor="b" bIns="91425" lIns="91425" spcFirstLastPara="1" rIns="91425" wrap="square" tIns="91425">
+          <a:bodyPr spcFirstLastPara="1" wrap="square" lIns="91425" tIns="91425" rIns="91425" bIns="91425" anchor="b" anchorCtr="0">
             <a:noAutofit/>
           </a:bodyPr>
           <a:lstStyle>
@@ -4092,15 +4219,19 @@
               <a:defRPr/>
             </a:lvl9pPr>
           </a:lstStyle>
-          <a:p/>
+          <a:p>
+            <a:endParaRPr/>
+          </a:p>
         </p:txBody>
       </p:sp>
       <p:sp>
         <p:nvSpPr>
           <p:cNvPr id="32" name="Google Shape;32;p6"/>
-          <p:cNvSpPr txBox="1"/>
+          <p:cNvSpPr txBox="1">
+            <a:spLocks noGrp="1"/>
+          </p:cNvSpPr>
           <p:nvPr>
-            <p:ph idx="12" type="sldNum"/>
+            <p:ph type="sldNum" idx="12"/>
           </p:nvPr>
         </p:nvSpPr>
         <p:spPr>
@@ -4113,7 +4244,7 @@
           </a:prstGeom>
         </p:spPr>
         <p:txBody>
-          <a:bodyPr anchorCtr="0" anchor="ctr" bIns="91425" lIns="91425" spcFirstLastPara="1" rIns="91425" wrap="square" tIns="91425">
+          <a:bodyPr spcFirstLastPara="1" wrap="square" lIns="91425" tIns="91425" rIns="91425" bIns="91425" anchor="ctr" anchorCtr="0">
             <a:noAutofit/>
           </a:bodyPr>
           <a:lstStyle>
@@ -4155,7 +4286,7 @@
             </a:lvl9pPr>
           </a:lstStyle>
           <a:p>
-            <a:pPr indent="0" lvl="0" marL="0" rtl="0" algn="r">
+            <a:pPr marL="0" lvl="0" indent="0" algn="r" rtl="0">
               <a:spcBef>
                 <a:spcPts val="0"/>
               </a:spcBef>
@@ -4181,11 +4312,11 @@
 </file>
 
 <file path=ppt/slideLayouts/slideLayout6.xml><?xml version="1.0" encoding="utf-8"?>
-<p:sldLayout xmlns:a="http://schemas.openxmlformats.org/drawingml/2006/main" xmlns:r="http://schemas.openxmlformats.org/officeDocument/2006/relationships" xmlns:mc="http://schemas.openxmlformats.org/markup-compatibility/2006" xmlns:mv="urn:schemas-microsoft-com:mac:vml" xmlns:p="http://schemas.openxmlformats.org/presentationml/2006/main" xmlns:c="http://schemas.openxmlformats.org/drawingml/2006/chart" xmlns:dgm="http://schemas.openxmlformats.org/drawingml/2006/diagram" xmlns:o="urn:schemas-microsoft-com:office:office" xmlns:v="urn:schemas-microsoft-com:vml" xmlns:pvml="urn:schemas-microsoft-com:office:powerpoint" xmlns:com="http://schemas.openxmlformats.org/drawingml/2006/compatibility" xmlns:p14="http://schemas.microsoft.com/office/powerpoint/2010/main" xmlns:p15="http://schemas.microsoft.com/office/powerpoint/2012/main" matchingName="One column text">
+<p:sldLayout xmlns:a="http://schemas.openxmlformats.org/drawingml/2006/main" xmlns:r="http://schemas.openxmlformats.org/officeDocument/2006/relationships" xmlns:p="http://schemas.openxmlformats.org/presentationml/2006/main" matchingName="One column text">
   <p:cSld name="ONE_COLUMN_TEXT">
     <p:spTree>
       <p:nvGrpSpPr>
-        <p:cNvPr id="33" name="Shape 33"/>
+        <p:cNvPr id="1" name="Shape 33"/>
         <p:cNvGrpSpPr/>
         <p:nvPr/>
       </p:nvGrpSpPr>
@@ -4200,7 +4331,9 @@
       <p:sp>
         <p:nvSpPr>
           <p:cNvPr id="34" name="Google Shape;34;p7"/>
-          <p:cNvSpPr txBox="1"/>
+          <p:cNvSpPr txBox="1">
+            <a:spLocks noGrp="1"/>
+          </p:cNvSpPr>
           <p:nvPr>
             <p:ph type="title"/>
           </p:nvPr>
@@ -4215,7 +4348,7 @@
           </a:prstGeom>
         </p:spPr>
         <p:txBody>
-          <a:bodyPr anchorCtr="0" anchor="b" bIns="91425" lIns="91425" spcFirstLastPara="1" rIns="91425" wrap="square" tIns="91425">
+          <a:bodyPr spcFirstLastPara="1" wrap="square" lIns="91425" tIns="91425" rIns="91425" bIns="91425" anchor="b" anchorCtr="0">
             <a:noAutofit/>
           </a:bodyPr>
           <a:lstStyle>
@@ -4319,15 +4452,19 @@
               <a:defRPr sz="3000"/>
             </a:lvl9pPr>
           </a:lstStyle>
-          <a:p/>
+          <a:p>
+            <a:endParaRPr/>
+          </a:p>
         </p:txBody>
       </p:sp>
       <p:sp>
         <p:nvSpPr>
           <p:cNvPr id="35" name="Google Shape;35;p7"/>
-          <p:cNvSpPr txBox="1"/>
+          <p:cNvSpPr txBox="1">
+            <a:spLocks noGrp="1"/>
+          </p:cNvSpPr>
           <p:nvPr>
-            <p:ph idx="1" type="body"/>
+            <p:ph type="body" idx="1"/>
           </p:nvPr>
         </p:nvSpPr>
         <p:spPr>
@@ -4340,11 +4477,11 @@
           </a:prstGeom>
         </p:spPr>
         <p:txBody>
-          <a:bodyPr anchorCtr="0" anchor="t" bIns="91425" lIns="91425" spcFirstLastPara="1" rIns="91425" wrap="square" tIns="91425">
+          <a:bodyPr spcFirstLastPara="1" wrap="square" lIns="91425" tIns="91425" rIns="91425" bIns="91425" anchor="t" anchorCtr="0">
             <a:noAutofit/>
           </a:bodyPr>
           <a:lstStyle>
-            <a:lvl1pPr indent="-304800" lvl="0" marL="457200">
+            <a:lvl1pPr marL="457200" lvl="0" indent="-304800">
               <a:spcBef>
                 <a:spcPts val="0"/>
               </a:spcBef>
@@ -4355,7 +4492,7 @@
               <a:buChar char="●"/>
               <a:defRPr sz="1200"/>
             </a:lvl1pPr>
-            <a:lvl2pPr indent="-304800" lvl="1" marL="914400">
+            <a:lvl2pPr marL="914400" lvl="1" indent="-304800">
               <a:spcBef>
                 <a:spcPts val="1600"/>
               </a:spcBef>
@@ -4366,7 +4503,7 @@
               <a:buChar char="○"/>
               <a:defRPr sz="1200"/>
             </a:lvl2pPr>
-            <a:lvl3pPr indent="-304800" lvl="2" marL="1371600">
+            <a:lvl3pPr marL="1371600" lvl="2" indent="-304800">
               <a:spcBef>
                 <a:spcPts val="1600"/>
               </a:spcBef>
@@ -4377,7 +4514,7 @@
               <a:buChar char="■"/>
               <a:defRPr sz="1200"/>
             </a:lvl3pPr>
-            <a:lvl4pPr indent="-304800" lvl="3" marL="1828800">
+            <a:lvl4pPr marL="1828800" lvl="3" indent="-304800">
               <a:spcBef>
                 <a:spcPts val="1600"/>
               </a:spcBef>
@@ -4388,7 +4525,7 @@
               <a:buChar char="●"/>
               <a:defRPr sz="1200"/>
             </a:lvl4pPr>
-            <a:lvl5pPr indent="-304800" lvl="4" marL="2286000">
+            <a:lvl5pPr marL="2286000" lvl="4" indent="-304800">
               <a:spcBef>
                 <a:spcPts val="1600"/>
               </a:spcBef>
@@ -4399,7 +4536,7 @@
               <a:buChar char="○"/>
               <a:defRPr sz="1200"/>
             </a:lvl5pPr>
-            <a:lvl6pPr indent="-304800" lvl="5" marL="2743200">
+            <a:lvl6pPr marL="2743200" lvl="5" indent="-304800">
               <a:spcBef>
                 <a:spcPts val="1600"/>
               </a:spcBef>
@@ -4410,7 +4547,7 @@
               <a:buChar char="■"/>
               <a:defRPr sz="1200"/>
             </a:lvl6pPr>
-            <a:lvl7pPr indent="-304800" lvl="6" marL="3200400">
+            <a:lvl7pPr marL="3200400" lvl="6" indent="-304800">
               <a:spcBef>
                 <a:spcPts val="1600"/>
               </a:spcBef>
@@ -4421,7 +4558,7 @@
               <a:buChar char="●"/>
               <a:defRPr sz="1200"/>
             </a:lvl7pPr>
-            <a:lvl8pPr indent="-304800" lvl="7" marL="3657600">
+            <a:lvl8pPr marL="3657600" lvl="7" indent="-304800">
               <a:spcBef>
                 <a:spcPts val="1600"/>
               </a:spcBef>
@@ -4432,7 +4569,7 @@
               <a:buChar char="○"/>
               <a:defRPr sz="1200"/>
             </a:lvl8pPr>
-            <a:lvl9pPr indent="-304800" lvl="8" marL="4114800">
+            <a:lvl9pPr marL="4114800" lvl="8" indent="-304800">
               <a:spcBef>
                 <a:spcPts val="1600"/>
               </a:spcBef>
@@ -4444,15 +4581,19 @@
               <a:defRPr sz="1200"/>
             </a:lvl9pPr>
           </a:lstStyle>
-          <a:p/>
+          <a:p>
+            <a:endParaRPr/>
+          </a:p>
         </p:txBody>
       </p:sp>
       <p:sp>
         <p:nvSpPr>
           <p:cNvPr id="36" name="Google Shape;36;p7"/>
-          <p:cNvSpPr txBox="1"/>
+          <p:cNvSpPr txBox="1">
+            <a:spLocks noGrp="1"/>
+          </p:cNvSpPr>
           <p:nvPr>
-            <p:ph idx="12" type="sldNum"/>
+            <p:ph type="sldNum" idx="12"/>
           </p:nvPr>
         </p:nvSpPr>
         <p:spPr>
@@ -4465,7 +4606,7 @@
           </a:prstGeom>
         </p:spPr>
         <p:txBody>
-          <a:bodyPr anchorCtr="0" anchor="ctr" bIns="91425" lIns="91425" spcFirstLastPara="1" rIns="91425" wrap="square" tIns="91425">
+          <a:bodyPr spcFirstLastPara="1" wrap="square" lIns="91425" tIns="91425" rIns="91425" bIns="91425" anchor="ctr" anchorCtr="0">
             <a:noAutofit/>
           </a:bodyPr>
           <a:lstStyle>
@@ -4507,7 +4648,7 @@
             </a:lvl9pPr>
           </a:lstStyle>
           <a:p>
-            <a:pPr indent="0" lvl="0" marL="0" rtl="0" algn="r">
+            <a:pPr marL="0" lvl="0" indent="0" algn="r" rtl="0">
               <a:spcBef>
                 <a:spcPts val="0"/>
               </a:spcBef>
@@ -4533,11 +4674,11 @@
 </file>
 
 <file path=ppt/slideLayouts/slideLayout7.xml><?xml version="1.0" encoding="utf-8"?>
-<p:sldLayout xmlns:a="http://schemas.openxmlformats.org/drawingml/2006/main" xmlns:r="http://schemas.openxmlformats.org/officeDocument/2006/relationships" xmlns:mc="http://schemas.openxmlformats.org/markup-compatibility/2006" xmlns:mv="urn:schemas-microsoft-com:mac:vml" xmlns:p="http://schemas.openxmlformats.org/presentationml/2006/main" xmlns:c="http://schemas.openxmlformats.org/drawingml/2006/chart" xmlns:dgm="http://schemas.openxmlformats.org/drawingml/2006/diagram" xmlns:o="urn:schemas-microsoft-com:office:office" xmlns:v="urn:schemas-microsoft-com:vml" xmlns:pvml="urn:schemas-microsoft-com:office:powerpoint" xmlns:com="http://schemas.openxmlformats.org/drawingml/2006/compatibility" xmlns:p14="http://schemas.microsoft.com/office/powerpoint/2010/main" xmlns:p15="http://schemas.microsoft.com/office/powerpoint/2012/main" matchingName="Main point">
+<p:sldLayout xmlns:a="http://schemas.openxmlformats.org/drawingml/2006/main" xmlns:r="http://schemas.openxmlformats.org/officeDocument/2006/relationships" xmlns:p="http://schemas.openxmlformats.org/presentationml/2006/main" matchingName="Main point">
   <p:cSld name="MAIN_POINT">
     <p:spTree>
       <p:nvGrpSpPr>
-        <p:cNvPr id="37" name="Shape 37"/>
+        <p:cNvPr id="1" name="Shape 37"/>
         <p:cNvGrpSpPr/>
         <p:nvPr/>
       </p:nvGrpSpPr>
@@ -4571,12 +4712,12 @@
           </a:ln>
         </p:spPr>
         <p:txBody>
-          <a:bodyPr anchorCtr="0" anchor="ctr" bIns="91425" lIns="91425" spcFirstLastPara="1" rIns="91425" wrap="square" tIns="91425">
+          <a:bodyPr spcFirstLastPara="1" wrap="square" lIns="91425" tIns="91425" rIns="91425" bIns="91425" anchor="ctr" anchorCtr="0">
             <a:noAutofit/>
           </a:bodyPr>
           <a:lstStyle/>
           <a:p>
-            <a:pPr indent="0" lvl="0" marL="0" rtl="0" algn="l">
+            <a:pPr marL="0" lvl="0" indent="0" algn="l" rtl="0">
               <a:spcBef>
                 <a:spcPts val="0"/>
               </a:spcBef>
@@ -4585,9 +4726,6 @@
               </a:spcAft>
               <a:buNone/>
             </a:pPr>
-            <a:r>
-              <a:t/>
-            </a:r>
             <a:endParaRPr/>
           </a:p>
         </p:txBody>
@@ -4595,7 +4733,9 @@
       <p:sp>
         <p:nvSpPr>
           <p:cNvPr id="39" name="Google Shape;39;p8"/>
-          <p:cNvSpPr txBox="1"/>
+          <p:cNvSpPr txBox="1">
+            <a:spLocks noGrp="1"/>
+          </p:cNvSpPr>
           <p:nvPr>
             <p:ph type="title"/>
           </p:nvPr>
@@ -4610,7 +4750,7 @@
           </a:prstGeom>
         </p:spPr>
         <p:txBody>
-          <a:bodyPr anchorCtr="0" anchor="ctr" bIns="91425" lIns="91425" spcFirstLastPara="1" rIns="91425" wrap="square" tIns="91425">
+          <a:bodyPr spcFirstLastPara="1" wrap="square" lIns="91425" tIns="91425" rIns="91425" bIns="91425" anchor="ctr" anchorCtr="0">
             <a:noAutofit/>
           </a:bodyPr>
           <a:lstStyle>
@@ -4714,15 +4854,19 @@
               <a:defRPr sz="4800"/>
             </a:lvl9pPr>
           </a:lstStyle>
-          <a:p/>
+          <a:p>
+            <a:endParaRPr/>
+          </a:p>
         </p:txBody>
       </p:sp>
       <p:sp>
         <p:nvSpPr>
           <p:cNvPr id="40" name="Google Shape;40;p8"/>
-          <p:cNvSpPr txBox="1"/>
+          <p:cNvSpPr txBox="1">
+            <a:spLocks noGrp="1"/>
+          </p:cNvSpPr>
           <p:nvPr>
-            <p:ph idx="12" type="sldNum"/>
+            <p:ph type="sldNum" idx="12"/>
           </p:nvPr>
         </p:nvSpPr>
         <p:spPr>
@@ -4735,7 +4879,7 @@
           </a:prstGeom>
         </p:spPr>
         <p:txBody>
-          <a:bodyPr anchorCtr="0" anchor="ctr" bIns="91425" lIns="91425" spcFirstLastPara="1" rIns="91425" wrap="square" tIns="91425">
+          <a:bodyPr spcFirstLastPara="1" wrap="square" lIns="91425" tIns="91425" rIns="91425" bIns="91425" anchor="ctr" anchorCtr="0">
             <a:noAutofit/>
           </a:bodyPr>
           <a:lstStyle>
@@ -4777,7 +4921,7 @@
             </a:lvl9pPr>
           </a:lstStyle>
           <a:p>
-            <a:pPr indent="0" lvl="0" marL="0" rtl="0" algn="r">
+            <a:pPr marL="0" lvl="0" indent="0" algn="r" rtl="0">
               <a:spcBef>
                 <a:spcPts val="0"/>
               </a:spcBef>
@@ -4803,11 +4947,11 @@
 </file>
 
 <file path=ppt/slideLayouts/slideLayout8.xml><?xml version="1.0" encoding="utf-8"?>
-<p:sldLayout xmlns:a="http://schemas.openxmlformats.org/drawingml/2006/main" xmlns:r="http://schemas.openxmlformats.org/officeDocument/2006/relationships" xmlns:mc="http://schemas.openxmlformats.org/markup-compatibility/2006" xmlns:mv="urn:schemas-microsoft-com:mac:vml" xmlns:p="http://schemas.openxmlformats.org/presentationml/2006/main" xmlns:c="http://schemas.openxmlformats.org/drawingml/2006/chart" xmlns:dgm="http://schemas.openxmlformats.org/drawingml/2006/diagram" xmlns:o="urn:schemas-microsoft-com:office:office" xmlns:v="urn:schemas-microsoft-com:vml" xmlns:pvml="urn:schemas-microsoft-com:office:powerpoint" xmlns:com="http://schemas.openxmlformats.org/drawingml/2006/compatibility" xmlns:p14="http://schemas.microsoft.com/office/powerpoint/2010/main" xmlns:p15="http://schemas.microsoft.com/office/powerpoint/2012/main" matchingName="Section title and description">
+<p:sldLayout xmlns:a="http://schemas.openxmlformats.org/drawingml/2006/main" xmlns:r="http://schemas.openxmlformats.org/officeDocument/2006/relationships" xmlns:p="http://schemas.openxmlformats.org/presentationml/2006/main" matchingName="Section title and description">
   <p:cSld name="SECTION_TITLE_AND_DESCRIPTION">
     <p:spTree>
       <p:nvGrpSpPr>
-        <p:cNvPr id="41" name="Shape 41"/>
+        <p:cNvPr id="1" name="Shape 41"/>
         <p:cNvGrpSpPr/>
         <p:nvPr/>
       </p:nvGrpSpPr>
@@ -4841,12 +4985,12 @@
           </a:ln>
         </p:spPr>
         <p:txBody>
-          <a:bodyPr anchorCtr="0" anchor="ctr" bIns="91425" lIns="91425" spcFirstLastPara="1" rIns="91425" wrap="square" tIns="91425">
+          <a:bodyPr spcFirstLastPara="1" wrap="square" lIns="91425" tIns="91425" rIns="91425" bIns="91425" anchor="ctr" anchorCtr="0">
             <a:noAutofit/>
           </a:bodyPr>
           <a:lstStyle/>
           <a:p>
-            <a:pPr indent="0" lvl="0" marL="0" rtl="0" algn="l">
+            <a:pPr marL="0" lvl="0" indent="0" algn="l" rtl="0">
               <a:spcBef>
                 <a:spcPts val="0"/>
               </a:spcBef>
@@ -4855,9 +4999,6 @@
               </a:spcAft>
               <a:buNone/>
             </a:pPr>
-            <a:r>
-              <a:t/>
-            </a:r>
             <a:endParaRPr/>
           </a:p>
         </p:txBody>
@@ -4877,21 +5018,23 @@
             <a:avLst/>
           </a:prstGeom>
           <a:noFill/>
-          <a:ln cap="flat" cmpd="sng" w="19050">
+          <a:ln w="19050" cap="flat" cmpd="sng">
             <a:solidFill>
               <a:schemeClr val="lt1"/>
             </a:solidFill>
             <a:prstDash val="solid"/>
             <a:round/>
-            <a:headEnd len="sm" w="sm" type="none"/>
-            <a:tailEnd len="sm" w="sm" type="none"/>
+            <a:headEnd type="none" w="sm" len="sm"/>
+            <a:tailEnd type="none" w="sm" len="sm"/>
           </a:ln>
         </p:spPr>
       </p:cxnSp>
       <p:sp>
         <p:nvSpPr>
           <p:cNvPr id="44" name="Google Shape;44;p9"/>
-          <p:cNvSpPr txBox="1"/>
+          <p:cNvSpPr txBox="1">
+            <a:spLocks noGrp="1"/>
+          </p:cNvSpPr>
           <p:nvPr>
             <p:ph type="title"/>
           </p:nvPr>
@@ -4906,7 +5049,7 @@
           </a:prstGeom>
         </p:spPr>
         <p:txBody>
-          <a:bodyPr anchorCtr="0" anchor="b" bIns="91425" lIns="91425" spcFirstLastPara="1" rIns="91425" wrap="square" tIns="91425">
+          <a:bodyPr spcFirstLastPara="1" wrap="square" lIns="91425" tIns="91425" rIns="91425" bIns="91425" anchor="b" anchorCtr="0">
             <a:noAutofit/>
           </a:bodyPr>
           <a:lstStyle>
@@ -5073,15 +5216,19 @@
               </a:defRPr>
             </a:lvl9pPr>
           </a:lstStyle>
-          <a:p/>
+          <a:p>
+            <a:endParaRPr/>
+          </a:p>
         </p:txBody>
       </p:sp>
       <p:sp>
         <p:nvSpPr>
           <p:cNvPr id="45" name="Google Shape;45;p9"/>
-          <p:cNvSpPr txBox="1"/>
+          <p:cNvSpPr txBox="1">
+            <a:spLocks noGrp="1"/>
+          </p:cNvSpPr>
           <p:nvPr>
-            <p:ph idx="1" type="subTitle"/>
+            <p:ph type="subTitle" idx="1"/>
           </p:nvPr>
         </p:nvSpPr>
         <p:spPr>
@@ -5094,7 +5241,7 @@
           </a:prstGeom>
         </p:spPr>
         <p:txBody>
-          <a:bodyPr anchorCtr="0" anchor="t" bIns="91425" lIns="91425" spcFirstLastPara="1" rIns="91425" wrap="square" tIns="91425">
+          <a:bodyPr spcFirstLastPara="1" wrap="square" lIns="91425" tIns="91425" rIns="91425" bIns="91425" anchor="t" anchorCtr="0">
             <a:noAutofit/>
           </a:bodyPr>
           <a:lstStyle>
@@ -5279,15 +5426,19 @@
               </a:defRPr>
             </a:lvl9pPr>
           </a:lstStyle>
-          <a:p/>
+          <a:p>
+            <a:endParaRPr/>
+          </a:p>
         </p:txBody>
       </p:sp>
       <p:sp>
         <p:nvSpPr>
           <p:cNvPr id="46" name="Google Shape;46;p9"/>
-          <p:cNvSpPr txBox="1"/>
+          <p:cNvSpPr txBox="1">
+            <a:spLocks noGrp="1"/>
+          </p:cNvSpPr>
           <p:nvPr>
-            <p:ph idx="2" type="body"/>
+            <p:ph type="body" idx="2"/>
           </p:nvPr>
         </p:nvSpPr>
         <p:spPr>
@@ -5300,11 +5451,11 @@
           </a:prstGeom>
         </p:spPr>
         <p:txBody>
-          <a:bodyPr anchorCtr="0" anchor="ctr" bIns="91425" lIns="91425" spcFirstLastPara="1" rIns="91425" wrap="square" tIns="91425">
+          <a:bodyPr spcFirstLastPara="1" wrap="square" lIns="91425" tIns="91425" rIns="91425" bIns="91425" anchor="ctr" anchorCtr="0">
             <a:noAutofit/>
           </a:bodyPr>
           <a:lstStyle>
-            <a:lvl1pPr indent="-342900" lvl="0" marL="457200">
+            <a:lvl1pPr marL="457200" lvl="0" indent="-342900">
               <a:spcBef>
                 <a:spcPts val="0"/>
               </a:spcBef>
@@ -5322,7 +5473,7 @@
                 </a:solidFill>
               </a:defRPr>
             </a:lvl1pPr>
-            <a:lvl2pPr indent="-317500" lvl="1" marL="914400">
+            <a:lvl2pPr marL="914400" lvl="1" indent="-317500">
               <a:spcBef>
                 <a:spcPts val="1600"/>
               </a:spcBef>
@@ -5340,7 +5491,7 @@
                 </a:solidFill>
               </a:defRPr>
             </a:lvl2pPr>
-            <a:lvl3pPr indent="-317500" lvl="2" marL="1371600">
+            <a:lvl3pPr marL="1371600" lvl="2" indent="-317500">
               <a:spcBef>
                 <a:spcPts val="1600"/>
               </a:spcBef>
@@ -5358,7 +5509,7 @@
                 </a:solidFill>
               </a:defRPr>
             </a:lvl3pPr>
-            <a:lvl4pPr indent="-317500" lvl="3" marL="1828800">
+            <a:lvl4pPr marL="1828800" lvl="3" indent="-317500">
               <a:spcBef>
                 <a:spcPts val="1600"/>
               </a:spcBef>
@@ -5376,7 +5527,7 @@
                 </a:solidFill>
               </a:defRPr>
             </a:lvl4pPr>
-            <a:lvl5pPr indent="-317500" lvl="4" marL="2286000">
+            <a:lvl5pPr marL="2286000" lvl="4" indent="-317500">
               <a:spcBef>
                 <a:spcPts val="1600"/>
               </a:spcBef>
@@ -5394,7 +5545,7 @@
                 </a:solidFill>
               </a:defRPr>
             </a:lvl5pPr>
-            <a:lvl6pPr indent="-317500" lvl="5" marL="2743200">
+            <a:lvl6pPr marL="2743200" lvl="5" indent="-317500">
               <a:spcBef>
                 <a:spcPts val="1600"/>
               </a:spcBef>
@@ -5412,7 +5563,7 @@
                 </a:solidFill>
               </a:defRPr>
             </a:lvl6pPr>
-            <a:lvl7pPr indent="-317500" lvl="6" marL="3200400">
+            <a:lvl7pPr marL="3200400" lvl="6" indent="-317500">
               <a:spcBef>
                 <a:spcPts val="1600"/>
               </a:spcBef>
@@ -5430,7 +5581,7 @@
                 </a:solidFill>
               </a:defRPr>
             </a:lvl7pPr>
-            <a:lvl8pPr indent="-317500" lvl="7" marL="3657600">
+            <a:lvl8pPr marL="3657600" lvl="7" indent="-317500">
               <a:spcBef>
                 <a:spcPts val="1600"/>
               </a:spcBef>
@@ -5448,7 +5599,7 @@
                 </a:solidFill>
               </a:defRPr>
             </a:lvl8pPr>
-            <a:lvl9pPr indent="-317500" lvl="8" marL="4114800">
+            <a:lvl9pPr marL="4114800" lvl="8" indent="-317500">
               <a:spcBef>
                 <a:spcPts val="1600"/>
               </a:spcBef>
@@ -5467,15 +5618,19 @@
               </a:defRPr>
             </a:lvl9pPr>
           </a:lstStyle>
-          <a:p/>
+          <a:p>
+            <a:endParaRPr/>
+          </a:p>
         </p:txBody>
       </p:sp>
       <p:sp>
         <p:nvSpPr>
           <p:cNvPr id="47" name="Google Shape;47;p9"/>
-          <p:cNvSpPr txBox="1"/>
+          <p:cNvSpPr txBox="1">
+            <a:spLocks noGrp="1"/>
+          </p:cNvSpPr>
           <p:nvPr>
-            <p:ph idx="12" type="sldNum"/>
+            <p:ph type="sldNum" idx="12"/>
           </p:nvPr>
         </p:nvSpPr>
         <p:spPr>
@@ -5488,7 +5643,7 @@
           </a:prstGeom>
         </p:spPr>
         <p:txBody>
-          <a:bodyPr anchorCtr="0" anchor="ctr" bIns="91425" lIns="91425" spcFirstLastPara="1" rIns="91425" wrap="square" tIns="91425">
+          <a:bodyPr spcFirstLastPara="1" wrap="square" lIns="91425" tIns="91425" rIns="91425" bIns="91425" anchor="ctr" anchorCtr="0">
             <a:noAutofit/>
           </a:bodyPr>
           <a:lstStyle>
@@ -5566,7 +5721,7 @@
             </a:lvl9pPr>
           </a:lstStyle>
           <a:p>
-            <a:pPr indent="0" lvl="0" marL="0" rtl="0" algn="r">
+            <a:pPr marL="0" lvl="0" indent="0" algn="r" rtl="0">
               <a:spcBef>
                 <a:spcPts val="0"/>
               </a:spcBef>
@@ -5592,11 +5747,11 @@
 </file>
 
 <file path=ppt/slideLayouts/slideLayout9.xml><?xml version="1.0" encoding="utf-8"?>
-<p:sldLayout xmlns:a="http://schemas.openxmlformats.org/drawingml/2006/main" xmlns:r="http://schemas.openxmlformats.org/officeDocument/2006/relationships" xmlns:mc="http://schemas.openxmlformats.org/markup-compatibility/2006" xmlns:mv="urn:schemas-microsoft-com:mac:vml" xmlns:p="http://schemas.openxmlformats.org/presentationml/2006/main" xmlns:c="http://schemas.openxmlformats.org/drawingml/2006/chart" xmlns:dgm="http://schemas.openxmlformats.org/drawingml/2006/diagram" xmlns:o="urn:schemas-microsoft-com:office:office" xmlns:v="urn:schemas-microsoft-com:vml" xmlns:pvml="urn:schemas-microsoft-com:office:powerpoint" xmlns:com="http://schemas.openxmlformats.org/drawingml/2006/compatibility" xmlns:p14="http://schemas.microsoft.com/office/powerpoint/2010/main" xmlns:p15="http://schemas.microsoft.com/office/powerpoint/2012/main" matchingName="Caption">
+<p:sldLayout xmlns:a="http://schemas.openxmlformats.org/drawingml/2006/main" xmlns:r="http://schemas.openxmlformats.org/officeDocument/2006/relationships" xmlns:p="http://schemas.openxmlformats.org/presentationml/2006/main" matchingName="Caption">
   <p:cSld name="CAPTION_ONLY">
     <p:spTree>
       <p:nvGrpSpPr>
-        <p:cNvPr id="48" name="Shape 48"/>
+        <p:cNvPr id="1" name="Shape 48"/>
         <p:cNvGrpSpPr/>
         <p:nvPr/>
       </p:nvGrpSpPr>
@@ -5611,9 +5766,11 @@
       <p:sp>
         <p:nvSpPr>
           <p:cNvPr id="49" name="Google Shape;49;p10"/>
-          <p:cNvSpPr txBox="1"/>
+          <p:cNvSpPr txBox="1">
+            <a:spLocks noGrp="1"/>
+          </p:cNvSpPr>
           <p:nvPr>
-            <p:ph idx="1" type="body"/>
+            <p:ph type="body" idx="1"/>
           </p:nvPr>
         </p:nvSpPr>
         <p:spPr>
@@ -5626,11 +5783,11 @@
           </a:prstGeom>
         </p:spPr>
         <p:txBody>
-          <a:bodyPr anchorCtr="0" anchor="ctr" bIns="91425" lIns="91425" spcFirstLastPara="1" rIns="91425" wrap="square" tIns="91425">
+          <a:bodyPr spcFirstLastPara="1" wrap="square" lIns="91425" tIns="91425" rIns="91425" bIns="91425" anchor="ctr" anchorCtr="0">
             <a:noAutofit/>
           </a:bodyPr>
           <a:lstStyle>
-            <a:lvl1pPr indent="-228600" lvl="0" marL="457200">
+            <a:lvl1pPr marL="457200" lvl="0" indent="-228600">
               <a:lnSpc>
                 <a:spcPct val="100000"/>
               </a:lnSpc>
@@ -5651,15 +5808,19 @@
               </a:defRPr>
             </a:lvl1pPr>
           </a:lstStyle>
-          <a:p/>
+          <a:p>
+            <a:endParaRPr/>
+          </a:p>
         </p:txBody>
       </p:sp>
       <p:sp>
         <p:nvSpPr>
           <p:cNvPr id="50" name="Google Shape;50;p10"/>
-          <p:cNvSpPr txBox="1"/>
+          <p:cNvSpPr txBox="1">
+            <a:spLocks noGrp="1"/>
+          </p:cNvSpPr>
           <p:nvPr>
-            <p:ph idx="12" type="sldNum"/>
+            <p:ph type="sldNum" idx="12"/>
           </p:nvPr>
         </p:nvSpPr>
         <p:spPr>
@@ -5672,7 +5833,7 @@
           </a:prstGeom>
         </p:spPr>
         <p:txBody>
-          <a:bodyPr anchorCtr="0" anchor="ctr" bIns="91425" lIns="91425" spcFirstLastPara="1" rIns="91425" wrap="square" tIns="91425">
+          <a:bodyPr spcFirstLastPara="1" wrap="square" lIns="91425" tIns="91425" rIns="91425" bIns="91425" anchor="ctr" anchorCtr="0">
             <a:noAutofit/>
           </a:bodyPr>
           <a:lstStyle>
@@ -5714,7 +5875,7 @@
             </a:lvl9pPr>
           </a:lstStyle>
           <a:p>
-            <a:pPr indent="0" lvl="0" marL="0" rtl="0" algn="r">
+            <a:pPr marL="0" lvl="0" indent="0" algn="r" rtl="0">
               <a:spcBef>
                 <a:spcPts val="0"/>
               </a:spcBef>
@@ -5740,18 +5901,19 @@
 </file>
 
 <file path=ppt/slideMasters/slideMaster1.xml><?xml version="1.0" encoding="utf-8"?>
-<p:sldMaster xmlns:a="http://schemas.openxmlformats.org/drawingml/2006/main" xmlns:r="http://schemas.openxmlformats.org/officeDocument/2006/relationships" xmlns:mc="http://schemas.openxmlformats.org/markup-compatibility/2006" xmlns:mv="urn:schemas-microsoft-com:mac:vml" xmlns:p="http://schemas.openxmlformats.org/presentationml/2006/main" xmlns:c="http://schemas.openxmlformats.org/drawingml/2006/chart" xmlns:dgm="http://schemas.openxmlformats.org/drawingml/2006/diagram" xmlns:o="urn:schemas-microsoft-com:office:office" xmlns:v="urn:schemas-microsoft-com:vml" xmlns:pvml="urn:schemas-microsoft-com:office:powerpoint" xmlns:com="http://schemas.openxmlformats.org/drawingml/2006/compatibility" xmlns:p14="http://schemas.microsoft.com/office/powerpoint/2010/main" xmlns:p15="http://schemas.microsoft.com/office/powerpoint/2012/main">
+<p:sldMaster xmlns:a="http://schemas.openxmlformats.org/drawingml/2006/main" xmlns:r="http://schemas.openxmlformats.org/officeDocument/2006/relationships" xmlns:p="http://schemas.openxmlformats.org/presentationml/2006/main">
   <p:cSld name="luxe">
     <p:bg>
       <p:bgPr>
         <a:solidFill>
           <a:schemeClr val="lt1"/>
         </a:solidFill>
+        <a:effectLst/>
       </p:bgPr>
     </p:bg>
     <p:spTree>
       <p:nvGrpSpPr>
-        <p:cNvPr id="5" name="Shape 5"/>
+        <p:cNvPr id="1" name="Shape 5"/>
         <p:cNvGrpSpPr/>
         <p:nvPr/>
       </p:nvGrpSpPr>
@@ -5766,7 +5928,9 @@
       <p:sp>
         <p:nvSpPr>
           <p:cNvPr id="6" name="Google Shape;6;p1"/>
-          <p:cNvSpPr txBox="1"/>
+          <p:cNvSpPr txBox="1">
+            <a:spLocks noGrp="1"/>
+          </p:cNvSpPr>
           <p:nvPr>
             <p:ph type="title"/>
           </p:nvPr>
@@ -5785,7 +5949,7 @@
           </a:ln>
         </p:spPr>
         <p:txBody>
-          <a:bodyPr anchorCtr="0" anchor="b" bIns="91425" lIns="91425" spcFirstLastPara="1" rIns="91425" wrap="square" tIns="91425">
+          <a:bodyPr spcFirstLastPara="1" wrap="square" lIns="91425" tIns="91425" rIns="91425" bIns="91425" anchor="b" anchorCtr="0">
             <a:noAutofit/>
           </a:bodyPr>
           <a:lstStyle>
@@ -5997,15 +6161,19 @@
               </a:defRPr>
             </a:lvl9pPr>
           </a:lstStyle>
-          <a:p/>
+          <a:p>
+            <a:endParaRPr/>
+          </a:p>
         </p:txBody>
       </p:sp>
       <p:sp>
         <p:nvSpPr>
           <p:cNvPr id="7" name="Google Shape;7;p1"/>
-          <p:cNvSpPr txBox="1"/>
+          <p:cNvSpPr txBox="1">
+            <a:spLocks noGrp="1"/>
+          </p:cNvSpPr>
           <p:nvPr>
-            <p:ph idx="1" type="body"/>
+            <p:ph type="body" idx="1"/>
           </p:nvPr>
         </p:nvSpPr>
         <p:spPr>
@@ -6022,11 +6190,11 @@
           </a:ln>
         </p:spPr>
         <p:txBody>
-          <a:bodyPr anchorCtr="0" anchor="t" bIns="91425" lIns="91425" spcFirstLastPara="1" rIns="91425" wrap="square" tIns="91425">
+          <a:bodyPr spcFirstLastPara="1" wrap="square" lIns="91425" tIns="91425" rIns="91425" bIns="91425" anchor="t" anchorCtr="0">
             <a:noAutofit/>
           </a:bodyPr>
           <a:lstStyle>
-            <a:lvl1pPr indent="-342900" lvl="0" marL="457200">
+            <a:lvl1pPr marL="457200" lvl="0" indent="-342900">
               <a:lnSpc>
                 <a:spcPct val="115000"/>
               </a:lnSpc>
@@ -6052,7 +6220,7 @@
                 <a:sym typeface="Open Sans"/>
               </a:defRPr>
             </a:lvl1pPr>
-            <a:lvl2pPr indent="-317500" lvl="1" marL="914400">
+            <a:lvl2pPr marL="914400" lvl="1" indent="-317500">
               <a:lnSpc>
                 <a:spcPct val="115000"/>
               </a:lnSpc>
@@ -6078,7 +6246,7 @@
                 <a:sym typeface="Open Sans"/>
               </a:defRPr>
             </a:lvl2pPr>
-            <a:lvl3pPr indent="-317500" lvl="2" marL="1371600">
+            <a:lvl3pPr marL="1371600" lvl="2" indent="-317500">
               <a:lnSpc>
                 <a:spcPct val="115000"/>
               </a:lnSpc>
@@ -6104,7 +6272,7 @@
                 <a:sym typeface="Open Sans"/>
               </a:defRPr>
             </a:lvl3pPr>
-            <a:lvl4pPr indent="-317500" lvl="3" marL="1828800">
+            <a:lvl4pPr marL="1828800" lvl="3" indent="-317500">
               <a:lnSpc>
                 <a:spcPct val="115000"/>
               </a:lnSpc>
@@ -6130,7 +6298,7 @@
                 <a:sym typeface="Open Sans"/>
               </a:defRPr>
             </a:lvl4pPr>
-            <a:lvl5pPr indent="-317500" lvl="4" marL="2286000">
+            <a:lvl5pPr marL="2286000" lvl="4" indent="-317500">
               <a:lnSpc>
                 <a:spcPct val="115000"/>
               </a:lnSpc>
@@ -6156,7 +6324,7 @@
                 <a:sym typeface="Open Sans"/>
               </a:defRPr>
             </a:lvl5pPr>
-            <a:lvl6pPr indent="-317500" lvl="5" marL="2743200">
+            <a:lvl6pPr marL="2743200" lvl="5" indent="-317500">
               <a:lnSpc>
                 <a:spcPct val="115000"/>
               </a:lnSpc>
@@ -6182,7 +6350,7 @@
                 <a:sym typeface="Open Sans"/>
               </a:defRPr>
             </a:lvl6pPr>
-            <a:lvl7pPr indent="-317500" lvl="6" marL="3200400">
+            <a:lvl7pPr marL="3200400" lvl="6" indent="-317500">
               <a:lnSpc>
                 <a:spcPct val="115000"/>
               </a:lnSpc>
@@ -6208,7 +6376,7 @@
                 <a:sym typeface="Open Sans"/>
               </a:defRPr>
             </a:lvl7pPr>
-            <a:lvl8pPr indent="-317500" lvl="7" marL="3657600">
+            <a:lvl8pPr marL="3657600" lvl="7" indent="-317500">
               <a:lnSpc>
                 <a:spcPct val="115000"/>
               </a:lnSpc>
@@ -6234,7 +6402,7 @@
                 <a:sym typeface="Open Sans"/>
               </a:defRPr>
             </a:lvl8pPr>
-            <a:lvl9pPr indent="-317500" lvl="8" marL="4114800">
+            <a:lvl9pPr marL="4114800" lvl="8" indent="-317500">
               <a:lnSpc>
                 <a:spcPct val="115000"/>
               </a:lnSpc>
@@ -6261,15 +6429,19 @@
               </a:defRPr>
             </a:lvl9pPr>
           </a:lstStyle>
-          <a:p/>
+          <a:p>
+            <a:endParaRPr/>
+          </a:p>
         </p:txBody>
       </p:sp>
       <p:sp>
         <p:nvSpPr>
           <p:cNvPr id="8" name="Google Shape;8;p1"/>
-          <p:cNvSpPr txBox="1"/>
+          <p:cNvSpPr txBox="1">
+            <a:spLocks noGrp="1"/>
+          </p:cNvSpPr>
           <p:nvPr>
-            <p:ph idx="12" type="sldNum"/>
+            <p:ph type="sldNum" idx="12"/>
           </p:nvPr>
         </p:nvSpPr>
         <p:spPr>
@@ -6286,7 +6458,7 @@
           </a:ln>
         </p:spPr>
         <p:txBody>
-          <a:bodyPr anchorCtr="0" anchor="ctr" bIns="91425" lIns="91425" spcFirstLastPara="1" rIns="91425" wrap="square" tIns="91425">
+          <a:bodyPr spcFirstLastPara="1" wrap="square" lIns="91425" tIns="91425" rIns="91425" bIns="91425" anchor="ctr" anchorCtr="0">
             <a:noAutofit/>
           </a:bodyPr>
           <a:lstStyle>
@@ -6400,7 +6572,7 @@
             </a:lvl9pPr>
           </a:lstStyle>
           <a:p>
-            <a:pPr indent="0" lvl="0" marL="0" rtl="0" algn="r">
+            <a:pPr marL="0" lvl="0" indent="0" algn="r" rtl="0">
               <a:spcBef>
                 <a:spcPts val="0"/>
               </a:spcBef>
@@ -6419,7 +6591,7 @@
       </p:sp>
     </p:spTree>
   </p:cSld>
-  <p:clrMap accent1="accent1" accent2="accent2" accent3="accent3" accent4="accent4" accent5="accent5" accent6="accent6" bg1="lt1" bg2="dk2" tx1="dk1" tx2="lt2" folHlink="folHlink" hlink="hlink"/>
+  <p:clrMap bg1="lt1" tx1="dk1" bg2="dk2" tx2="lt2" accent1="accent1" accent2="accent2" accent3="accent3" accent4="accent4" accent5="accent5" accent6="accent6" hlink="hlink" folHlink="folHlink"/>
   <p:sldLayoutIdLst>
     <p:sldLayoutId id="2147483648" r:id="rId1"/>
     <p:sldLayoutId id="2147483649" r:id="rId2"/>
@@ -6433,10 +6605,10 @@
     <p:sldLayoutId id="2147483657" r:id="rId10"/>
     <p:sldLayoutId id="2147483658" r:id="rId11"/>
   </p:sldLayoutIdLst>
-  <p:hf dt="0" ftr="0" hdr="0" sldNum="0"/>
+  <p:hf sldNum="0" hdr="0" ftr="0" dt="0"/>
   <p:txStyles>
     <p:titleStyle>
-      <a:defPPr lvl="0" marR="0" rtl="0" algn="l">
+      <a:defPPr marR="0" lvl="0" algn="l" rtl="0">
         <a:lnSpc>
           <a:spcPct val="100000"/>
         </a:lnSpc>
@@ -6447,7 +6619,7 @@
           <a:spcPts val="0"/>
         </a:spcAft>
       </a:defPPr>
-      <a:lvl1pPr lvl="0" marR="0" rtl="0" algn="l">
+      <a:lvl1pPr marR="0" lvl="0" algn="l" rtl="0">
         <a:lnSpc>
           <a:spcPct val="100000"/>
         </a:lnSpc>
@@ -6461,7 +6633,7 @@
           <a:srgbClr val="000000"/>
         </a:buClr>
         <a:buFont typeface="Arial"/>
-        <a:defRPr b="0" i="0" sz="1400" u="none" cap="none" strike="noStrike">
+        <a:defRPr sz="1400" b="0" i="0" u="none" strike="noStrike" cap="none">
           <a:solidFill>
             <a:srgbClr val="000000"/>
           </a:solidFill>
@@ -6471,7 +6643,7 @@
           <a:sym typeface="Arial"/>
         </a:defRPr>
       </a:lvl1pPr>
-      <a:lvl2pPr lvl="1" marR="0" rtl="0" algn="l">
+      <a:lvl2pPr marR="0" lvl="1" algn="l" rtl="0">
         <a:lnSpc>
           <a:spcPct val="100000"/>
         </a:lnSpc>
@@ -6485,7 +6657,7 @@
           <a:srgbClr val="000000"/>
         </a:buClr>
         <a:buFont typeface="Arial"/>
-        <a:defRPr b="0" i="0" sz="1400" u="none" cap="none" strike="noStrike">
+        <a:defRPr sz="1400" b="0" i="0" u="none" strike="noStrike" cap="none">
           <a:solidFill>
             <a:srgbClr val="000000"/>
           </a:solidFill>
@@ -6495,7 +6667,7 @@
           <a:sym typeface="Arial"/>
         </a:defRPr>
       </a:lvl2pPr>
-      <a:lvl3pPr lvl="2" marR="0" rtl="0" algn="l">
+      <a:lvl3pPr marR="0" lvl="2" algn="l" rtl="0">
         <a:lnSpc>
           <a:spcPct val="100000"/>
         </a:lnSpc>
@@ -6509,7 +6681,7 @@
           <a:srgbClr val="000000"/>
         </a:buClr>
         <a:buFont typeface="Arial"/>
-        <a:defRPr b="0" i="0" sz="1400" u="none" cap="none" strike="noStrike">
+        <a:defRPr sz="1400" b="0" i="0" u="none" strike="noStrike" cap="none">
           <a:solidFill>
             <a:srgbClr val="000000"/>
           </a:solidFill>
@@ -6519,7 +6691,7 @@
           <a:sym typeface="Arial"/>
         </a:defRPr>
       </a:lvl3pPr>
-      <a:lvl4pPr lvl="3" marR="0" rtl="0" algn="l">
+      <a:lvl4pPr marR="0" lvl="3" algn="l" rtl="0">
         <a:lnSpc>
           <a:spcPct val="100000"/>
         </a:lnSpc>
@@ -6533,7 +6705,7 @@
           <a:srgbClr val="000000"/>
         </a:buClr>
         <a:buFont typeface="Arial"/>
-        <a:defRPr b="0" i="0" sz="1400" u="none" cap="none" strike="noStrike">
+        <a:defRPr sz="1400" b="0" i="0" u="none" strike="noStrike" cap="none">
           <a:solidFill>
             <a:srgbClr val="000000"/>
           </a:solidFill>
@@ -6543,7 +6715,7 @@
           <a:sym typeface="Arial"/>
         </a:defRPr>
       </a:lvl4pPr>
-      <a:lvl5pPr lvl="4" marR="0" rtl="0" algn="l">
+      <a:lvl5pPr marR="0" lvl="4" algn="l" rtl="0">
         <a:lnSpc>
           <a:spcPct val="100000"/>
         </a:lnSpc>
@@ -6557,7 +6729,7 @@
           <a:srgbClr val="000000"/>
         </a:buClr>
         <a:buFont typeface="Arial"/>
-        <a:defRPr b="0" i="0" sz="1400" u="none" cap="none" strike="noStrike">
+        <a:defRPr sz="1400" b="0" i="0" u="none" strike="noStrike" cap="none">
           <a:solidFill>
             <a:srgbClr val="000000"/>
           </a:solidFill>
@@ -6567,7 +6739,7 @@
           <a:sym typeface="Arial"/>
         </a:defRPr>
       </a:lvl5pPr>
-      <a:lvl6pPr lvl="5" marR="0" rtl="0" algn="l">
+      <a:lvl6pPr marR="0" lvl="5" algn="l" rtl="0">
         <a:lnSpc>
           <a:spcPct val="100000"/>
         </a:lnSpc>
@@ -6581,7 +6753,7 @@
           <a:srgbClr val="000000"/>
         </a:buClr>
         <a:buFont typeface="Arial"/>
-        <a:defRPr b="0" i="0" sz="1400" u="none" cap="none" strike="noStrike">
+        <a:defRPr sz="1400" b="0" i="0" u="none" strike="noStrike" cap="none">
           <a:solidFill>
             <a:srgbClr val="000000"/>
           </a:solidFill>
@@ -6591,7 +6763,7 @@
           <a:sym typeface="Arial"/>
         </a:defRPr>
       </a:lvl6pPr>
-      <a:lvl7pPr lvl="6" marR="0" rtl="0" algn="l">
+      <a:lvl7pPr marR="0" lvl="6" algn="l" rtl="0">
         <a:lnSpc>
           <a:spcPct val="100000"/>
         </a:lnSpc>
@@ -6605,7 +6777,7 @@
           <a:srgbClr val="000000"/>
         </a:buClr>
         <a:buFont typeface="Arial"/>
-        <a:defRPr b="0" i="0" sz="1400" u="none" cap="none" strike="noStrike">
+        <a:defRPr sz="1400" b="0" i="0" u="none" strike="noStrike" cap="none">
           <a:solidFill>
             <a:srgbClr val="000000"/>
           </a:solidFill>
@@ -6615,7 +6787,7 @@
           <a:sym typeface="Arial"/>
         </a:defRPr>
       </a:lvl7pPr>
-      <a:lvl8pPr lvl="7" marR="0" rtl="0" algn="l">
+      <a:lvl8pPr marR="0" lvl="7" algn="l" rtl="0">
         <a:lnSpc>
           <a:spcPct val="100000"/>
         </a:lnSpc>
@@ -6629,7 +6801,7 @@
           <a:srgbClr val="000000"/>
         </a:buClr>
         <a:buFont typeface="Arial"/>
-        <a:defRPr b="0" i="0" sz="1400" u="none" cap="none" strike="noStrike">
+        <a:defRPr sz="1400" b="0" i="0" u="none" strike="noStrike" cap="none">
           <a:solidFill>
             <a:srgbClr val="000000"/>
           </a:solidFill>
@@ -6639,7 +6811,7 @@
           <a:sym typeface="Arial"/>
         </a:defRPr>
       </a:lvl8pPr>
-      <a:lvl9pPr lvl="8" marR="0" rtl="0" algn="l">
+      <a:lvl9pPr marR="0" lvl="8" algn="l" rtl="0">
         <a:lnSpc>
           <a:spcPct val="100000"/>
         </a:lnSpc>
@@ -6653,7 +6825,7 @@
           <a:srgbClr val="000000"/>
         </a:buClr>
         <a:buFont typeface="Arial"/>
-        <a:defRPr b="0" i="0" sz="1400" u="none" cap="none" strike="noStrike">
+        <a:defRPr sz="1400" b="0" i="0" u="none" strike="noStrike" cap="none">
           <a:solidFill>
             <a:srgbClr val="000000"/>
           </a:solidFill>
@@ -6665,7 +6837,7 @@
       </a:lvl9pPr>
     </p:titleStyle>
     <p:bodyStyle>
-      <a:defPPr lvl="0" marR="0" rtl="0" algn="l">
+      <a:defPPr marR="0" lvl="0" algn="l" rtl="0">
         <a:lnSpc>
           <a:spcPct val="100000"/>
         </a:lnSpc>
@@ -6676,7 +6848,7 @@
           <a:spcPts val="0"/>
         </a:spcAft>
       </a:defPPr>
-      <a:lvl1pPr lvl="0" marR="0" rtl="0" algn="l">
+      <a:lvl1pPr marR="0" lvl="0" algn="l" rtl="0">
         <a:lnSpc>
           <a:spcPct val="100000"/>
         </a:lnSpc>
@@ -6690,7 +6862,7 @@
           <a:srgbClr val="000000"/>
         </a:buClr>
         <a:buFont typeface="Arial"/>
-        <a:defRPr b="0" i="0" sz="1400" u="none" cap="none" strike="noStrike">
+        <a:defRPr sz="1400" b="0" i="0" u="none" strike="noStrike" cap="none">
           <a:solidFill>
             <a:srgbClr val="000000"/>
           </a:solidFill>
@@ -6700,7 +6872,7 @@
           <a:sym typeface="Arial"/>
         </a:defRPr>
       </a:lvl1pPr>
-      <a:lvl2pPr lvl="1" marR="0" rtl="0" algn="l">
+      <a:lvl2pPr marR="0" lvl="1" algn="l" rtl="0">
         <a:lnSpc>
           <a:spcPct val="100000"/>
         </a:lnSpc>
@@ -6714,7 +6886,7 @@
           <a:srgbClr val="000000"/>
         </a:buClr>
         <a:buFont typeface="Arial"/>
-        <a:defRPr b="0" i="0" sz="1400" u="none" cap="none" strike="noStrike">
+        <a:defRPr sz="1400" b="0" i="0" u="none" strike="noStrike" cap="none">
           <a:solidFill>
             <a:srgbClr val="000000"/>
           </a:solidFill>
@@ -6724,7 +6896,7 @@
           <a:sym typeface="Arial"/>
         </a:defRPr>
       </a:lvl2pPr>
-      <a:lvl3pPr lvl="2" marR="0" rtl="0" algn="l">
+      <a:lvl3pPr marR="0" lvl="2" algn="l" rtl="0">
         <a:lnSpc>
           <a:spcPct val="100000"/>
         </a:lnSpc>
@@ -6738,7 +6910,7 @@
           <a:srgbClr val="000000"/>
         </a:buClr>
         <a:buFont typeface="Arial"/>
-        <a:defRPr b="0" i="0" sz="1400" u="none" cap="none" strike="noStrike">
+        <a:defRPr sz="1400" b="0" i="0" u="none" strike="noStrike" cap="none">
           <a:solidFill>
             <a:srgbClr val="000000"/>
           </a:solidFill>
@@ -6748,7 +6920,7 @@
           <a:sym typeface="Arial"/>
         </a:defRPr>
       </a:lvl3pPr>
-      <a:lvl4pPr lvl="3" marR="0" rtl="0" algn="l">
+      <a:lvl4pPr marR="0" lvl="3" algn="l" rtl="0">
         <a:lnSpc>
           <a:spcPct val="100000"/>
         </a:lnSpc>
@@ -6762,7 +6934,7 @@
           <a:srgbClr val="000000"/>
         </a:buClr>
         <a:buFont typeface="Arial"/>
-        <a:defRPr b="0" i="0" sz="1400" u="none" cap="none" strike="noStrike">
+        <a:defRPr sz="1400" b="0" i="0" u="none" strike="noStrike" cap="none">
           <a:solidFill>
             <a:srgbClr val="000000"/>
           </a:solidFill>
@@ -6772,7 +6944,7 @@
           <a:sym typeface="Arial"/>
         </a:defRPr>
       </a:lvl4pPr>
-      <a:lvl5pPr lvl="4" marR="0" rtl="0" algn="l">
+      <a:lvl5pPr marR="0" lvl="4" algn="l" rtl="0">
         <a:lnSpc>
           <a:spcPct val="100000"/>
         </a:lnSpc>
@@ -6786,7 +6958,7 @@
           <a:srgbClr val="000000"/>
         </a:buClr>
         <a:buFont typeface="Arial"/>
-        <a:defRPr b="0" i="0" sz="1400" u="none" cap="none" strike="noStrike">
+        <a:defRPr sz="1400" b="0" i="0" u="none" strike="noStrike" cap="none">
           <a:solidFill>
             <a:srgbClr val="000000"/>
           </a:solidFill>
@@ -6796,7 +6968,7 @@
           <a:sym typeface="Arial"/>
         </a:defRPr>
       </a:lvl5pPr>
-      <a:lvl6pPr lvl="5" marR="0" rtl="0" algn="l">
+      <a:lvl6pPr marR="0" lvl="5" algn="l" rtl="0">
         <a:lnSpc>
           <a:spcPct val="100000"/>
         </a:lnSpc>
@@ -6810,7 +6982,7 @@
           <a:srgbClr val="000000"/>
         </a:buClr>
         <a:buFont typeface="Arial"/>
-        <a:defRPr b="0" i="0" sz="1400" u="none" cap="none" strike="noStrike">
+        <a:defRPr sz="1400" b="0" i="0" u="none" strike="noStrike" cap="none">
           <a:solidFill>
             <a:srgbClr val="000000"/>
           </a:solidFill>
@@ -6820,7 +6992,7 @@
           <a:sym typeface="Arial"/>
         </a:defRPr>
       </a:lvl6pPr>
-      <a:lvl7pPr lvl="6" marR="0" rtl="0" algn="l">
+      <a:lvl7pPr marR="0" lvl="6" algn="l" rtl="0">
         <a:lnSpc>
           <a:spcPct val="100000"/>
         </a:lnSpc>
@@ -6834,7 +7006,7 @@
           <a:srgbClr val="000000"/>
         </a:buClr>
         <a:buFont typeface="Arial"/>
-        <a:defRPr b="0" i="0" sz="1400" u="none" cap="none" strike="noStrike">
+        <a:defRPr sz="1400" b="0" i="0" u="none" strike="noStrike" cap="none">
           <a:solidFill>
             <a:srgbClr val="000000"/>
           </a:solidFill>
@@ -6844,7 +7016,7 @@
           <a:sym typeface="Arial"/>
         </a:defRPr>
       </a:lvl7pPr>
-      <a:lvl8pPr lvl="7" marR="0" rtl="0" algn="l">
+      <a:lvl8pPr marR="0" lvl="7" algn="l" rtl="0">
         <a:lnSpc>
           <a:spcPct val="100000"/>
         </a:lnSpc>
@@ -6858,7 +7030,7 @@
           <a:srgbClr val="000000"/>
         </a:buClr>
         <a:buFont typeface="Arial"/>
-        <a:defRPr b="0" i="0" sz="1400" u="none" cap="none" strike="noStrike">
+        <a:defRPr sz="1400" b="0" i="0" u="none" strike="noStrike" cap="none">
           <a:solidFill>
             <a:srgbClr val="000000"/>
           </a:solidFill>
@@ -6868,7 +7040,7 @@
           <a:sym typeface="Arial"/>
         </a:defRPr>
       </a:lvl8pPr>
-      <a:lvl9pPr lvl="8" marR="0" rtl="0" algn="l">
+      <a:lvl9pPr marR="0" lvl="8" algn="l" rtl="0">
         <a:lnSpc>
           <a:spcPct val="100000"/>
         </a:lnSpc>
@@ -6882,7 +7054,7 @@
           <a:srgbClr val="000000"/>
         </a:buClr>
         <a:buFont typeface="Arial"/>
-        <a:defRPr b="0" i="0" sz="1400" u="none" cap="none" strike="noStrike">
+        <a:defRPr sz="1400" b="0" i="0" u="none" strike="noStrike" cap="none">
           <a:solidFill>
             <a:srgbClr val="000000"/>
           </a:solidFill>
@@ -6894,7 +7066,7 @@
       </a:lvl9pPr>
     </p:bodyStyle>
     <p:otherStyle>
-      <a:defPPr lvl="0" marR="0" rtl="0" algn="l">
+      <a:defPPr marR="0" lvl="0" algn="l" rtl="0">
         <a:lnSpc>
           <a:spcPct val="100000"/>
         </a:lnSpc>
@@ -6905,7 +7077,7 @@
           <a:spcPts val="0"/>
         </a:spcAft>
       </a:defPPr>
-      <a:lvl1pPr lvl="0" marR="0" rtl="0" algn="l">
+      <a:lvl1pPr marR="0" lvl="0" algn="l" rtl="0">
         <a:lnSpc>
           <a:spcPct val="100000"/>
         </a:lnSpc>
@@ -6919,7 +7091,7 @@
           <a:srgbClr val="000000"/>
         </a:buClr>
         <a:buFont typeface="Arial"/>
-        <a:defRPr b="0" i="0" sz="1400" u="none" cap="none" strike="noStrike">
+        <a:defRPr sz="1400" b="0" i="0" u="none" strike="noStrike" cap="none">
           <a:solidFill>
             <a:srgbClr val="000000"/>
           </a:solidFill>
@@ -6929,7 +7101,7 @@
           <a:sym typeface="Arial"/>
         </a:defRPr>
       </a:lvl1pPr>
-      <a:lvl2pPr lvl="1" marR="0" rtl="0" algn="l">
+      <a:lvl2pPr marR="0" lvl="1" algn="l" rtl="0">
         <a:lnSpc>
           <a:spcPct val="100000"/>
         </a:lnSpc>
@@ -6943,7 +7115,7 @@
           <a:srgbClr val="000000"/>
         </a:buClr>
         <a:buFont typeface="Arial"/>
-        <a:defRPr b="0" i="0" sz="1400" u="none" cap="none" strike="noStrike">
+        <a:defRPr sz="1400" b="0" i="0" u="none" strike="noStrike" cap="none">
           <a:solidFill>
             <a:srgbClr val="000000"/>
           </a:solidFill>
@@ -6953,7 +7125,7 @@
           <a:sym typeface="Arial"/>
         </a:defRPr>
       </a:lvl2pPr>
-      <a:lvl3pPr lvl="2" marR="0" rtl="0" algn="l">
+      <a:lvl3pPr marR="0" lvl="2" algn="l" rtl="0">
         <a:lnSpc>
           <a:spcPct val="100000"/>
         </a:lnSpc>
@@ -6967,7 +7139,7 @@
           <a:srgbClr val="000000"/>
         </a:buClr>
         <a:buFont typeface="Arial"/>
-        <a:defRPr b="0" i="0" sz="1400" u="none" cap="none" strike="noStrike">
+        <a:defRPr sz="1400" b="0" i="0" u="none" strike="noStrike" cap="none">
           <a:solidFill>
             <a:srgbClr val="000000"/>
           </a:solidFill>
@@ -6977,7 +7149,7 @@
           <a:sym typeface="Arial"/>
         </a:defRPr>
       </a:lvl3pPr>
-      <a:lvl4pPr lvl="3" marR="0" rtl="0" algn="l">
+      <a:lvl4pPr marR="0" lvl="3" algn="l" rtl="0">
         <a:lnSpc>
           <a:spcPct val="100000"/>
         </a:lnSpc>
@@ -6991,7 +7163,7 @@
           <a:srgbClr val="000000"/>
         </a:buClr>
         <a:buFont typeface="Arial"/>
-        <a:defRPr b="0" i="0" sz="1400" u="none" cap="none" strike="noStrike">
+        <a:defRPr sz="1400" b="0" i="0" u="none" strike="noStrike" cap="none">
           <a:solidFill>
             <a:srgbClr val="000000"/>
           </a:solidFill>
@@ -7001,7 +7173,7 @@
           <a:sym typeface="Arial"/>
         </a:defRPr>
       </a:lvl4pPr>
-      <a:lvl5pPr lvl="4" marR="0" rtl="0" algn="l">
+      <a:lvl5pPr marR="0" lvl="4" algn="l" rtl="0">
         <a:lnSpc>
           <a:spcPct val="100000"/>
         </a:lnSpc>
@@ -7015,7 +7187,7 @@
           <a:srgbClr val="000000"/>
         </a:buClr>
         <a:buFont typeface="Arial"/>
-        <a:defRPr b="0" i="0" sz="1400" u="none" cap="none" strike="noStrike">
+        <a:defRPr sz="1400" b="0" i="0" u="none" strike="noStrike" cap="none">
           <a:solidFill>
             <a:srgbClr val="000000"/>
           </a:solidFill>
@@ -7025,7 +7197,7 @@
           <a:sym typeface="Arial"/>
         </a:defRPr>
       </a:lvl5pPr>
-      <a:lvl6pPr lvl="5" marR="0" rtl="0" algn="l">
+      <a:lvl6pPr marR="0" lvl="5" algn="l" rtl="0">
         <a:lnSpc>
           <a:spcPct val="100000"/>
         </a:lnSpc>
@@ -7039,7 +7211,7 @@
           <a:srgbClr val="000000"/>
         </a:buClr>
         <a:buFont typeface="Arial"/>
-        <a:defRPr b="0" i="0" sz="1400" u="none" cap="none" strike="noStrike">
+        <a:defRPr sz="1400" b="0" i="0" u="none" strike="noStrike" cap="none">
           <a:solidFill>
             <a:srgbClr val="000000"/>
           </a:solidFill>
@@ -7049,7 +7221,7 @@
           <a:sym typeface="Arial"/>
         </a:defRPr>
       </a:lvl6pPr>
-      <a:lvl7pPr lvl="6" marR="0" rtl="0" algn="l">
+      <a:lvl7pPr marR="0" lvl="6" algn="l" rtl="0">
         <a:lnSpc>
           <a:spcPct val="100000"/>
         </a:lnSpc>
@@ -7063,7 +7235,7 @@
           <a:srgbClr val="000000"/>
         </a:buClr>
         <a:buFont typeface="Arial"/>
-        <a:defRPr b="0" i="0" sz="1400" u="none" cap="none" strike="noStrike">
+        <a:defRPr sz="1400" b="0" i="0" u="none" strike="noStrike" cap="none">
           <a:solidFill>
             <a:srgbClr val="000000"/>
           </a:solidFill>
@@ -7073,7 +7245,7 @@
           <a:sym typeface="Arial"/>
         </a:defRPr>
       </a:lvl7pPr>
-      <a:lvl8pPr lvl="7" marR="0" rtl="0" algn="l">
+      <a:lvl8pPr marR="0" lvl="7" algn="l" rtl="0">
         <a:lnSpc>
           <a:spcPct val="100000"/>
         </a:lnSpc>
@@ -7087,7 +7259,7 @@
           <a:srgbClr val="000000"/>
         </a:buClr>
         <a:buFont typeface="Arial"/>
-        <a:defRPr b="0" i="0" sz="1400" u="none" cap="none" strike="noStrike">
+        <a:defRPr sz="1400" b="0" i="0" u="none" strike="noStrike" cap="none">
           <a:solidFill>
             <a:srgbClr val="000000"/>
           </a:solidFill>
@@ -7097,7 +7269,7 @@
           <a:sym typeface="Arial"/>
         </a:defRPr>
       </a:lvl8pPr>
-      <a:lvl9pPr lvl="8" marR="0" rtl="0" algn="l">
+      <a:lvl9pPr marR="0" lvl="8" algn="l" rtl="0">
         <a:lnSpc>
           <a:spcPct val="100000"/>
         </a:lnSpc>
@@ -7111,7 +7283,7 @@
           <a:srgbClr val="000000"/>
         </a:buClr>
         <a:buFont typeface="Arial"/>
-        <a:defRPr b="0" i="0" sz="1400" u="none" cap="none" strike="noStrike">
+        <a:defRPr sz="1400" b="0" i="0" u="none" strike="noStrike" cap="none">
           <a:solidFill>
             <a:srgbClr val="000000"/>
           </a:solidFill>
@@ -7127,11 +7299,11 @@
 </file>
 
 <file path=ppt/slides/slide1.xml><?xml version="1.0" encoding="utf-8"?>
-<p:sld xmlns:a="http://schemas.openxmlformats.org/drawingml/2006/main" xmlns:r="http://schemas.openxmlformats.org/officeDocument/2006/relationships" xmlns:mc="http://schemas.openxmlformats.org/markup-compatibility/2006" xmlns:mv="urn:schemas-microsoft-com:mac:vml" xmlns:p="http://schemas.openxmlformats.org/presentationml/2006/main" xmlns:c="http://schemas.openxmlformats.org/drawingml/2006/chart" xmlns:dgm="http://schemas.openxmlformats.org/drawingml/2006/diagram" xmlns:o="urn:schemas-microsoft-com:office:office" xmlns:v="urn:schemas-microsoft-com:vml" xmlns:pvml="urn:schemas-microsoft-com:office:powerpoint" xmlns:com="http://schemas.openxmlformats.org/drawingml/2006/compatibility" xmlns:p14="http://schemas.microsoft.com/office/powerpoint/2010/main" xmlns:p15="http://schemas.microsoft.com/office/powerpoint/2012/main">
+<p:sld xmlns:a="http://schemas.openxmlformats.org/drawingml/2006/main" xmlns:r="http://schemas.openxmlformats.org/officeDocument/2006/relationships" xmlns:p="http://schemas.openxmlformats.org/presentationml/2006/main">
   <p:cSld>
     <p:spTree>
       <p:nvGrpSpPr>
-        <p:cNvPr id="61" name="Shape 61"/>
+        <p:cNvPr id="1" name="Shape 61"/>
         <p:cNvGrpSpPr/>
         <p:nvPr/>
       </p:nvGrpSpPr>
@@ -7146,7 +7318,9 @@
       <p:sp>
         <p:nvSpPr>
           <p:cNvPr id="62" name="Google Shape;62;p13"/>
-          <p:cNvSpPr txBox="1"/>
+          <p:cNvSpPr txBox="1">
+            <a:spLocks noGrp="1"/>
+          </p:cNvSpPr>
           <p:nvPr>
             <p:ph type="ctrTitle"/>
           </p:nvPr>
@@ -7161,12 +7335,12 @@
           </a:prstGeom>
         </p:spPr>
         <p:txBody>
-          <a:bodyPr anchorCtr="0" anchor="b" bIns="91425" lIns="91425" spcFirstLastPara="1" rIns="91425" wrap="square" tIns="91425">
+          <a:bodyPr spcFirstLastPara="1" wrap="square" lIns="91425" tIns="91425" rIns="91425" bIns="91425" anchor="b" anchorCtr="0">
             <a:noAutofit/>
           </a:bodyPr>
           <a:lstStyle/>
           <a:p>
-            <a:pPr indent="0" lvl="0" marL="0" rtl="0" algn="ctr">
+            <a:pPr marL="0" lvl="0" indent="0" algn="ctr" rtl="0">
               <a:spcBef>
                 <a:spcPts val="0"/>
               </a:spcBef>
@@ -7186,9 +7360,11 @@
       <p:sp>
         <p:nvSpPr>
           <p:cNvPr id="63" name="Google Shape;63;p13"/>
-          <p:cNvSpPr txBox="1"/>
+          <p:cNvSpPr txBox="1">
+            <a:spLocks noGrp="1"/>
+          </p:cNvSpPr>
           <p:nvPr>
-            <p:ph idx="1" type="subTitle"/>
+            <p:ph type="subTitle" idx="1"/>
           </p:nvPr>
         </p:nvSpPr>
         <p:spPr>
@@ -7201,12 +7377,12 @@
           </a:prstGeom>
         </p:spPr>
         <p:txBody>
-          <a:bodyPr anchorCtr="0" anchor="t" bIns="91425" lIns="91425" spcFirstLastPara="1" rIns="91425" wrap="square" tIns="91425">
+          <a:bodyPr spcFirstLastPara="1" wrap="square" lIns="91425" tIns="91425" rIns="91425" bIns="91425" anchor="t" anchorCtr="0">
             <a:noAutofit/>
           </a:bodyPr>
           <a:lstStyle/>
           <a:p>
-            <a:pPr indent="0" lvl="0" marL="0" rtl="0" algn="ctr">
+            <a:pPr marL="0" lvl="0" indent="0" algn="ctr" rtl="0">
               <a:spcBef>
                 <a:spcPts val="0"/>
               </a:spcBef>
@@ -7232,11 +7408,11 @@
 </file>
 
 <file path=ppt/slides/slide10.xml><?xml version="1.0" encoding="utf-8"?>
-<p:sld xmlns:a="http://schemas.openxmlformats.org/drawingml/2006/main" xmlns:r="http://schemas.openxmlformats.org/officeDocument/2006/relationships" xmlns:mc="http://schemas.openxmlformats.org/markup-compatibility/2006" xmlns:mv="urn:schemas-microsoft-com:mac:vml" xmlns:p="http://schemas.openxmlformats.org/presentationml/2006/main" xmlns:c="http://schemas.openxmlformats.org/drawingml/2006/chart" xmlns:dgm="http://schemas.openxmlformats.org/drawingml/2006/diagram" xmlns:o="urn:schemas-microsoft-com:office:office" xmlns:v="urn:schemas-microsoft-com:vml" xmlns:pvml="urn:schemas-microsoft-com:office:powerpoint" xmlns:com="http://schemas.openxmlformats.org/drawingml/2006/compatibility" xmlns:p14="http://schemas.microsoft.com/office/powerpoint/2010/main" xmlns:p15="http://schemas.microsoft.com/office/powerpoint/2012/main">
+<p:sld xmlns:a="http://schemas.openxmlformats.org/drawingml/2006/main" xmlns:r="http://schemas.openxmlformats.org/officeDocument/2006/relationships" xmlns:p="http://schemas.openxmlformats.org/presentationml/2006/main">
   <p:cSld>
     <p:spTree>
       <p:nvGrpSpPr>
-        <p:cNvPr id="116" name="Shape 116"/>
+        <p:cNvPr id="1" name="Shape 116"/>
         <p:cNvGrpSpPr/>
         <p:nvPr/>
       </p:nvGrpSpPr>
@@ -7251,7 +7427,9 @@
       <p:sp>
         <p:nvSpPr>
           <p:cNvPr id="117" name="Google Shape;117;p22"/>
-          <p:cNvSpPr txBox="1"/>
+          <p:cNvSpPr txBox="1">
+            <a:spLocks noGrp="1"/>
+          </p:cNvSpPr>
           <p:nvPr>
             <p:ph type="title"/>
           </p:nvPr>
@@ -7266,12 +7444,12 @@
           </a:prstGeom>
         </p:spPr>
         <p:txBody>
-          <a:bodyPr anchorCtr="0" anchor="b" bIns="91425" lIns="91425" spcFirstLastPara="1" rIns="91425" wrap="square" tIns="91425">
+          <a:bodyPr spcFirstLastPara="1" wrap="square" lIns="91425" tIns="91425" rIns="91425" bIns="91425" anchor="b" anchorCtr="0">
             <a:noAutofit/>
           </a:bodyPr>
           <a:lstStyle/>
           <a:p>
-            <a:pPr indent="0" lvl="0" marL="0" rtl="0" algn="l">
+            <a:pPr marL="0" lvl="0" indent="0" algn="l" rtl="0">
               <a:spcBef>
                 <a:spcPts val="0"/>
               </a:spcBef>
@@ -7291,9 +7469,11 @@
       <p:sp>
         <p:nvSpPr>
           <p:cNvPr id="118" name="Google Shape;118;p22"/>
-          <p:cNvSpPr txBox="1"/>
+          <p:cNvSpPr txBox="1">
+            <a:spLocks noGrp="1"/>
+          </p:cNvSpPr>
           <p:nvPr>
-            <p:ph idx="1" type="body"/>
+            <p:ph type="body" idx="1"/>
           </p:nvPr>
         </p:nvSpPr>
         <p:spPr>
@@ -7306,12 +7486,12 @@
           </a:prstGeom>
         </p:spPr>
         <p:txBody>
-          <a:bodyPr anchorCtr="0" anchor="t" bIns="91425" lIns="91425" spcFirstLastPara="1" rIns="91425" wrap="square" tIns="91425">
+          <a:bodyPr spcFirstLastPara="1" wrap="square" lIns="91425" tIns="91425" rIns="91425" bIns="91425" anchor="t" anchorCtr="0">
             <a:noAutofit/>
           </a:bodyPr>
           <a:lstStyle/>
           <a:p>
-            <a:pPr indent="-381000" lvl="0" marL="457200" rtl="0" algn="l">
+            <a:pPr marL="457200" lvl="0" indent="-381000" algn="l" rtl="0">
               <a:spcBef>
                 <a:spcPts val="0"/>
               </a:spcBef>
@@ -7322,6 +7502,99 @@
               <a:buFont typeface="Economica"/>
               <a:buChar char="❖"/>
             </a:pPr>
+            <a:r>
+              <a:rPr lang="en" sz="2400" dirty="0">
+                <a:latin typeface="Economica"/>
+                <a:ea typeface="Economica"/>
+                <a:cs typeface="Economica"/>
+                <a:sym typeface="Economica"/>
+              </a:rPr>
+              <a:t>Interpret model output</a:t>
+            </a:r>
+            <a:endParaRPr sz="2400" dirty="0">
+              <a:latin typeface="Economica"/>
+              <a:ea typeface="Economica"/>
+              <a:cs typeface="Economica"/>
+              <a:sym typeface="Economica"/>
+            </a:endParaRPr>
+          </a:p>
+          <a:p>
+            <a:pPr marL="457200" lvl="0" indent="-381000" algn="l" rtl="0">
+              <a:spcBef>
+                <a:spcPts val="0"/>
+              </a:spcBef>
+              <a:spcAft>
+                <a:spcPts val="0"/>
+              </a:spcAft>
+              <a:buSzPts val="2400"/>
+              <a:buFont typeface="Economica"/>
+              <a:buChar char="❖"/>
+            </a:pPr>
+            <a:r>
+              <a:rPr lang="en" sz="2400" dirty="0">
+                <a:latin typeface="Economica"/>
+                <a:ea typeface="Economica"/>
+                <a:cs typeface="Economica"/>
+                <a:sym typeface="Economica"/>
+              </a:rPr>
+              <a:t>Build visualizations, Shiny apps/dashboards, Tableau presentations, etc.</a:t>
+            </a:r>
+            <a:endParaRPr sz="2400" dirty="0">
+              <a:latin typeface="Economica"/>
+              <a:ea typeface="Economica"/>
+              <a:cs typeface="Economica"/>
+              <a:sym typeface="Economica"/>
+            </a:endParaRPr>
+          </a:p>
+          <a:p>
+            <a:pPr marL="457200" lvl="0" indent="-381000" algn="l" rtl="0">
+              <a:spcBef>
+                <a:spcPts val="0"/>
+              </a:spcBef>
+              <a:spcAft>
+                <a:spcPts val="0"/>
+              </a:spcAft>
+              <a:buSzPts val="2400"/>
+              <a:buFont typeface="Economica"/>
+              <a:buChar char="❖"/>
+            </a:pPr>
+            <a:r>
+              <a:rPr lang="en" sz="2400" dirty="0">
+                <a:latin typeface="Economica"/>
+                <a:ea typeface="Economica"/>
+                <a:cs typeface="Economica"/>
+                <a:sym typeface="Economica"/>
+              </a:rPr>
+              <a:t>Create the narrative and story of the project and results, and make sure you can clearly explain the results to someone who has no statistical or data science knowledge</a:t>
+            </a:r>
+            <a:endParaRPr sz="2400" dirty="0">
+              <a:latin typeface="Economica"/>
+              <a:ea typeface="Economica"/>
+              <a:cs typeface="Economica"/>
+              <a:sym typeface="Economica"/>
+            </a:endParaRPr>
+          </a:p>
+          <a:p>
+            <a:pPr marL="457200" lvl="0" indent="-381000" algn="l" rtl="0">
+              <a:spcBef>
+                <a:spcPts val="0"/>
+              </a:spcBef>
+              <a:spcAft>
+                <a:spcPts val="0"/>
+              </a:spcAft>
+              <a:buSzPts val="2400"/>
+              <a:buFont typeface="Economica"/>
+              <a:buChar char="❖"/>
+            </a:pPr>
+            <a:r>
+              <a:rPr lang="en" sz="2400" dirty="0">
+                <a:latin typeface="Economica"/>
+                <a:ea typeface="Economica"/>
+                <a:cs typeface="Economica"/>
+                <a:sym typeface="Economica"/>
+              </a:rPr>
+              <a:t>If needed, develop recommendations and next steps based on </a:t>
+            </a:r>
             <a:r>
               <a:rPr lang="en" sz="2400">
                 <a:latin typeface="Economica"/>
@@ -7329,9 +7602,9 @@
                 <a:cs typeface="Economica"/>
                 <a:sym typeface="Economica"/>
               </a:rPr>
-              <a:t>Interpret model output</a:t>
+              <a:t>the results</a:t>
             </a:r>
-            <a:endParaRPr sz="2400">
+            <a:endParaRPr sz="2400" dirty="0">
               <a:latin typeface="Economica"/>
               <a:ea typeface="Economica"/>
               <a:cs typeface="Economica"/>
@@ -7339,103 +7612,16 @@
             </a:endParaRPr>
           </a:p>
           <a:p>
-            <a:pPr indent="-381000" lvl="0" marL="457200" rtl="0" algn="l">
-              <a:spcBef>
-                <a:spcPts val="0"/>
-              </a:spcBef>
-              <a:spcAft>
-                <a:spcPts val="0"/>
-              </a:spcAft>
-              <a:buSzPts val="2400"/>
-              <a:buFont typeface="Economica"/>
-              <a:buChar char="❖"/>
+            <a:pPr marL="457200" lvl="0" indent="0" algn="l" rtl="0">
+              <a:spcBef>
+                <a:spcPts val="1600"/>
+              </a:spcBef>
+              <a:spcAft>
+                <a:spcPts val="1600"/>
+              </a:spcAft>
+              <a:buNone/>
             </a:pPr>
-            <a:r>
-              <a:rPr lang="en" sz="2400">
-                <a:latin typeface="Economica"/>
-                <a:ea typeface="Economica"/>
-                <a:cs typeface="Economica"/>
-                <a:sym typeface="Economica"/>
-              </a:rPr>
-              <a:t>Build visualizations, Shiny apps/dashboards, Tableu presentations, etc.</a:t>
-            </a:r>
-            <a:endParaRPr sz="2400">
-              <a:latin typeface="Economica"/>
-              <a:ea typeface="Economica"/>
-              <a:cs typeface="Economica"/>
-              <a:sym typeface="Economica"/>
-            </a:endParaRPr>
-          </a:p>
-          <a:p>
-            <a:pPr indent="-381000" lvl="0" marL="457200" rtl="0" algn="l">
-              <a:spcBef>
-                <a:spcPts val="0"/>
-              </a:spcBef>
-              <a:spcAft>
-                <a:spcPts val="0"/>
-              </a:spcAft>
-              <a:buSzPts val="2400"/>
-              <a:buFont typeface="Economica"/>
-              <a:buChar char="❖"/>
-            </a:pPr>
-            <a:r>
-              <a:rPr lang="en" sz="2400">
-                <a:latin typeface="Economica"/>
-                <a:ea typeface="Economica"/>
-                <a:cs typeface="Economica"/>
-                <a:sym typeface="Economica"/>
-              </a:rPr>
-              <a:t>Create the narrative and story of the project and results, and make sure you can clearly explain the results to someone who has no statistical or data science knowledge. </a:t>
-            </a:r>
-            <a:endParaRPr sz="2400">
-              <a:latin typeface="Economica"/>
-              <a:ea typeface="Economica"/>
-              <a:cs typeface="Economica"/>
-              <a:sym typeface="Economica"/>
-            </a:endParaRPr>
-          </a:p>
-          <a:p>
-            <a:pPr indent="-381000" lvl="0" marL="457200" rtl="0" algn="l">
-              <a:spcBef>
-                <a:spcPts val="0"/>
-              </a:spcBef>
-              <a:spcAft>
-                <a:spcPts val="0"/>
-              </a:spcAft>
-              <a:buSzPts val="2400"/>
-              <a:buFont typeface="Economica"/>
-              <a:buChar char="❖"/>
-            </a:pPr>
-            <a:r>
-              <a:rPr lang="en" sz="2400">
-                <a:latin typeface="Economica"/>
-                <a:ea typeface="Economica"/>
-                <a:cs typeface="Economica"/>
-                <a:sym typeface="Economica"/>
-              </a:rPr>
-              <a:t>If needed, develop recommendations and next steps based on the results.</a:t>
-            </a:r>
-            <a:endParaRPr sz="2400">
-              <a:latin typeface="Economica"/>
-              <a:ea typeface="Economica"/>
-              <a:cs typeface="Economica"/>
-              <a:sym typeface="Economica"/>
-            </a:endParaRPr>
-          </a:p>
-          <a:p>
-            <a:pPr indent="0" lvl="0" marL="457200" rtl="0" algn="l">
-              <a:spcBef>
-                <a:spcPts val="1600"/>
-              </a:spcBef>
-              <a:spcAft>
-                <a:spcPts val="1600"/>
-              </a:spcAft>
-              <a:buNone/>
-            </a:pPr>
-            <a:r>
-              <a:t/>
-            </a:r>
-            <a:endParaRPr sz="2400">
+            <a:endParaRPr sz="2400" dirty="0">
               <a:latin typeface="Economica"/>
               <a:ea typeface="Economica"/>
               <a:cs typeface="Economica"/>
@@ -7453,11 +7639,11 @@
 </file>
 
 <file path=ppt/slides/slide2.xml><?xml version="1.0" encoding="utf-8"?>
-<p:sld xmlns:a="http://schemas.openxmlformats.org/drawingml/2006/main" xmlns:r="http://schemas.openxmlformats.org/officeDocument/2006/relationships" xmlns:mc="http://schemas.openxmlformats.org/markup-compatibility/2006" xmlns:mv="urn:schemas-microsoft-com:mac:vml" xmlns:p="http://schemas.openxmlformats.org/presentationml/2006/main" xmlns:c="http://schemas.openxmlformats.org/drawingml/2006/chart" xmlns:dgm="http://schemas.openxmlformats.org/drawingml/2006/diagram" xmlns:o="urn:schemas-microsoft-com:office:office" xmlns:v="urn:schemas-microsoft-com:vml" xmlns:pvml="urn:schemas-microsoft-com:office:powerpoint" xmlns:com="http://schemas.openxmlformats.org/drawingml/2006/compatibility" xmlns:p14="http://schemas.microsoft.com/office/powerpoint/2010/main" xmlns:p15="http://schemas.microsoft.com/office/powerpoint/2012/main">
+<p:sld xmlns:a="http://schemas.openxmlformats.org/drawingml/2006/main" xmlns:r="http://schemas.openxmlformats.org/officeDocument/2006/relationships" xmlns:p="http://schemas.openxmlformats.org/presentationml/2006/main">
   <p:cSld>
     <p:spTree>
       <p:nvGrpSpPr>
-        <p:cNvPr id="67" name="Shape 67"/>
+        <p:cNvPr id="1" name="Shape 67"/>
         <p:cNvGrpSpPr/>
         <p:nvPr/>
       </p:nvGrpSpPr>
@@ -7472,7 +7658,9 @@
       <p:sp>
         <p:nvSpPr>
           <p:cNvPr id="68" name="Google Shape;68;p14"/>
-          <p:cNvSpPr txBox="1"/>
+          <p:cNvSpPr txBox="1">
+            <a:spLocks noGrp="1"/>
+          </p:cNvSpPr>
           <p:nvPr>
             <p:ph type="title"/>
           </p:nvPr>
@@ -7487,12 +7675,12 @@
           </a:prstGeom>
         </p:spPr>
         <p:txBody>
-          <a:bodyPr anchorCtr="0" anchor="b" bIns="91425" lIns="91425" spcFirstLastPara="1" rIns="91425" wrap="square" tIns="91425">
+          <a:bodyPr spcFirstLastPara="1" wrap="square" lIns="91425" tIns="91425" rIns="91425" bIns="91425" anchor="b" anchorCtr="0">
             <a:noAutofit/>
           </a:bodyPr>
           <a:lstStyle/>
           <a:p>
-            <a:pPr indent="0" lvl="0" marL="0" rtl="0" algn="l">
+            <a:pPr marL="0" lvl="0" indent="0" algn="l" rtl="0">
               <a:spcBef>
                 <a:spcPts val="0"/>
               </a:spcBef>
@@ -7512,9 +7700,11 @@
       <p:sp>
         <p:nvSpPr>
           <p:cNvPr id="69" name="Google Shape;69;p14"/>
-          <p:cNvSpPr txBox="1"/>
+          <p:cNvSpPr txBox="1">
+            <a:spLocks noGrp="1"/>
+          </p:cNvSpPr>
           <p:nvPr>
-            <p:ph idx="1" type="body"/>
+            <p:ph type="body" idx="1"/>
           </p:nvPr>
         </p:nvSpPr>
         <p:spPr>
@@ -7527,12 +7717,12 @@
           </a:prstGeom>
         </p:spPr>
         <p:txBody>
-          <a:bodyPr anchorCtr="0" anchor="t" bIns="91425" lIns="91425" spcFirstLastPara="1" rIns="91425" wrap="square" tIns="91425">
+          <a:bodyPr spcFirstLastPara="1" wrap="square" lIns="91425" tIns="91425" rIns="91425" bIns="91425" anchor="t" anchorCtr="0">
             <a:noAutofit/>
           </a:bodyPr>
           <a:lstStyle/>
           <a:p>
-            <a:pPr indent="-381000" lvl="0" marL="457200" rtl="0" algn="l">
+            <a:pPr marL="457200" lvl="0" indent="-381000" algn="l" rtl="0">
               <a:spcBef>
                 <a:spcPts val="0"/>
               </a:spcBef>
@@ -7560,7 +7750,7 @@
             </a:endParaRPr>
           </a:p>
           <a:p>
-            <a:pPr indent="-381000" lvl="0" marL="457200" rtl="0" algn="l">
+            <a:pPr marL="457200" lvl="0" indent="-381000" algn="l" rtl="0">
               <a:spcBef>
                 <a:spcPts val="0"/>
               </a:spcBef>
@@ -7588,7 +7778,7 @@
             </a:endParaRPr>
           </a:p>
           <a:p>
-            <a:pPr indent="-381000" lvl="0" marL="457200" rtl="0" algn="l">
+            <a:pPr marL="457200" lvl="0" indent="-381000" algn="l" rtl="0">
               <a:spcBef>
                 <a:spcPts val="0"/>
               </a:spcBef>
@@ -7616,7 +7806,7 @@
             </a:endParaRPr>
           </a:p>
           <a:p>
-            <a:pPr indent="-381000" lvl="0" marL="457200" rtl="0" algn="l">
+            <a:pPr marL="457200" lvl="0" indent="-381000" algn="l" rtl="0">
               <a:spcBef>
                 <a:spcPts val="0"/>
               </a:spcBef>
@@ -7644,7 +7834,7 @@
             </a:endParaRPr>
           </a:p>
           <a:p>
-            <a:pPr indent="-381000" lvl="0" marL="457200" rtl="0" algn="l">
+            <a:pPr marL="457200" lvl="0" indent="-381000" algn="l" rtl="0">
               <a:spcBef>
                 <a:spcPts val="0"/>
               </a:spcBef>
@@ -7672,7 +7862,7 @@
             </a:endParaRPr>
           </a:p>
           <a:p>
-            <a:pPr indent="-381000" lvl="0" marL="457200" rtl="0" algn="l">
+            <a:pPr marL="457200" lvl="0" indent="-381000" algn="l" rtl="0">
               <a:spcBef>
                 <a:spcPts val="0"/>
               </a:spcBef>
@@ -7700,7 +7890,7 @@
             </a:endParaRPr>
           </a:p>
           <a:p>
-            <a:pPr indent="-381000" lvl="0" marL="457200" rtl="0" algn="l">
+            <a:pPr marL="457200" lvl="0" indent="-381000" algn="l" rtl="0">
               <a:spcBef>
                 <a:spcPts val="0"/>
               </a:spcBef>
@@ -7728,7 +7918,7 @@
             </a:endParaRPr>
           </a:p>
           <a:p>
-            <a:pPr indent="-381000" lvl="0" marL="457200" rtl="0" algn="l">
+            <a:pPr marL="457200" lvl="0" indent="-381000" algn="l" rtl="0">
               <a:spcBef>
                 <a:spcPts val="0"/>
               </a:spcBef>
@@ -7772,14 +7962,14 @@
             <a:avLst/>
           </a:prstGeom>
           <a:noFill/>
-          <a:ln cap="flat" cmpd="sng" w="38100">
+          <a:ln w="38100" cap="flat" cmpd="sng">
             <a:solidFill>
               <a:schemeClr val="lt2"/>
             </a:solidFill>
             <a:prstDash val="solid"/>
             <a:round/>
-            <a:headEnd len="med" w="med" type="none"/>
-            <a:tailEnd len="med" w="med" type="triangle"/>
+            <a:headEnd type="none" w="med" len="med"/>
+            <a:tailEnd type="triangle" w="med" len="med"/>
           </a:ln>
         </p:spPr>
       </p:cxnSp>
@@ -7792,11 +7982,11 @@
 </file>
 
 <file path=ppt/slides/slide3.xml><?xml version="1.0" encoding="utf-8"?>
-<p:sld xmlns:a="http://schemas.openxmlformats.org/drawingml/2006/main" xmlns:r="http://schemas.openxmlformats.org/officeDocument/2006/relationships" xmlns:mc="http://schemas.openxmlformats.org/markup-compatibility/2006" xmlns:mv="urn:schemas-microsoft-com:mac:vml" xmlns:p="http://schemas.openxmlformats.org/presentationml/2006/main" xmlns:c="http://schemas.openxmlformats.org/drawingml/2006/chart" xmlns:dgm="http://schemas.openxmlformats.org/drawingml/2006/diagram" xmlns:o="urn:schemas-microsoft-com:office:office" xmlns:v="urn:schemas-microsoft-com:vml" xmlns:pvml="urn:schemas-microsoft-com:office:powerpoint" xmlns:com="http://schemas.openxmlformats.org/drawingml/2006/compatibility" xmlns:p14="http://schemas.microsoft.com/office/powerpoint/2010/main" xmlns:p15="http://schemas.microsoft.com/office/powerpoint/2012/main">
+<p:sld xmlns:a="http://schemas.openxmlformats.org/drawingml/2006/main" xmlns:r="http://schemas.openxmlformats.org/officeDocument/2006/relationships" xmlns:p="http://schemas.openxmlformats.org/presentationml/2006/main">
   <p:cSld>
     <p:spTree>
       <p:nvGrpSpPr>
-        <p:cNvPr id="74" name="Shape 74"/>
+        <p:cNvPr id="1" name="Shape 74"/>
         <p:cNvGrpSpPr/>
         <p:nvPr/>
       </p:nvGrpSpPr>
@@ -7811,7 +8001,9 @@
       <p:sp>
         <p:nvSpPr>
           <p:cNvPr id="75" name="Google Shape;75;p15"/>
-          <p:cNvSpPr txBox="1"/>
+          <p:cNvSpPr txBox="1">
+            <a:spLocks noGrp="1"/>
+          </p:cNvSpPr>
           <p:nvPr>
             <p:ph type="title"/>
           </p:nvPr>
@@ -7826,12 +8018,12 @@
           </a:prstGeom>
         </p:spPr>
         <p:txBody>
-          <a:bodyPr anchorCtr="0" anchor="b" bIns="91425" lIns="91425" spcFirstLastPara="1" rIns="91425" wrap="square" tIns="91425">
+          <a:bodyPr spcFirstLastPara="1" wrap="square" lIns="91425" tIns="91425" rIns="91425" bIns="91425" anchor="b" anchorCtr="0">
             <a:noAutofit/>
           </a:bodyPr>
           <a:lstStyle/>
           <a:p>
-            <a:pPr indent="-495300" lvl="0" marL="457200" rtl="0" algn="l">
+            <a:pPr marL="457200" lvl="0" indent="-495300" algn="l" rtl="0">
               <a:spcBef>
                 <a:spcPts val="0"/>
               </a:spcBef>
@@ -7852,9 +8044,11 @@
       <p:sp>
         <p:nvSpPr>
           <p:cNvPr id="76" name="Google Shape;76;p15"/>
-          <p:cNvSpPr txBox="1"/>
+          <p:cNvSpPr txBox="1">
+            <a:spLocks noGrp="1"/>
+          </p:cNvSpPr>
           <p:nvPr>
-            <p:ph idx="1" type="body"/>
+            <p:ph type="body" idx="1"/>
           </p:nvPr>
         </p:nvSpPr>
         <p:spPr>
@@ -7867,12 +8061,12 @@
           </a:prstGeom>
         </p:spPr>
         <p:txBody>
-          <a:bodyPr anchorCtr="0" anchor="t" bIns="91425" lIns="91425" spcFirstLastPara="1" rIns="91425" wrap="square" tIns="91425">
+          <a:bodyPr spcFirstLastPara="1" wrap="square" lIns="91425" tIns="91425" rIns="91425" bIns="91425" anchor="t" anchorCtr="0">
             <a:noAutofit/>
           </a:bodyPr>
           <a:lstStyle/>
           <a:p>
-            <a:pPr indent="-381000" lvl="0" marL="457200" rtl="0" algn="l">
+            <a:pPr marL="457200" lvl="0" indent="-381000" algn="l" rtl="0">
               <a:spcBef>
                 <a:spcPts val="0"/>
               </a:spcBef>
@@ -7900,7 +8094,7 @@
             </a:endParaRPr>
           </a:p>
           <a:p>
-            <a:pPr indent="-381000" lvl="0" marL="457200" rtl="0" algn="l">
+            <a:pPr marL="457200" lvl="0" indent="-381000" algn="l" rtl="0">
               <a:spcBef>
                 <a:spcPts val="0"/>
               </a:spcBef>
@@ -7928,7 +8122,7 @@
             </a:endParaRPr>
           </a:p>
           <a:p>
-            <a:pPr indent="-381000" lvl="0" marL="457200" rtl="0" algn="l">
+            <a:pPr marL="457200" lvl="0" indent="-381000" algn="l" rtl="0">
               <a:spcBef>
                 <a:spcPts val="0"/>
               </a:spcBef>
@@ -7956,7 +8150,7 @@
             </a:endParaRPr>
           </a:p>
           <a:p>
-            <a:pPr indent="-381000" lvl="1" marL="914400" rtl="0" algn="l">
+            <a:pPr marL="914400" lvl="1" indent="-381000" algn="l" rtl="0">
               <a:spcBef>
                 <a:spcPts val="0"/>
               </a:spcBef>
@@ -7984,7 +8178,7 @@
             </a:endParaRPr>
           </a:p>
           <a:p>
-            <a:pPr indent="-381000" lvl="1" marL="914400" rtl="0" algn="l">
+            <a:pPr marL="914400" lvl="1" indent="-381000" algn="l" rtl="0">
               <a:spcBef>
                 <a:spcPts val="0"/>
               </a:spcBef>
@@ -8012,7 +8206,7 @@
             </a:endParaRPr>
           </a:p>
           <a:p>
-            <a:pPr indent="-381000" lvl="1" marL="914400" rtl="0" algn="l">
+            <a:pPr marL="914400" lvl="1" indent="-381000" algn="l" rtl="0">
               <a:spcBef>
                 <a:spcPts val="0"/>
               </a:spcBef>
@@ -8050,11 +8244,11 @@
 </file>
 
 <file path=ppt/slides/slide4.xml><?xml version="1.0" encoding="utf-8"?>
-<p:sld xmlns:a="http://schemas.openxmlformats.org/drawingml/2006/main" xmlns:r="http://schemas.openxmlformats.org/officeDocument/2006/relationships" xmlns:mc="http://schemas.openxmlformats.org/markup-compatibility/2006" xmlns:mv="urn:schemas-microsoft-com:mac:vml" xmlns:p="http://schemas.openxmlformats.org/presentationml/2006/main" xmlns:c="http://schemas.openxmlformats.org/drawingml/2006/chart" xmlns:dgm="http://schemas.openxmlformats.org/drawingml/2006/diagram" xmlns:o="urn:schemas-microsoft-com:office:office" xmlns:v="urn:schemas-microsoft-com:vml" xmlns:pvml="urn:schemas-microsoft-com:office:powerpoint" xmlns:com="http://schemas.openxmlformats.org/drawingml/2006/compatibility" xmlns:p14="http://schemas.microsoft.com/office/powerpoint/2010/main" xmlns:p15="http://schemas.microsoft.com/office/powerpoint/2012/main">
+<p:sld xmlns:a="http://schemas.openxmlformats.org/drawingml/2006/main" xmlns:r="http://schemas.openxmlformats.org/officeDocument/2006/relationships" xmlns:p="http://schemas.openxmlformats.org/presentationml/2006/main">
   <p:cSld>
     <p:spTree>
       <p:nvGrpSpPr>
-        <p:cNvPr id="80" name="Shape 80"/>
+        <p:cNvPr id="1" name="Shape 80"/>
         <p:cNvGrpSpPr/>
         <p:nvPr/>
       </p:nvGrpSpPr>
@@ -8069,7 +8263,9 @@
       <p:sp>
         <p:nvSpPr>
           <p:cNvPr id="81" name="Google Shape;81;p16"/>
-          <p:cNvSpPr txBox="1"/>
+          <p:cNvSpPr txBox="1">
+            <a:spLocks noGrp="1"/>
+          </p:cNvSpPr>
           <p:nvPr>
             <p:ph type="title"/>
           </p:nvPr>
@@ -8084,12 +8280,12 @@
           </a:prstGeom>
         </p:spPr>
         <p:txBody>
-          <a:bodyPr anchorCtr="0" anchor="b" bIns="91425" lIns="91425" spcFirstLastPara="1" rIns="91425" wrap="square" tIns="91425">
+          <a:bodyPr spcFirstLastPara="1" wrap="square" lIns="91425" tIns="91425" rIns="91425" bIns="91425" anchor="b" anchorCtr="0">
             <a:noAutofit/>
           </a:bodyPr>
           <a:lstStyle/>
           <a:p>
-            <a:pPr indent="0" lvl="0" marL="0" rtl="0" algn="l">
+            <a:pPr marL="0" lvl="0" indent="0" algn="l" rtl="0">
               <a:spcBef>
                 <a:spcPts val="0"/>
               </a:spcBef>
@@ -8109,9 +8305,11 @@
       <p:sp>
         <p:nvSpPr>
           <p:cNvPr id="82" name="Google Shape;82;p16"/>
-          <p:cNvSpPr txBox="1"/>
+          <p:cNvSpPr txBox="1">
+            <a:spLocks noGrp="1"/>
+          </p:cNvSpPr>
           <p:nvPr>
-            <p:ph idx="1" type="body"/>
+            <p:ph type="body" idx="1"/>
           </p:nvPr>
         </p:nvSpPr>
         <p:spPr>
@@ -8124,12 +8322,12 @@
           </a:prstGeom>
         </p:spPr>
         <p:txBody>
-          <a:bodyPr anchorCtr="0" anchor="t" bIns="91425" lIns="91425" spcFirstLastPara="1" rIns="91425" wrap="square" tIns="91425">
+          <a:bodyPr spcFirstLastPara="1" wrap="square" lIns="91425" tIns="91425" rIns="91425" bIns="91425" anchor="t" anchorCtr="0">
             <a:noAutofit/>
           </a:bodyPr>
           <a:lstStyle/>
           <a:p>
-            <a:pPr indent="-381000" lvl="0" marL="457200" rtl="0" algn="l">
+            <a:pPr marL="457200" lvl="0" indent="-381000" algn="l" rtl="0">
               <a:spcBef>
                 <a:spcPts val="0"/>
               </a:spcBef>
@@ -8157,7 +8355,7 @@
             </a:endParaRPr>
           </a:p>
           <a:p>
-            <a:pPr indent="-381000" lvl="1" marL="914400" rtl="0" algn="l">
+            <a:pPr marL="914400" lvl="1" indent="-381000" algn="l" rtl="0">
               <a:spcBef>
                 <a:spcPts val="0"/>
               </a:spcBef>
@@ -8185,7 +8383,7 @@
             </a:endParaRPr>
           </a:p>
           <a:p>
-            <a:pPr indent="-381000" lvl="1" marL="914400" rtl="0" algn="l">
+            <a:pPr marL="914400" lvl="1" indent="-381000" algn="l" rtl="0">
               <a:spcBef>
                 <a:spcPts val="0"/>
               </a:spcBef>
@@ -8213,7 +8411,7 @@
             </a:endParaRPr>
           </a:p>
           <a:p>
-            <a:pPr indent="-381000" lvl="0" marL="457200" rtl="0" algn="l">
+            <a:pPr marL="457200" lvl="0" indent="-381000" algn="l" rtl="0">
               <a:spcBef>
                 <a:spcPts val="0"/>
               </a:spcBef>
@@ -8241,7 +8439,7 @@
             </a:endParaRPr>
           </a:p>
           <a:p>
-            <a:pPr indent="-381000" lvl="1" marL="914400" rtl="0" algn="l">
+            <a:pPr marL="914400" lvl="1" indent="-381000" algn="l" rtl="0">
               <a:spcBef>
                 <a:spcPts val="0"/>
               </a:spcBef>
@@ -8269,7 +8467,7 @@
             </a:endParaRPr>
           </a:p>
           <a:p>
-            <a:pPr indent="-381000" lvl="1" marL="914400" rtl="0" algn="l">
+            <a:pPr marL="914400" lvl="1" indent="-381000" algn="l" rtl="0">
               <a:spcBef>
                 <a:spcPts val="0"/>
               </a:spcBef>
@@ -8297,7 +8495,7 @@
             </a:endParaRPr>
           </a:p>
           <a:p>
-            <a:pPr indent="-381000" lvl="0" marL="457200" rtl="0" algn="l">
+            <a:pPr marL="457200" lvl="0" indent="-381000" algn="l" rtl="0">
               <a:spcBef>
                 <a:spcPts val="0"/>
               </a:spcBef>
@@ -8325,7 +8523,7 @@
             </a:endParaRPr>
           </a:p>
           <a:p>
-            <a:pPr indent="0" lvl="0" marL="457200" rtl="0" algn="l">
+            <a:pPr marL="457200" lvl="0" indent="0" algn="l" rtl="0">
               <a:spcBef>
                 <a:spcPts val="1600"/>
               </a:spcBef>
@@ -8334,9 +8532,6 @@
               </a:spcAft>
               <a:buNone/>
             </a:pPr>
-            <a:r>
-              <a:t/>
-            </a:r>
             <a:endParaRPr sz="2400">
               <a:latin typeface="Economica"/>
               <a:ea typeface="Economica"/>
@@ -8355,11 +8550,11 @@
 </file>
 
 <file path=ppt/slides/slide5.xml><?xml version="1.0" encoding="utf-8"?>
-<p:sld xmlns:a="http://schemas.openxmlformats.org/drawingml/2006/main" xmlns:r="http://schemas.openxmlformats.org/officeDocument/2006/relationships" xmlns:mc="http://schemas.openxmlformats.org/markup-compatibility/2006" xmlns:mv="urn:schemas-microsoft-com:mac:vml" xmlns:p="http://schemas.openxmlformats.org/presentationml/2006/main" xmlns:c="http://schemas.openxmlformats.org/drawingml/2006/chart" xmlns:dgm="http://schemas.openxmlformats.org/drawingml/2006/diagram" xmlns:o="urn:schemas-microsoft-com:office:office" xmlns:v="urn:schemas-microsoft-com:vml" xmlns:pvml="urn:schemas-microsoft-com:office:powerpoint" xmlns:com="http://schemas.openxmlformats.org/drawingml/2006/compatibility" xmlns:p14="http://schemas.microsoft.com/office/powerpoint/2010/main" xmlns:p15="http://schemas.microsoft.com/office/powerpoint/2012/main">
+<p:sld xmlns:a="http://schemas.openxmlformats.org/drawingml/2006/main" xmlns:r="http://schemas.openxmlformats.org/officeDocument/2006/relationships" xmlns:p="http://schemas.openxmlformats.org/presentationml/2006/main">
   <p:cSld>
     <p:spTree>
       <p:nvGrpSpPr>
-        <p:cNvPr id="86" name="Shape 86"/>
+        <p:cNvPr id="1" name="Shape 86"/>
         <p:cNvGrpSpPr/>
         <p:nvPr/>
       </p:nvGrpSpPr>
@@ -8374,7 +8569,9 @@
       <p:sp>
         <p:nvSpPr>
           <p:cNvPr id="87" name="Google Shape;87;p17"/>
-          <p:cNvSpPr txBox="1"/>
+          <p:cNvSpPr txBox="1">
+            <a:spLocks noGrp="1"/>
+          </p:cNvSpPr>
           <p:nvPr>
             <p:ph type="title"/>
           </p:nvPr>
@@ -8389,12 +8586,12 @@
           </a:prstGeom>
         </p:spPr>
         <p:txBody>
-          <a:bodyPr anchorCtr="0" anchor="b" bIns="91425" lIns="91425" spcFirstLastPara="1" rIns="91425" wrap="square" tIns="91425">
+          <a:bodyPr spcFirstLastPara="1" wrap="square" lIns="91425" tIns="91425" rIns="91425" bIns="91425" anchor="b" anchorCtr="0">
             <a:noAutofit/>
           </a:bodyPr>
           <a:lstStyle/>
           <a:p>
-            <a:pPr indent="0" lvl="0" marL="0" rtl="0" algn="l">
+            <a:pPr marL="0" lvl="0" indent="0" algn="l" rtl="0">
               <a:spcBef>
                 <a:spcPts val="0"/>
               </a:spcBef>
@@ -8405,11 +8602,7 @@
             </a:pPr>
             <a:r>
               <a:rPr lang="en"/>
-              <a:t>3</a:t>
-            </a:r>
-            <a:r>
-              <a:rPr lang="en"/>
-              <a:t>. Explore the data</a:t>
+              <a:t>3. Explore the data</a:t>
             </a:r>
             <a:endParaRPr/>
           </a:p>
@@ -8418,9 +8611,11 @@
       <p:sp>
         <p:nvSpPr>
           <p:cNvPr id="88" name="Google Shape;88;p17"/>
-          <p:cNvSpPr txBox="1"/>
+          <p:cNvSpPr txBox="1">
+            <a:spLocks noGrp="1"/>
+          </p:cNvSpPr>
           <p:nvPr>
-            <p:ph idx="1" type="body"/>
+            <p:ph type="body" idx="1"/>
           </p:nvPr>
         </p:nvSpPr>
         <p:spPr>
@@ -8433,12 +8628,12 @@
           </a:prstGeom>
         </p:spPr>
         <p:txBody>
-          <a:bodyPr anchorCtr="0" anchor="t" bIns="91425" lIns="91425" spcFirstLastPara="1" rIns="91425" wrap="square" tIns="91425">
+          <a:bodyPr spcFirstLastPara="1" wrap="square" lIns="91425" tIns="91425" rIns="91425" bIns="91425" anchor="t" anchorCtr="0">
             <a:noAutofit/>
           </a:bodyPr>
           <a:lstStyle/>
           <a:p>
-            <a:pPr indent="-381000" lvl="0" marL="457200" rtl="0" algn="l">
+            <a:pPr marL="457200" lvl="0" indent="-381000" algn="l" rtl="0">
               <a:spcBef>
                 <a:spcPts val="0"/>
               </a:spcBef>
@@ -8466,7 +8661,7 @@
             </a:endParaRPr>
           </a:p>
           <a:p>
-            <a:pPr indent="-381000" lvl="0" marL="457200" rtl="0" algn="l">
+            <a:pPr marL="457200" lvl="0" indent="-381000" algn="l" rtl="0">
               <a:spcBef>
                 <a:spcPts val="0"/>
               </a:spcBef>
@@ -8494,7 +8689,7 @@
             </a:endParaRPr>
           </a:p>
           <a:p>
-            <a:pPr indent="-381000" lvl="0" marL="457200" rtl="0" algn="l">
+            <a:pPr marL="457200" lvl="0" indent="-381000" algn="l" rtl="0">
               <a:spcBef>
                 <a:spcPts val="0"/>
               </a:spcBef>
@@ -8522,7 +8717,7 @@
             </a:endParaRPr>
           </a:p>
           <a:p>
-            <a:pPr indent="0" lvl="0" marL="457200" rtl="0" algn="l">
+            <a:pPr marL="457200" lvl="0" indent="0" algn="l" rtl="0">
               <a:spcBef>
                 <a:spcPts val="1600"/>
               </a:spcBef>
@@ -8531,9 +8726,6 @@
               </a:spcAft>
               <a:buNone/>
             </a:pPr>
-            <a:r>
-              <a:t/>
-            </a:r>
             <a:endParaRPr sz="2400">
               <a:latin typeface="Economica"/>
               <a:ea typeface="Economica"/>
@@ -8552,11 +8744,11 @@
 </file>
 
 <file path=ppt/slides/slide6.xml><?xml version="1.0" encoding="utf-8"?>
-<p:sld xmlns:a="http://schemas.openxmlformats.org/drawingml/2006/main" xmlns:r="http://schemas.openxmlformats.org/officeDocument/2006/relationships" xmlns:mc="http://schemas.openxmlformats.org/markup-compatibility/2006" xmlns:mv="urn:schemas-microsoft-com:mac:vml" xmlns:p="http://schemas.openxmlformats.org/presentationml/2006/main" xmlns:c="http://schemas.openxmlformats.org/drawingml/2006/chart" xmlns:dgm="http://schemas.openxmlformats.org/drawingml/2006/diagram" xmlns:o="urn:schemas-microsoft-com:office:office" xmlns:v="urn:schemas-microsoft-com:vml" xmlns:pvml="urn:schemas-microsoft-com:office:powerpoint" xmlns:com="http://schemas.openxmlformats.org/drawingml/2006/compatibility" xmlns:p14="http://schemas.microsoft.com/office/powerpoint/2010/main" xmlns:p15="http://schemas.microsoft.com/office/powerpoint/2012/main">
+<p:sld xmlns:a="http://schemas.openxmlformats.org/drawingml/2006/main" xmlns:r="http://schemas.openxmlformats.org/officeDocument/2006/relationships" xmlns:p="http://schemas.openxmlformats.org/presentationml/2006/main">
   <p:cSld>
     <p:spTree>
       <p:nvGrpSpPr>
-        <p:cNvPr id="92" name="Shape 92"/>
+        <p:cNvPr id="1" name="Shape 92"/>
         <p:cNvGrpSpPr/>
         <p:nvPr/>
       </p:nvGrpSpPr>
@@ -8571,7 +8763,9 @@
       <p:sp>
         <p:nvSpPr>
           <p:cNvPr id="93" name="Google Shape;93;p18"/>
-          <p:cNvSpPr txBox="1"/>
+          <p:cNvSpPr txBox="1">
+            <a:spLocks noGrp="1"/>
+          </p:cNvSpPr>
           <p:nvPr>
             <p:ph type="title"/>
           </p:nvPr>
@@ -8586,12 +8780,12 @@
           </a:prstGeom>
         </p:spPr>
         <p:txBody>
-          <a:bodyPr anchorCtr="0" anchor="b" bIns="91425" lIns="91425" spcFirstLastPara="1" rIns="91425" wrap="square" tIns="91425">
+          <a:bodyPr spcFirstLastPara="1" wrap="square" lIns="91425" tIns="91425" rIns="91425" bIns="91425" anchor="b" anchorCtr="0">
             <a:noAutofit/>
           </a:bodyPr>
           <a:lstStyle/>
           <a:p>
-            <a:pPr indent="0" lvl="0" marL="0" rtl="0" algn="l">
+            <a:pPr marL="0" lvl="0" indent="0" algn="l" rtl="0">
               <a:spcBef>
                 <a:spcPts val="0"/>
               </a:spcBef>
@@ -8602,11 +8796,7 @@
             </a:pPr>
             <a:r>
               <a:rPr lang="en"/>
-              <a:t>4</a:t>
-            </a:r>
-            <a:r>
-              <a:rPr lang="en"/>
-              <a:t>. Clean the data</a:t>
+              <a:t>4. Clean the data</a:t>
             </a:r>
             <a:endParaRPr/>
           </a:p>
@@ -8615,9 +8805,11 @@
       <p:sp>
         <p:nvSpPr>
           <p:cNvPr id="94" name="Google Shape;94;p18"/>
-          <p:cNvSpPr txBox="1"/>
+          <p:cNvSpPr txBox="1">
+            <a:spLocks noGrp="1"/>
+          </p:cNvSpPr>
           <p:nvPr>
-            <p:ph idx="1" type="body"/>
+            <p:ph type="body" idx="1"/>
           </p:nvPr>
         </p:nvSpPr>
         <p:spPr>
@@ -8630,12 +8822,12 @@
           </a:prstGeom>
         </p:spPr>
         <p:txBody>
-          <a:bodyPr anchorCtr="0" anchor="t" bIns="91425" lIns="91425" spcFirstLastPara="1" rIns="91425" wrap="square" tIns="91425">
+          <a:bodyPr spcFirstLastPara="1" wrap="square" lIns="91425" tIns="91425" rIns="91425" bIns="91425" anchor="t" anchorCtr="0">
             <a:noAutofit/>
           </a:bodyPr>
           <a:lstStyle/>
           <a:p>
-            <a:pPr indent="-381000" lvl="0" marL="457200" rtl="0" algn="l">
+            <a:pPr marL="457200" lvl="0" indent="-381000" algn="l" rtl="0">
               <a:spcBef>
                 <a:spcPts val="0"/>
               </a:spcBef>
@@ -8647,15 +8839,15 @@
               <a:buChar char="❖"/>
             </a:pPr>
             <a:r>
-              <a:rPr lang="en" sz="2400">
+              <a:rPr lang="en" sz="2400" dirty="0">
                 <a:latin typeface="Economica"/>
                 <a:ea typeface="Economica"/>
                 <a:cs typeface="Economica"/>
                 <a:sym typeface="Economica"/>
               </a:rPr>
-              <a:t>Drop unused rows</a:t>
+              <a:t>Drop unused rows/columns</a:t>
             </a:r>
-            <a:endParaRPr sz="2400">
+            <a:endParaRPr sz="2400" dirty="0">
               <a:latin typeface="Economica"/>
               <a:ea typeface="Economica"/>
               <a:cs typeface="Economica"/>
@@ -8663,7 +8855,7 @@
             </a:endParaRPr>
           </a:p>
           <a:p>
-            <a:pPr indent="-381000" lvl="0" marL="457200" rtl="0" algn="l">
+            <a:pPr marL="457200" lvl="0" indent="-381000" algn="l" rtl="0">
               <a:spcBef>
                 <a:spcPts val="0"/>
               </a:spcBef>
@@ -8675,7 +8867,7 @@
               <a:buChar char="❖"/>
             </a:pPr>
             <a:r>
-              <a:rPr lang="en" sz="2400">
+              <a:rPr lang="en" sz="2400" dirty="0">
                 <a:latin typeface="Economica"/>
                 <a:ea typeface="Economica"/>
                 <a:cs typeface="Economica"/>
@@ -8683,7 +8875,7 @@
               </a:rPr>
               <a:t>Make sure X is a matrix and y is a vector</a:t>
             </a:r>
-            <a:endParaRPr sz="2400">
+            <a:endParaRPr sz="2400" dirty="0">
               <a:latin typeface="Economica"/>
               <a:ea typeface="Economica"/>
               <a:cs typeface="Economica"/>
@@ -8691,7 +8883,7 @@
             </a:endParaRPr>
           </a:p>
           <a:p>
-            <a:pPr indent="-381000" lvl="0" marL="457200" rtl="0" algn="l">
+            <a:pPr marL="457200" lvl="0" indent="-381000" algn="l" rtl="0">
               <a:spcBef>
                 <a:spcPts val="0"/>
               </a:spcBef>
@@ -8703,7 +8895,7 @@
               <a:buChar char="❖"/>
             </a:pPr>
             <a:r>
-              <a:rPr lang="en" sz="2400">
+              <a:rPr lang="en" sz="2400" dirty="0">
                 <a:latin typeface="Economica"/>
                 <a:ea typeface="Economica"/>
                 <a:cs typeface="Economica"/>
@@ -8711,7 +8903,7 @@
               </a:rPr>
               <a:t>Take care of missing values: delete or impute</a:t>
             </a:r>
-            <a:endParaRPr sz="2400">
+            <a:endParaRPr sz="2400" dirty="0">
               <a:latin typeface="Economica"/>
               <a:ea typeface="Economica"/>
               <a:cs typeface="Economica"/>
@@ -8719,7 +8911,7 @@
             </a:endParaRPr>
           </a:p>
           <a:p>
-            <a:pPr indent="-381000" lvl="0" marL="457200" rtl="0" algn="l">
+            <a:pPr marL="457200" lvl="0" indent="-381000" algn="l" rtl="0">
               <a:spcBef>
                 <a:spcPts val="0"/>
               </a:spcBef>
@@ -8731,7 +8923,7 @@
               <a:buChar char="❖"/>
             </a:pPr>
             <a:r>
-              <a:rPr lang="en" sz="2400">
+              <a:rPr lang="en" sz="2400" dirty="0">
                 <a:latin typeface="Economica"/>
                 <a:ea typeface="Economica"/>
                 <a:cs typeface="Economica"/>
@@ -8739,7 +8931,7 @@
               </a:rPr>
               <a:t>Take care of categorical data (if necessary)</a:t>
             </a:r>
-            <a:endParaRPr sz="2400">
+            <a:endParaRPr sz="2400" dirty="0">
               <a:latin typeface="Economica"/>
               <a:ea typeface="Economica"/>
               <a:cs typeface="Economica"/>
@@ -8747,7 +8939,7 @@
             </a:endParaRPr>
           </a:p>
           <a:p>
-            <a:pPr indent="-381000" lvl="0" marL="457200" rtl="0" algn="l">
+            <a:pPr marL="457200" lvl="0" indent="-381000" algn="l" rtl="0">
               <a:spcBef>
                 <a:spcPts val="0"/>
               </a:spcBef>
@@ -8759,7 +8951,7 @@
               <a:buChar char="❖"/>
             </a:pPr>
             <a:r>
-              <a:rPr lang="en" sz="2400">
+              <a:rPr lang="en" sz="2400" dirty="0">
                 <a:latin typeface="Economica"/>
                 <a:ea typeface="Economica"/>
                 <a:cs typeface="Economica"/>
@@ -8767,7 +8959,7 @@
               </a:rPr>
               <a:t>Feature scaling (if necessary)</a:t>
             </a:r>
-            <a:endParaRPr sz="2400">
+            <a:endParaRPr sz="2400" dirty="0">
               <a:latin typeface="Economica"/>
               <a:ea typeface="Economica"/>
               <a:cs typeface="Economica"/>
@@ -8775,7 +8967,7 @@
             </a:endParaRPr>
           </a:p>
           <a:p>
-            <a:pPr indent="-381000" lvl="0" marL="457200" rtl="0" algn="l">
+            <a:pPr marL="457200" lvl="0" indent="-381000" algn="l" rtl="0">
               <a:spcBef>
                 <a:spcPts val="0"/>
               </a:spcBef>
@@ -8787,7 +8979,7 @@
               <a:buChar char="❖"/>
             </a:pPr>
             <a:r>
-              <a:rPr lang="en" sz="2400">
+              <a:rPr lang="en" sz="2400" dirty="0">
                 <a:latin typeface="Economica"/>
                 <a:ea typeface="Economica"/>
                 <a:cs typeface="Economica"/>
@@ -8795,7 +8987,7 @@
               </a:rPr>
               <a:t>Regularization to prevent overfitting (if necessary)</a:t>
             </a:r>
-            <a:endParaRPr sz="2400">
+            <a:endParaRPr sz="2400" dirty="0">
               <a:latin typeface="Economica"/>
               <a:ea typeface="Economica"/>
               <a:cs typeface="Economica"/>
@@ -8803,7 +8995,7 @@
             </a:endParaRPr>
           </a:p>
           <a:p>
-            <a:pPr indent="-381000" lvl="0" marL="457200" rtl="0" algn="l">
+            <a:pPr marL="457200" lvl="0" indent="-381000" algn="l" rtl="0">
               <a:spcBef>
                 <a:spcPts val="0"/>
               </a:spcBef>
@@ -8815,7 +9007,7 @@
               <a:buChar char="❖"/>
             </a:pPr>
             <a:r>
-              <a:rPr lang="en" sz="2400">
+              <a:rPr lang="en" sz="2400" dirty="0">
                 <a:latin typeface="Economica"/>
                 <a:ea typeface="Economica"/>
                 <a:cs typeface="Economica"/>
@@ -8823,7 +9015,7 @@
               </a:rPr>
               <a:t>etc.</a:t>
             </a:r>
-            <a:endParaRPr sz="2400">
+            <a:endParaRPr sz="2400" dirty="0">
               <a:latin typeface="Economica"/>
               <a:ea typeface="Economica"/>
               <a:cs typeface="Economica"/>
@@ -8831,7 +9023,7 @@
             </a:endParaRPr>
           </a:p>
           <a:p>
-            <a:pPr indent="0" lvl="0" marL="457200" rtl="0" algn="l">
+            <a:pPr marL="457200" lvl="0" indent="0" algn="l" rtl="0">
               <a:spcBef>
                 <a:spcPts val="1600"/>
               </a:spcBef>
@@ -8840,10 +9032,7 @@
               </a:spcAft>
               <a:buNone/>
             </a:pPr>
-            <a:r>
-              <a:t/>
-            </a:r>
-            <a:endParaRPr sz="2400">
+            <a:endParaRPr sz="2400" dirty="0">
               <a:latin typeface="Economica"/>
               <a:ea typeface="Economica"/>
               <a:cs typeface="Economica"/>
@@ -8861,11 +9050,11 @@
 </file>
 
 <file path=ppt/slides/slide7.xml><?xml version="1.0" encoding="utf-8"?>
-<p:sld xmlns:a="http://schemas.openxmlformats.org/drawingml/2006/main" xmlns:r="http://schemas.openxmlformats.org/officeDocument/2006/relationships" xmlns:mc="http://schemas.openxmlformats.org/markup-compatibility/2006" xmlns:mv="urn:schemas-microsoft-com:mac:vml" xmlns:p="http://schemas.openxmlformats.org/presentationml/2006/main" xmlns:c="http://schemas.openxmlformats.org/drawingml/2006/chart" xmlns:dgm="http://schemas.openxmlformats.org/drawingml/2006/diagram" xmlns:o="urn:schemas-microsoft-com:office:office" xmlns:v="urn:schemas-microsoft-com:vml" xmlns:pvml="urn:schemas-microsoft-com:office:powerpoint" xmlns:com="http://schemas.openxmlformats.org/drawingml/2006/compatibility" xmlns:p14="http://schemas.microsoft.com/office/powerpoint/2010/main" xmlns:p15="http://schemas.microsoft.com/office/powerpoint/2012/main">
+<p:sld xmlns:a="http://schemas.openxmlformats.org/drawingml/2006/main" xmlns:r="http://schemas.openxmlformats.org/officeDocument/2006/relationships" xmlns:p="http://schemas.openxmlformats.org/presentationml/2006/main">
   <p:cSld>
     <p:spTree>
       <p:nvGrpSpPr>
-        <p:cNvPr id="98" name="Shape 98"/>
+        <p:cNvPr id="1" name="Shape 98"/>
         <p:cNvGrpSpPr/>
         <p:nvPr/>
       </p:nvGrpSpPr>
@@ -8880,7 +9069,9 @@
       <p:sp>
         <p:nvSpPr>
           <p:cNvPr id="99" name="Google Shape;99;p19"/>
-          <p:cNvSpPr txBox="1"/>
+          <p:cNvSpPr txBox="1">
+            <a:spLocks noGrp="1"/>
+          </p:cNvSpPr>
           <p:nvPr>
             <p:ph type="title"/>
           </p:nvPr>
@@ -8895,12 +9086,12 @@
           </a:prstGeom>
         </p:spPr>
         <p:txBody>
-          <a:bodyPr anchorCtr="0" anchor="b" bIns="91425" lIns="91425" spcFirstLastPara="1" rIns="91425" wrap="square" tIns="91425">
+          <a:bodyPr spcFirstLastPara="1" wrap="square" lIns="91425" tIns="91425" rIns="91425" bIns="91425" anchor="b" anchorCtr="0">
             <a:noAutofit/>
           </a:bodyPr>
           <a:lstStyle/>
           <a:p>
-            <a:pPr indent="0" lvl="0" marL="0" rtl="0" algn="l">
+            <a:pPr marL="0" lvl="0" indent="0" algn="l" rtl="0">
               <a:spcBef>
                 <a:spcPts val="0"/>
               </a:spcBef>
@@ -8911,11 +9102,7 @@
             </a:pPr>
             <a:r>
               <a:rPr lang="en"/>
-              <a:t>5</a:t>
-            </a:r>
-            <a:r>
-              <a:rPr lang="en"/>
-              <a:t>. Training and test data sets</a:t>
+              <a:t>5. Training and test data sets</a:t>
             </a:r>
             <a:endParaRPr/>
           </a:p>
@@ -8924,9 +9111,11 @@
       <p:sp>
         <p:nvSpPr>
           <p:cNvPr id="100" name="Google Shape;100;p19"/>
-          <p:cNvSpPr txBox="1"/>
+          <p:cNvSpPr txBox="1">
+            <a:spLocks noGrp="1"/>
+          </p:cNvSpPr>
           <p:nvPr>
-            <p:ph idx="1" type="body"/>
+            <p:ph type="body" idx="1"/>
           </p:nvPr>
         </p:nvSpPr>
         <p:spPr>
@@ -8939,12 +9128,12 @@
           </a:prstGeom>
         </p:spPr>
         <p:txBody>
-          <a:bodyPr anchorCtr="0" anchor="t" bIns="91425" lIns="91425" spcFirstLastPara="1" rIns="91425" wrap="square" tIns="91425">
+          <a:bodyPr spcFirstLastPara="1" wrap="square" lIns="91425" tIns="91425" rIns="91425" bIns="91425" anchor="t" anchorCtr="0">
             <a:noAutofit/>
           </a:bodyPr>
           <a:lstStyle/>
           <a:p>
-            <a:pPr indent="-381000" lvl="0" marL="457200" rtl="0" algn="l">
+            <a:pPr marL="457200" lvl="0" indent="-381000" algn="l" rtl="0">
               <a:spcBef>
                 <a:spcPts val="0"/>
               </a:spcBef>
@@ -8972,7 +9161,7 @@
             </a:endParaRPr>
           </a:p>
           <a:p>
-            <a:pPr indent="-381000" lvl="1" marL="914400" rtl="0" algn="l">
+            <a:pPr marL="914400" lvl="1" indent="-381000" algn="l" rtl="0">
               <a:spcBef>
                 <a:spcPts val="0"/>
               </a:spcBef>
@@ -9000,7 +9189,7 @@
             </a:endParaRPr>
           </a:p>
           <a:p>
-            <a:pPr indent="-381000" lvl="1" marL="914400" rtl="0" algn="l">
+            <a:pPr marL="914400" lvl="1" indent="-381000" algn="l" rtl="0">
               <a:spcBef>
                 <a:spcPts val="0"/>
               </a:spcBef>
@@ -9028,7 +9217,7 @@
             </a:endParaRPr>
           </a:p>
           <a:p>
-            <a:pPr indent="-381000" lvl="0" marL="457200" rtl="0" algn="l">
+            <a:pPr marL="457200" lvl="0" indent="-381000" algn="l" rtl="0">
               <a:spcBef>
                 <a:spcPts val="0"/>
               </a:spcBef>
@@ -9056,7 +9245,7 @@
             </a:endParaRPr>
           </a:p>
           <a:p>
-            <a:pPr indent="-381000" lvl="0" marL="457200" rtl="0" algn="l">
+            <a:pPr marL="457200" lvl="0" indent="-381000" algn="l" rtl="0">
               <a:spcBef>
                 <a:spcPts val="0"/>
               </a:spcBef>
@@ -9084,7 +9273,7 @@
             </a:endParaRPr>
           </a:p>
           <a:p>
-            <a:pPr indent="0" lvl="0" marL="457200" rtl="0" algn="l">
+            <a:pPr marL="457200" lvl="0" indent="0" algn="l" rtl="0">
               <a:spcBef>
                 <a:spcPts val="1600"/>
               </a:spcBef>
@@ -9093,9 +9282,6 @@
               </a:spcAft>
               <a:buNone/>
             </a:pPr>
-            <a:r>
-              <a:t/>
-            </a:r>
             <a:endParaRPr sz="2400">
               <a:latin typeface="Economica"/>
               <a:ea typeface="Economica"/>
@@ -9114,11 +9300,11 @@
 </file>
 
 <file path=ppt/slides/slide8.xml><?xml version="1.0" encoding="utf-8"?>
-<p:sld xmlns:a="http://schemas.openxmlformats.org/drawingml/2006/main" xmlns:r="http://schemas.openxmlformats.org/officeDocument/2006/relationships" xmlns:mc="http://schemas.openxmlformats.org/markup-compatibility/2006" xmlns:mv="urn:schemas-microsoft-com:mac:vml" xmlns:p="http://schemas.openxmlformats.org/presentationml/2006/main" xmlns:c="http://schemas.openxmlformats.org/drawingml/2006/chart" xmlns:dgm="http://schemas.openxmlformats.org/drawingml/2006/diagram" xmlns:o="urn:schemas-microsoft-com:office:office" xmlns:v="urn:schemas-microsoft-com:vml" xmlns:pvml="urn:schemas-microsoft-com:office:powerpoint" xmlns:com="http://schemas.openxmlformats.org/drawingml/2006/compatibility" xmlns:p14="http://schemas.microsoft.com/office/powerpoint/2010/main" xmlns:p15="http://schemas.microsoft.com/office/powerpoint/2012/main">
+<p:sld xmlns:a="http://schemas.openxmlformats.org/drawingml/2006/main" xmlns:r="http://schemas.openxmlformats.org/officeDocument/2006/relationships" xmlns:p="http://schemas.openxmlformats.org/presentationml/2006/main">
   <p:cSld>
     <p:spTree>
       <p:nvGrpSpPr>
-        <p:cNvPr id="104" name="Shape 104"/>
+        <p:cNvPr id="1" name="Shape 104"/>
         <p:cNvGrpSpPr/>
         <p:nvPr/>
       </p:nvGrpSpPr>
@@ -9133,7 +9319,9 @@
       <p:sp>
         <p:nvSpPr>
           <p:cNvPr id="105" name="Google Shape;105;p20"/>
-          <p:cNvSpPr txBox="1"/>
+          <p:cNvSpPr txBox="1">
+            <a:spLocks noGrp="1"/>
+          </p:cNvSpPr>
           <p:nvPr>
             <p:ph type="title"/>
           </p:nvPr>
@@ -9148,12 +9336,12 @@
           </a:prstGeom>
         </p:spPr>
         <p:txBody>
-          <a:bodyPr anchorCtr="0" anchor="b" bIns="91425" lIns="91425" spcFirstLastPara="1" rIns="91425" wrap="square" tIns="91425">
+          <a:bodyPr spcFirstLastPara="1" wrap="square" lIns="91425" tIns="91425" rIns="91425" bIns="91425" anchor="b" anchorCtr="0">
             <a:noAutofit/>
           </a:bodyPr>
           <a:lstStyle/>
           <a:p>
-            <a:pPr indent="0" lvl="0" marL="0" rtl="0" algn="l">
+            <a:pPr marL="0" lvl="0" indent="0" algn="l" rtl="0">
               <a:spcBef>
                 <a:spcPts val="0"/>
               </a:spcBef>
@@ -9164,11 +9352,7 @@
             </a:pPr>
             <a:r>
               <a:rPr lang="en"/>
-              <a:t>6</a:t>
-            </a:r>
-            <a:r>
-              <a:rPr lang="en"/>
-              <a:t>. Build the model</a:t>
+              <a:t>6. Build the model</a:t>
             </a:r>
             <a:endParaRPr/>
           </a:p>
@@ -9177,9 +9361,11 @@
       <p:sp>
         <p:nvSpPr>
           <p:cNvPr id="106" name="Google Shape;106;p20"/>
-          <p:cNvSpPr txBox="1"/>
+          <p:cNvSpPr txBox="1">
+            <a:spLocks noGrp="1"/>
+          </p:cNvSpPr>
           <p:nvPr>
-            <p:ph idx="1" type="body"/>
+            <p:ph type="body" idx="1"/>
           </p:nvPr>
         </p:nvSpPr>
         <p:spPr>
@@ -9192,12 +9378,12 @@
           </a:prstGeom>
         </p:spPr>
         <p:txBody>
-          <a:bodyPr anchorCtr="0" anchor="t" bIns="91425" lIns="91425" spcFirstLastPara="1" rIns="91425" wrap="square" tIns="91425">
+          <a:bodyPr spcFirstLastPara="1" wrap="square" lIns="91425" tIns="91425" rIns="91425" bIns="91425" anchor="t" anchorCtr="0">
             <a:noAutofit/>
           </a:bodyPr>
           <a:lstStyle/>
           <a:p>
-            <a:pPr indent="-381000" lvl="0" marL="457200" rtl="0" algn="l">
+            <a:pPr marL="457200" lvl="0" indent="-381000" algn="l" rtl="0">
               <a:spcBef>
                 <a:spcPts val="0"/>
               </a:spcBef>
@@ -9225,7 +9411,7 @@
             </a:endParaRPr>
           </a:p>
           <a:p>
-            <a:pPr indent="-381000" lvl="0" marL="457200" rtl="0" algn="l">
+            <a:pPr marL="457200" lvl="0" indent="-381000" algn="l" rtl="0">
               <a:spcBef>
                 <a:spcPts val="0"/>
               </a:spcBef>
@@ -9253,7 +9439,7 @@
             </a:endParaRPr>
           </a:p>
           <a:p>
-            <a:pPr indent="-342900" lvl="1" marL="914400" rtl="0" algn="l">
+            <a:pPr marL="914400" lvl="1" indent="-342900" algn="l" rtl="0">
               <a:spcBef>
                 <a:spcPts val="0"/>
               </a:spcBef>
@@ -9281,7 +9467,7 @@
             </a:endParaRPr>
           </a:p>
           <a:p>
-            <a:pPr indent="-342900" lvl="1" marL="914400" rtl="0" algn="l">
+            <a:pPr marL="914400" lvl="1" indent="-342900" algn="l" rtl="0">
               <a:spcBef>
                 <a:spcPts val="0"/>
               </a:spcBef>
@@ -9309,7 +9495,7 @@
             </a:endParaRPr>
           </a:p>
           <a:p>
-            <a:pPr indent="-342900" lvl="1" marL="914400" rtl="0" algn="l">
+            <a:pPr marL="914400" lvl="1" indent="-342900" algn="l" rtl="0">
               <a:spcBef>
                 <a:spcPts val="0"/>
               </a:spcBef>
@@ -9337,7 +9523,7 @@
             </a:endParaRPr>
           </a:p>
           <a:p>
-            <a:pPr indent="-342900" lvl="1" marL="914400" rtl="0" algn="l">
+            <a:pPr marL="914400" lvl="1" indent="-342900" algn="l" rtl="0">
               <a:spcBef>
                 <a:spcPts val="0"/>
               </a:spcBef>
@@ -9365,7 +9551,7 @@
             </a:endParaRPr>
           </a:p>
           <a:p>
-            <a:pPr indent="-342900" lvl="1" marL="914400" rtl="0" algn="l">
+            <a:pPr marL="914400" lvl="1" indent="-342900" algn="l" rtl="0">
               <a:spcBef>
                 <a:spcPts val="0"/>
               </a:spcBef>
@@ -9393,7 +9579,7 @@
             </a:endParaRPr>
           </a:p>
           <a:p>
-            <a:pPr indent="0" lvl="0" marL="457200" rtl="0" algn="l">
+            <a:pPr marL="457200" lvl="0" indent="0" algn="l" rtl="0">
               <a:spcBef>
                 <a:spcPts val="1600"/>
               </a:spcBef>
@@ -9402,9 +9588,6 @@
               </a:spcAft>
               <a:buNone/>
             </a:pPr>
-            <a:r>
-              <a:t/>
-            </a:r>
             <a:endParaRPr sz="2400">
               <a:latin typeface="Economica"/>
               <a:ea typeface="Economica"/>
@@ -9423,11 +9606,11 @@
 </file>
 
 <file path=ppt/slides/slide9.xml><?xml version="1.0" encoding="utf-8"?>
-<p:sld xmlns:a="http://schemas.openxmlformats.org/drawingml/2006/main" xmlns:r="http://schemas.openxmlformats.org/officeDocument/2006/relationships" xmlns:mc="http://schemas.openxmlformats.org/markup-compatibility/2006" xmlns:mv="urn:schemas-microsoft-com:mac:vml" xmlns:p="http://schemas.openxmlformats.org/presentationml/2006/main" xmlns:c="http://schemas.openxmlformats.org/drawingml/2006/chart" xmlns:dgm="http://schemas.openxmlformats.org/drawingml/2006/diagram" xmlns:o="urn:schemas-microsoft-com:office:office" xmlns:v="urn:schemas-microsoft-com:vml" xmlns:pvml="urn:schemas-microsoft-com:office:powerpoint" xmlns:com="http://schemas.openxmlformats.org/drawingml/2006/compatibility" xmlns:p14="http://schemas.microsoft.com/office/powerpoint/2010/main" xmlns:p15="http://schemas.microsoft.com/office/powerpoint/2012/main">
+<p:sld xmlns:a="http://schemas.openxmlformats.org/drawingml/2006/main" xmlns:r="http://schemas.openxmlformats.org/officeDocument/2006/relationships" xmlns:p="http://schemas.openxmlformats.org/presentationml/2006/main">
   <p:cSld>
     <p:spTree>
       <p:nvGrpSpPr>
-        <p:cNvPr id="110" name="Shape 110"/>
+        <p:cNvPr id="1" name="Shape 110"/>
         <p:cNvGrpSpPr/>
         <p:nvPr/>
       </p:nvGrpSpPr>
@@ -9442,7 +9625,9 @@
       <p:sp>
         <p:nvSpPr>
           <p:cNvPr id="111" name="Google Shape;111;p21"/>
-          <p:cNvSpPr txBox="1"/>
+          <p:cNvSpPr txBox="1">
+            <a:spLocks noGrp="1"/>
+          </p:cNvSpPr>
           <p:nvPr>
             <p:ph type="title"/>
           </p:nvPr>
@@ -9457,12 +9642,12 @@
           </a:prstGeom>
         </p:spPr>
         <p:txBody>
-          <a:bodyPr anchorCtr="0" anchor="b" bIns="91425" lIns="91425" spcFirstLastPara="1" rIns="91425" wrap="square" tIns="91425">
+          <a:bodyPr spcFirstLastPara="1" wrap="square" lIns="91425" tIns="91425" rIns="91425" bIns="91425" anchor="b" anchorCtr="0">
             <a:noAutofit/>
           </a:bodyPr>
           <a:lstStyle/>
           <a:p>
-            <a:pPr indent="0" lvl="0" marL="0" rtl="0" algn="l">
+            <a:pPr marL="0" lvl="0" indent="0" algn="l" rtl="0">
               <a:spcBef>
                 <a:spcPts val="0"/>
               </a:spcBef>
@@ -9473,11 +9658,7 @@
             </a:pPr>
             <a:r>
               <a:rPr lang="en"/>
-              <a:t>7</a:t>
-            </a:r>
-            <a:r>
-              <a:rPr lang="en"/>
-              <a:t>. Evaluate the model</a:t>
+              <a:t>7. Evaluate the model</a:t>
             </a:r>
             <a:endParaRPr/>
           </a:p>
@@ -9486,9 +9667,11 @@
       <p:sp>
         <p:nvSpPr>
           <p:cNvPr id="112" name="Google Shape;112;p21"/>
-          <p:cNvSpPr txBox="1"/>
+          <p:cNvSpPr txBox="1">
+            <a:spLocks noGrp="1"/>
+          </p:cNvSpPr>
           <p:nvPr>
-            <p:ph idx="1" type="body"/>
+            <p:ph type="body" idx="1"/>
           </p:nvPr>
         </p:nvSpPr>
         <p:spPr>
@@ -9501,12 +9684,12 @@
           </a:prstGeom>
         </p:spPr>
         <p:txBody>
-          <a:bodyPr anchorCtr="0" anchor="t" bIns="91425" lIns="91425" spcFirstLastPara="1" rIns="91425" wrap="square" tIns="91425">
+          <a:bodyPr spcFirstLastPara="1" wrap="square" lIns="91425" tIns="91425" rIns="91425" bIns="91425" anchor="t" anchorCtr="0">
             <a:noAutofit/>
           </a:bodyPr>
           <a:lstStyle/>
           <a:p>
-            <a:pPr indent="-381000" lvl="0" marL="457200" rtl="0" algn="l">
+            <a:pPr marL="457200" lvl="0" indent="-381000" algn="l" rtl="0">
               <a:spcBef>
                 <a:spcPts val="0"/>
               </a:spcBef>
@@ -9534,7 +9717,7 @@
             </a:endParaRPr>
           </a:p>
           <a:p>
-            <a:pPr indent="-381000" lvl="1" marL="914400" rtl="0" algn="l">
+            <a:pPr marL="914400" lvl="1" indent="-381000" algn="l" rtl="0">
               <a:spcBef>
                 <a:spcPts val="0"/>
               </a:spcBef>
@@ -9562,7 +9745,7 @@
             </a:endParaRPr>
           </a:p>
           <a:p>
-            <a:pPr indent="-381000" lvl="1" marL="914400" rtl="0" algn="l">
+            <a:pPr marL="914400" lvl="1" indent="-381000" algn="l" rtl="0">
               <a:spcBef>
                 <a:spcPts val="0"/>
               </a:spcBef>
@@ -9590,7 +9773,7 @@
             </a:endParaRPr>
           </a:p>
           <a:p>
-            <a:pPr indent="-381000" lvl="1" marL="914400" rtl="0" algn="l">
+            <a:pPr marL="914400" lvl="1" indent="-381000" algn="l" rtl="0">
               <a:spcBef>
                 <a:spcPts val="0"/>
               </a:spcBef>
@@ -9618,7 +9801,7 @@
             </a:endParaRPr>
           </a:p>
           <a:p>
-            <a:pPr indent="-381000" lvl="1" marL="914400" rtl="0" algn="l">
+            <a:pPr marL="914400" lvl="1" indent="-381000" algn="l" rtl="0">
               <a:spcBef>
                 <a:spcPts val="0"/>
               </a:spcBef>
@@ -9646,7 +9829,7 @@
             </a:endParaRPr>
           </a:p>
           <a:p>
-            <a:pPr indent="-381000" lvl="1" marL="914400" rtl="0" algn="l">
+            <a:pPr marL="914400" lvl="1" indent="-381000" algn="l" rtl="0">
               <a:spcBef>
                 <a:spcPts val="0"/>
               </a:spcBef>
@@ -9674,7 +9857,7 @@
             </a:endParaRPr>
           </a:p>
           <a:p>
-            <a:pPr indent="0" lvl="0" marL="457200" rtl="0" algn="l">
+            <a:pPr marL="457200" lvl="0" indent="0" algn="l" rtl="0">
               <a:spcBef>
                 <a:spcPts val="1600"/>
               </a:spcBef>
@@ -9683,9 +9866,6 @@
               </a:spcAft>
               <a:buNone/>
             </a:pPr>
-            <a:r>
-              <a:t/>
-            </a:r>
             <a:endParaRPr sz="2400">
               <a:latin typeface="Economica"/>
               <a:ea typeface="Economica"/>
@@ -9704,7 +9884,288 @@
 </file>
 
 <file path=ppt/theme/theme1.xml><?xml version="1.0" encoding="utf-8"?>
-<a:theme xmlns:a="http://schemas.openxmlformats.org/drawingml/2006/main" xmlns:r="http://schemas.openxmlformats.org/officeDocument/2006/relationships">
+<a:theme xmlns:a="http://schemas.openxmlformats.org/drawingml/2006/main" name="Luxe">
+  <a:themeElements>
+    <a:clrScheme name="Luxe">
+      <a:dk1>
+        <a:srgbClr val="000000"/>
+      </a:dk1>
+      <a:lt1>
+        <a:srgbClr val="FFFFFF"/>
+      </a:lt1>
+      <a:dk2>
+        <a:srgbClr val="B7B7B7"/>
+      </a:dk2>
+      <a:lt2>
+        <a:srgbClr val="CCA677"/>
+      </a:lt2>
+      <a:accent1>
+        <a:srgbClr val="5D4037"/>
+      </a:accent1>
+      <a:accent2>
+        <a:srgbClr val="455A64"/>
+      </a:accent2>
+      <a:accent3>
+        <a:srgbClr val="607D8B"/>
+      </a:accent3>
+      <a:accent4>
+        <a:srgbClr val="78909C"/>
+      </a:accent4>
+      <a:accent5>
+        <a:srgbClr val="57BB8A"/>
+      </a:accent5>
+      <a:accent6>
+        <a:srgbClr val="DCE755"/>
+      </a:accent6>
+      <a:hlink>
+        <a:srgbClr val="57BB8A"/>
+      </a:hlink>
+      <a:folHlink>
+        <a:srgbClr val="57BB8A"/>
+      </a:folHlink>
+    </a:clrScheme>
+    <a:fontScheme name="Office">
+      <a:majorFont>
+        <a:latin typeface="Arial"/>
+        <a:ea typeface=""/>
+        <a:cs typeface=""/>
+        <a:font script="Jpan" typeface="ＭＳ Ｐゴシック"/>
+        <a:font script="Hang" typeface="맑은 고딕"/>
+        <a:font script="Hans" typeface="宋体"/>
+        <a:font script="Hant" typeface="新細明體"/>
+        <a:font script="Arab" typeface="Times New Roman"/>
+        <a:font script="Hebr" typeface="Times New Roman"/>
+        <a:font script="Thai" typeface="Angsana New"/>
+        <a:font script="Ethi" typeface="Nyala"/>
+        <a:font script="Beng" typeface="Vrinda"/>
+        <a:font script="Gujr" typeface="Shruti"/>
+        <a:font script="Khmr" typeface="MoolBoran"/>
+        <a:font script="Knda" typeface="Tunga"/>
+        <a:font script="Guru" typeface="Raavi"/>
+        <a:font script="Cans" typeface="Euphemia"/>
+        <a:font script="Cher" typeface="Plantagenet Cherokee"/>
+        <a:font script="Yiii" typeface="Microsoft Yi Baiti"/>
+        <a:font script="Tibt" typeface="Microsoft Himalaya"/>
+        <a:font script="Thaa" typeface="MV Boli"/>
+        <a:font script="Deva" typeface="Mangal"/>
+        <a:font script="Telu" typeface="Gautami"/>
+        <a:font script="Taml" typeface="Latha"/>
+        <a:font script="Syrc" typeface="Estrangelo Edessa"/>
+        <a:font script="Orya" typeface="Kalinga"/>
+        <a:font script="Mlym" typeface="Kartika"/>
+        <a:font script="Laoo" typeface="DokChampa"/>
+        <a:font script="Sinh" typeface="Iskoola Pota"/>
+        <a:font script="Mong" typeface="Mongolian Baiti"/>
+        <a:font script="Viet" typeface="Times New Roman"/>
+        <a:font script="Uigh" typeface="Microsoft Uighur"/>
+        <a:font script="Geor" typeface="Sylfaen"/>
+      </a:majorFont>
+      <a:minorFont>
+        <a:latin typeface="Arial"/>
+        <a:ea typeface=""/>
+        <a:cs typeface=""/>
+        <a:font script="Jpan" typeface="ＭＳ Ｐゴシック"/>
+        <a:font script="Hang" typeface="맑은 고딕"/>
+        <a:font script="Hans" typeface="宋体"/>
+        <a:font script="Hant" typeface="新細明體"/>
+        <a:font script="Arab" typeface="Arial"/>
+        <a:font script="Hebr" typeface="Arial"/>
+        <a:font script="Thai" typeface="Cordia New"/>
+        <a:font script="Ethi" typeface="Nyala"/>
+        <a:font script="Beng" typeface="Vrinda"/>
+        <a:font script="Gujr" typeface="Shruti"/>
+        <a:font script="Khmr" typeface="DaunPenh"/>
+        <a:font script="Knda" typeface="Tunga"/>
+        <a:font script="Guru" typeface="Raavi"/>
+        <a:font script="Cans" typeface="Euphemia"/>
+        <a:font script="Cher" typeface="Plantagenet Cherokee"/>
+        <a:font script="Yiii" typeface="Microsoft Yi Baiti"/>
+        <a:font script="Tibt" typeface="Microsoft Himalaya"/>
+        <a:font script="Thaa" typeface="MV Boli"/>
+        <a:font script="Deva" typeface="Mangal"/>
+        <a:font script="Telu" typeface="Gautami"/>
+        <a:font script="Taml" typeface="Latha"/>
+        <a:font script="Syrc" typeface="Estrangelo Edessa"/>
+        <a:font script="Orya" typeface="Kalinga"/>
+        <a:font script="Mlym" typeface="Kartika"/>
+        <a:font script="Laoo" typeface="DokChampa"/>
+        <a:font script="Sinh" typeface="Iskoola Pota"/>
+        <a:font script="Mong" typeface="Mongolian Baiti"/>
+        <a:font script="Viet" typeface="Arial"/>
+        <a:font script="Uigh" typeface="Microsoft Uighur"/>
+        <a:font script="Geor" typeface="Sylfaen"/>
+      </a:minorFont>
+    </a:fontScheme>
+    <a:fmtScheme name="Office">
+      <a:fillStyleLst>
+        <a:solidFill>
+          <a:schemeClr val="phClr"/>
+        </a:solidFill>
+        <a:gradFill rotWithShape="1">
+          <a:gsLst>
+            <a:gs pos="0">
+              <a:schemeClr val="phClr">
+                <a:tint val="50000"/>
+                <a:satMod val="300000"/>
+              </a:schemeClr>
+            </a:gs>
+            <a:gs pos="35000">
+              <a:schemeClr val="phClr">
+                <a:tint val="37000"/>
+                <a:satMod val="300000"/>
+              </a:schemeClr>
+            </a:gs>
+            <a:gs pos="100000">
+              <a:schemeClr val="phClr">
+                <a:tint val="15000"/>
+                <a:satMod val="350000"/>
+              </a:schemeClr>
+            </a:gs>
+          </a:gsLst>
+          <a:lin ang="16200000" scaled="1"/>
+        </a:gradFill>
+        <a:gradFill rotWithShape="1">
+          <a:gsLst>
+            <a:gs pos="0">
+              <a:schemeClr val="phClr">
+                <a:tint val="100000"/>
+                <a:shade val="100000"/>
+                <a:satMod val="130000"/>
+              </a:schemeClr>
+            </a:gs>
+            <a:gs pos="100000">
+              <a:schemeClr val="phClr">
+                <a:tint val="50000"/>
+                <a:shade val="100000"/>
+                <a:satMod val="350000"/>
+              </a:schemeClr>
+            </a:gs>
+          </a:gsLst>
+          <a:lin ang="16200000" scaled="0"/>
+        </a:gradFill>
+      </a:fillStyleLst>
+      <a:lnStyleLst>
+        <a:ln w="9525" cap="flat" cmpd="sng" algn="ctr">
+          <a:solidFill>
+            <a:schemeClr val="phClr">
+              <a:shade val="95000"/>
+              <a:satMod val="105000"/>
+            </a:schemeClr>
+          </a:solidFill>
+          <a:prstDash val="solid"/>
+        </a:ln>
+        <a:ln w="25400" cap="flat" cmpd="sng" algn="ctr">
+          <a:solidFill>
+            <a:schemeClr val="phClr"/>
+          </a:solidFill>
+          <a:prstDash val="solid"/>
+        </a:ln>
+        <a:ln w="38100" cap="flat" cmpd="sng" algn="ctr">
+          <a:solidFill>
+            <a:schemeClr val="phClr"/>
+          </a:solidFill>
+          <a:prstDash val="solid"/>
+        </a:ln>
+      </a:lnStyleLst>
+      <a:effectStyleLst>
+        <a:effectStyle>
+          <a:effectLst>
+            <a:outerShdw blurRad="40000" dist="20000" dir="5400000" rotWithShape="0">
+              <a:srgbClr val="000000">
+                <a:alpha val="38000"/>
+              </a:srgbClr>
+            </a:outerShdw>
+          </a:effectLst>
+        </a:effectStyle>
+        <a:effectStyle>
+          <a:effectLst>
+            <a:outerShdw blurRad="40000" dist="23000" dir="5400000" rotWithShape="0">
+              <a:srgbClr val="000000">
+                <a:alpha val="35000"/>
+              </a:srgbClr>
+            </a:outerShdw>
+          </a:effectLst>
+        </a:effectStyle>
+        <a:effectStyle>
+          <a:effectLst>
+            <a:outerShdw blurRad="40000" dist="23000" dir="5400000" rotWithShape="0">
+              <a:srgbClr val="000000">
+                <a:alpha val="35000"/>
+              </a:srgbClr>
+            </a:outerShdw>
+          </a:effectLst>
+          <a:scene3d>
+            <a:camera prst="orthographicFront">
+              <a:rot lat="0" lon="0" rev="0"/>
+            </a:camera>
+            <a:lightRig rig="threePt" dir="t">
+              <a:rot lat="0" lon="0" rev="1200000"/>
+            </a:lightRig>
+          </a:scene3d>
+          <a:sp3d>
+            <a:bevelT w="63500" h="25400"/>
+          </a:sp3d>
+        </a:effectStyle>
+      </a:effectStyleLst>
+      <a:bgFillStyleLst>
+        <a:solidFill>
+          <a:schemeClr val="phClr"/>
+        </a:solidFill>
+        <a:gradFill rotWithShape="1">
+          <a:gsLst>
+            <a:gs pos="0">
+              <a:schemeClr val="phClr">
+                <a:tint val="40000"/>
+                <a:satMod val="350000"/>
+              </a:schemeClr>
+            </a:gs>
+            <a:gs pos="40000">
+              <a:schemeClr val="phClr">
+                <a:tint val="45000"/>
+                <a:shade val="99000"/>
+                <a:satMod val="350000"/>
+              </a:schemeClr>
+            </a:gs>
+            <a:gs pos="100000">
+              <a:schemeClr val="phClr">
+                <a:shade val="20000"/>
+                <a:satMod val="255000"/>
+              </a:schemeClr>
+            </a:gs>
+          </a:gsLst>
+          <a:path path="circle">
+            <a:fillToRect l="50000" t="-80000" r="50000" b="180000"/>
+          </a:path>
+        </a:gradFill>
+        <a:gradFill rotWithShape="1">
+          <a:gsLst>
+            <a:gs pos="0">
+              <a:schemeClr val="phClr">
+                <a:tint val="80000"/>
+                <a:satMod val="300000"/>
+              </a:schemeClr>
+            </a:gs>
+            <a:gs pos="100000">
+              <a:schemeClr val="phClr">
+                <a:shade val="30000"/>
+                <a:satMod val="200000"/>
+              </a:schemeClr>
+            </a:gs>
+          </a:gsLst>
+          <a:path path="circle">
+            <a:fillToRect l="50000" t="50000" r="50000" b="50000"/>
+          </a:path>
+        </a:gradFill>
+      </a:bgFillStyleLst>
+    </a:fmtScheme>
+  </a:themeElements>
+  <a:objectDefaults/>
+  <a:extraClrSchemeLst/>
+</a:theme>
+</file>
+
+<file path=ppt/theme/theme2.xml><?xml version="1.0" encoding="utf-8"?>
+<a:theme xmlns:a="http://schemas.openxmlformats.org/drawingml/2006/main">
   <a:themeElements>
     <a:clrScheme name="Default">
       <a:dk1>
@@ -9979,284 +10440,7 @@
       </a:bgFillStyleLst>
     </a:fmtScheme>
   </a:themeElements>
-</a:theme>
-</file>
-
-<file path=ppt/theme/theme2.xml><?xml version="1.0" encoding="utf-8"?>
-<a:theme xmlns:a="http://schemas.openxmlformats.org/drawingml/2006/main" xmlns:r="http://schemas.openxmlformats.org/officeDocument/2006/relationships" name="Luxe">
-  <a:themeElements>
-    <a:clrScheme name="Luxe">
-      <a:dk1>
-        <a:srgbClr val="000000"/>
-      </a:dk1>
-      <a:lt1>
-        <a:srgbClr val="FFFFFF"/>
-      </a:lt1>
-      <a:dk2>
-        <a:srgbClr val="B7B7B7"/>
-      </a:dk2>
-      <a:lt2>
-        <a:srgbClr val="CCA677"/>
-      </a:lt2>
-      <a:accent1>
-        <a:srgbClr val="5D4037"/>
-      </a:accent1>
-      <a:accent2>
-        <a:srgbClr val="455A64"/>
-      </a:accent2>
-      <a:accent3>
-        <a:srgbClr val="607D8B"/>
-      </a:accent3>
-      <a:accent4>
-        <a:srgbClr val="78909C"/>
-      </a:accent4>
-      <a:accent5>
-        <a:srgbClr val="57BB8A"/>
-      </a:accent5>
-      <a:accent6>
-        <a:srgbClr val="DCE755"/>
-      </a:accent6>
-      <a:hlink>
-        <a:srgbClr val="57BB8A"/>
-      </a:hlink>
-      <a:folHlink>
-        <a:srgbClr val="57BB8A"/>
-      </a:folHlink>
-    </a:clrScheme>
-    <a:fontScheme name="Office">
-      <a:majorFont>
-        <a:latin typeface="Arial"/>
-        <a:ea typeface=""/>
-        <a:cs typeface=""/>
-        <a:font script="Jpan" typeface="ＭＳ Ｐゴシック"/>
-        <a:font script="Hang" typeface="맑은 고딕"/>
-        <a:font script="Hans" typeface="宋体"/>
-        <a:font script="Hant" typeface="新細明體"/>
-        <a:font script="Arab" typeface="Times New Roman"/>
-        <a:font script="Hebr" typeface="Times New Roman"/>
-        <a:font script="Thai" typeface="Angsana New"/>
-        <a:font script="Ethi" typeface="Nyala"/>
-        <a:font script="Beng" typeface="Vrinda"/>
-        <a:font script="Gujr" typeface="Shruti"/>
-        <a:font script="Khmr" typeface="MoolBoran"/>
-        <a:font script="Knda" typeface="Tunga"/>
-        <a:font script="Guru" typeface="Raavi"/>
-        <a:font script="Cans" typeface="Euphemia"/>
-        <a:font script="Cher" typeface="Plantagenet Cherokee"/>
-        <a:font script="Yiii" typeface="Microsoft Yi Baiti"/>
-        <a:font script="Tibt" typeface="Microsoft Himalaya"/>
-        <a:font script="Thaa" typeface="MV Boli"/>
-        <a:font script="Deva" typeface="Mangal"/>
-        <a:font script="Telu" typeface="Gautami"/>
-        <a:font script="Taml" typeface="Latha"/>
-        <a:font script="Syrc" typeface="Estrangelo Edessa"/>
-        <a:font script="Orya" typeface="Kalinga"/>
-        <a:font script="Mlym" typeface="Kartika"/>
-        <a:font script="Laoo" typeface="DokChampa"/>
-        <a:font script="Sinh" typeface="Iskoola Pota"/>
-        <a:font script="Mong" typeface="Mongolian Baiti"/>
-        <a:font script="Viet" typeface="Times New Roman"/>
-        <a:font script="Uigh" typeface="Microsoft Uighur"/>
-        <a:font script="Geor" typeface="Sylfaen"/>
-      </a:majorFont>
-      <a:minorFont>
-        <a:latin typeface="Arial"/>
-        <a:ea typeface=""/>
-        <a:cs typeface=""/>
-        <a:font script="Jpan" typeface="ＭＳ Ｐゴシック"/>
-        <a:font script="Hang" typeface="맑은 고딕"/>
-        <a:font script="Hans" typeface="宋体"/>
-        <a:font script="Hant" typeface="新細明體"/>
-        <a:font script="Arab" typeface="Arial"/>
-        <a:font script="Hebr" typeface="Arial"/>
-        <a:font script="Thai" typeface="Cordia New"/>
-        <a:font script="Ethi" typeface="Nyala"/>
-        <a:font script="Beng" typeface="Vrinda"/>
-        <a:font script="Gujr" typeface="Shruti"/>
-        <a:font script="Khmr" typeface="DaunPenh"/>
-        <a:font script="Knda" typeface="Tunga"/>
-        <a:font script="Guru" typeface="Raavi"/>
-        <a:font script="Cans" typeface="Euphemia"/>
-        <a:font script="Cher" typeface="Plantagenet Cherokee"/>
-        <a:font script="Yiii" typeface="Microsoft Yi Baiti"/>
-        <a:font script="Tibt" typeface="Microsoft Himalaya"/>
-        <a:font script="Thaa" typeface="MV Boli"/>
-        <a:font script="Deva" typeface="Mangal"/>
-        <a:font script="Telu" typeface="Gautami"/>
-        <a:font script="Taml" typeface="Latha"/>
-        <a:font script="Syrc" typeface="Estrangelo Edessa"/>
-        <a:font script="Orya" typeface="Kalinga"/>
-        <a:font script="Mlym" typeface="Kartika"/>
-        <a:font script="Laoo" typeface="DokChampa"/>
-        <a:font script="Sinh" typeface="Iskoola Pota"/>
-        <a:font script="Mong" typeface="Mongolian Baiti"/>
-        <a:font script="Viet" typeface="Arial"/>
-        <a:font script="Uigh" typeface="Microsoft Uighur"/>
-        <a:font script="Geor" typeface="Sylfaen"/>
-      </a:minorFont>
-    </a:fontScheme>
-    <a:fmtScheme name="Office">
-      <a:fillStyleLst>
-        <a:solidFill>
-          <a:schemeClr val="phClr"/>
-        </a:solidFill>
-        <a:gradFill rotWithShape="1">
-          <a:gsLst>
-            <a:gs pos="0">
-              <a:schemeClr val="phClr">
-                <a:tint val="50000"/>
-                <a:satMod val="300000"/>
-              </a:schemeClr>
-            </a:gs>
-            <a:gs pos="35000">
-              <a:schemeClr val="phClr">
-                <a:tint val="37000"/>
-                <a:satMod val="300000"/>
-              </a:schemeClr>
-            </a:gs>
-            <a:gs pos="100000">
-              <a:schemeClr val="phClr">
-                <a:tint val="15000"/>
-                <a:satMod val="350000"/>
-              </a:schemeClr>
-            </a:gs>
-          </a:gsLst>
-          <a:lin ang="16200000" scaled="1"/>
-        </a:gradFill>
-        <a:gradFill rotWithShape="1">
-          <a:gsLst>
-            <a:gs pos="0">
-              <a:schemeClr val="phClr">
-                <a:tint val="100000"/>
-                <a:shade val="100000"/>
-                <a:satMod val="130000"/>
-              </a:schemeClr>
-            </a:gs>
-            <a:gs pos="100000">
-              <a:schemeClr val="phClr">
-                <a:tint val="50000"/>
-                <a:shade val="100000"/>
-                <a:satMod val="350000"/>
-              </a:schemeClr>
-            </a:gs>
-          </a:gsLst>
-          <a:lin ang="16200000" scaled="0"/>
-        </a:gradFill>
-      </a:fillStyleLst>
-      <a:lnStyleLst>
-        <a:ln w="9525" cap="flat" cmpd="sng" algn="ctr">
-          <a:solidFill>
-            <a:schemeClr val="phClr">
-              <a:shade val="95000"/>
-              <a:satMod val="105000"/>
-            </a:schemeClr>
-          </a:solidFill>
-          <a:prstDash val="solid"/>
-        </a:ln>
-        <a:ln w="25400" cap="flat" cmpd="sng" algn="ctr">
-          <a:solidFill>
-            <a:schemeClr val="phClr"/>
-          </a:solidFill>
-          <a:prstDash val="solid"/>
-        </a:ln>
-        <a:ln w="38100" cap="flat" cmpd="sng" algn="ctr">
-          <a:solidFill>
-            <a:schemeClr val="phClr"/>
-          </a:solidFill>
-          <a:prstDash val="solid"/>
-        </a:ln>
-      </a:lnStyleLst>
-      <a:effectStyleLst>
-        <a:effectStyle>
-          <a:effectLst>
-            <a:outerShdw blurRad="40000" dist="20000" dir="5400000" rotWithShape="0">
-              <a:srgbClr val="000000">
-                <a:alpha val="38000"/>
-              </a:srgbClr>
-            </a:outerShdw>
-          </a:effectLst>
-        </a:effectStyle>
-        <a:effectStyle>
-          <a:effectLst>
-            <a:outerShdw blurRad="40000" dist="23000" dir="5400000" rotWithShape="0">
-              <a:srgbClr val="000000">
-                <a:alpha val="35000"/>
-              </a:srgbClr>
-            </a:outerShdw>
-          </a:effectLst>
-        </a:effectStyle>
-        <a:effectStyle>
-          <a:effectLst>
-            <a:outerShdw blurRad="40000" dist="23000" dir="5400000" rotWithShape="0">
-              <a:srgbClr val="000000">
-                <a:alpha val="35000"/>
-              </a:srgbClr>
-            </a:outerShdw>
-          </a:effectLst>
-          <a:scene3d>
-            <a:camera prst="orthographicFront">
-              <a:rot lat="0" lon="0" rev="0"/>
-            </a:camera>
-            <a:lightRig rig="threePt" dir="t">
-              <a:rot lat="0" lon="0" rev="1200000"/>
-            </a:lightRig>
-          </a:scene3d>
-          <a:sp3d>
-            <a:bevelT w="63500" h="25400"/>
-          </a:sp3d>
-        </a:effectStyle>
-      </a:effectStyleLst>
-      <a:bgFillStyleLst>
-        <a:solidFill>
-          <a:schemeClr val="phClr"/>
-        </a:solidFill>
-        <a:gradFill rotWithShape="1">
-          <a:gsLst>
-            <a:gs pos="0">
-              <a:schemeClr val="phClr">
-                <a:tint val="40000"/>
-                <a:satMod val="350000"/>
-              </a:schemeClr>
-            </a:gs>
-            <a:gs pos="40000">
-              <a:schemeClr val="phClr">
-                <a:tint val="45000"/>
-                <a:shade val="99000"/>
-                <a:satMod val="350000"/>
-              </a:schemeClr>
-            </a:gs>
-            <a:gs pos="100000">
-              <a:schemeClr val="phClr">
-                <a:shade val="20000"/>
-                <a:satMod val="255000"/>
-              </a:schemeClr>
-            </a:gs>
-          </a:gsLst>
-          <a:path path="circle">
-            <a:fillToRect l="50000" t="-80000" r="50000" b="180000"/>
-          </a:path>
-        </a:gradFill>
-        <a:gradFill rotWithShape="1">
-          <a:gsLst>
-            <a:gs pos="0">
-              <a:schemeClr val="phClr">
-                <a:tint val="80000"/>
-                <a:satMod val="300000"/>
-              </a:schemeClr>
-            </a:gs>
-            <a:gs pos="100000">
-              <a:schemeClr val="phClr">
-                <a:shade val="30000"/>
-                <a:satMod val="200000"/>
-              </a:schemeClr>
-            </a:gs>
-          </a:gsLst>
-          <a:path path="circle">
-            <a:fillToRect l="50000" t="50000" r="50000" b="50000"/>
-          </a:path>
-        </a:gradFill>
-      </a:bgFillStyleLst>
-    </a:fmtScheme>
-  </a:themeElements>
+  <a:objectDefaults/>
+  <a:extraClrSchemeLst/>
 </a:theme>
 </file>
--- a/ProjectExample/Data Science Projects.pptx
+++ b/ProjectExample/Data Science Projects.pptx
@@ -755,8 +755,8 @@
         </p:nvSpPr>
         <p:spPr>
           <a:xfrm>
-            <a:off x="381300" y="685800"/>
-            <a:ext cx="6096075" cy="3429000"/>
+            <a:off x="381000" y="685800"/>
+            <a:ext cx="6096000" cy="3429000"/>
           </a:xfrm>
           <a:custGeom>
             <a:avLst/>
@@ -1067,7 +1067,7 @@
         </p:nvSpPr>
         <p:spPr>
           <a:xfrm>
-            <a:off x="381300" y="685800"/>
+            <a:off x="381000" y="685800"/>
             <a:ext cx="6096000" cy="3429000"/>
           </a:xfrm>
           <a:custGeom>
@@ -1483,7 +1483,7 @@
         </p:nvSpPr>
         <p:spPr>
           <a:xfrm>
-            <a:off x="381300" y="685800"/>
+            <a:off x="381000" y="685800"/>
             <a:ext cx="6096000" cy="3429000"/>
           </a:xfrm>
           <a:custGeom>
@@ -1587,7 +1587,7 @@
         </p:nvSpPr>
         <p:spPr>
           <a:xfrm>
-            <a:off x="381300" y="685800"/>
+            <a:off x="381000" y="685800"/>
             <a:ext cx="6096000" cy="3429000"/>
           </a:xfrm>
           <a:custGeom>
@@ -7392,10 +7392,10 @@
               <a:buNone/>
             </a:pPr>
             <a:r>
-              <a:rPr lang="en"/>
-              <a:t>A step-by-step guide</a:t>
+              <a:rPr lang="en" dirty="0"/>
+              <a:t>A (basic) step-by-step guide</a:t>
             </a:r>
-            <a:endParaRPr/>
+            <a:endParaRPr dirty="0"/>
           </a:p>
         </p:txBody>
       </p:sp>
@@ -8078,7 +8078,23 @@
               <a:buChar char="❖"/>
             </a:pPr>
             <a:r>
-              <a:rPr lang="en" sz="2400">
+              <a:rPr lang="en" sz="2400" dirty="0">
+                <a:latin typeface="Economica"/>
+                <a:ea typeface="Economica"/>
+                <a:cs typeface="Economica"/>
+                <a:sym typeface="Economica"/>
+              </a:rPr>
+              <a:t>Look at the big picture and the challenge facing the client, and try to understand if machine learning, deep learning, or statistical analysis is necessary.</a:t>
+            </a:r>
+          </a:p>
+          <a:p>
+            <a:pPr indent="-381000">
+              <a:buSzPts val="2400"/>
+              <a:buFont typeface="Economica"/>
+              <a:buChar char="❖"/>
+            </a:pPr>
+            <a:r>
+              <a:rPr lang="en-US" sz="2400" dirty="0">
                 <a:latin typeface="Economica"/>
                 <a:ea typeface="Economica"/>
                 <a:cs typeface="Economica"/>
@@ -8086,7 +8102,7 @@
               </a:rPr>
               <a:t>What kind of model is the right solution for our data, research question, and goals?</a:t>
             </a:r>
-            <a:endParaRPr sz="2400">
+            <a:endParaRPr sz="2400" dirty="0">
               <a:latin typeface="Economica"/>
               <a:ea typeface="Economica"/>
               <a:cs typeface="Economica"/>
@@ -8106,35 +8122,7 @@
               <a:buChar char="❖"/>
             </a:pPr>
             <a:r>
-              <a:rPr lang="en" sz="2400">
-                <a:latin typeface="Economica"/>
-                <a:ea typeface="Economica"/>
-                <a:cs typeface="Economica"/>
-                <a:sym typeface="Economica"/>
-              </a:rPr>
-              <a:t>Look at the big picture and the challenge facing the client, and try to understand if machine learning, deep learning, or statistical analysis is necessary.</a:t>
-            </a:r>
-            <a:endParaRPr sz="2400">
-              <a:latin typeface="Economica"/>
-              <a:ea typeface="Economica"/>
-              <a:cs typeface="Economica"/>
-              <a:sym typeface="Economica"/>
-            </a:endParaRPr>
-          </a:p>
-          <a:p>
-            <a:pPr marL="457200" lvl="0" indent="-381000" algn="l" rtl="0">
-              <a:spcBef>
-                <a:spcPts val="0"/>
-              </a:spcBef>
-              <a:spcAft>
-                <a:spcPts val="0"/>
-              </a:spcAft>
-              <a:buSzPts val="2400"/>
-              <a:buFont typeface="Economica"/>
-              <a:buChar char="❖"/>
-            </a:pPr>
-            <a:r>
-              <a:rPr lang="en" sz="2400">
+              <a:rPr lang="en" sz="2400" dirty="0">
                 <a:latin typeface="Economica"/>
                 <a:ea typeface="Economica"/>
                 <a:cs typeface="Economica"/>
@@ -8142,7 +8130,7 @@
               </a:rPr>
               <a:t>Should we use a white-box or black-block algorithm, or some combination of both?</a:t>
             </a:r>
-            <a:endParaRPr sz="2400">
+            <a:endParaRPr sz="2400" dirty="0">
               <a:latin typeface="Economica"/>
               <a:ea typeface="Economica"/>
               <a:cs typeface="Economica"/>
@@ -8162,7 +8150,7 @@
               <a:buChar char="➢"/>
             </a:pPr>
             <a:r>
-              <a:rPr lang="en" sz="2400">
+              <a:rPr lang="en" sz="2400" dirty="0">
                 <a:latin typeface="Economica"/>
                 <a:ea typeface="Economica"/>
                 <a:cs typeface="Economica"/>
@@ -8170,7 +8158,7 @@
               </a:rPr>
               <a:t>Does the client need to be able to understand or use the algorithm, or just the results?</a:t>
             </a:r>
-            <a:endParaRPr sz="2400">
+            <a:endParaRPr sz="2400" dirty="0">
               <a:latin typeface="Economica"/>
               <a:ea typeface="Economica"/>
               <a:cs typeface="Economica"/>
@@ -8190,7 +8178,7 @@
               <a:buChar char="➢"/>
             </a:pPr>
             <a:r>
-              <a:rPr lang="en" sz="2400">
+              <a:rPr lang="en" sz="2400" dirty="0">
                 <a:latin typeface="Economica"/>
                 <a:ea typeface="Economica"/>
                 <a:cs typeface="Economica"/>
@@ -8198,7 +8186,7 @@
               </a:rPr>
               <a:t>Will this be a one-time project, or will it require continuous integration?</a:t>
             </a:r>
-            <a:endParaRPr sz="2400">
+            <a:endParaRPr sz="2400" dirty="0">
               <a:latin typeface="Economica"/>
               <a:ea typeface="Economica"/>
               <a:cs typeface="Economica"/>
@@ -8218,7 +8206,7 @@
               <a:buChar char="➢"/>
             </a:pPr>
             <a:r>
-              <a:rPr lang="en" sz="2400">
+              <a:rPr lang="en" sz="2400" dirty="0">
                 <a:latin typeface="Economica"/>
                 <a:ea typeface="Economica"/>
                 <a:cs typeface="Economica"/>
@@ -8226,7 +8214,7 @@
               </a:rPr>
               <a:t>What kind of computing power will we need? Will it be ongoing?</a:t>
             </a:r>
-            <a:endParaRPr sz="2400">
+            <a:endParaRPr sz="2400" dirty="0">
               <a:latin typeface="Economica"/>
               <a:ea typeface="Economica"/>
               <a:cs typeface="Economica"/>
@@ -8873,7 +8861,43 @@
                 <a:cs typeface="Economica"/>
                 <a:sym typeface="Economica"/>
               </a:rPr>
-              <a:t>Make sure X is a matrix and y is a vector</a:t>
+              <a:t>Make sure </a:t>
+            </a:r>
+            <a:r>
+              <a:rPr lang="en" sz="2400" i="1" dirty="0">
+                <a:latin typeface="Economica"/>
+                <a:ea typeface="Economica"/>
+                <a:cs typeface="Economica"/>
+                <a:sym typeface="Economica"/>
+              </a:rPr>
+              <a:t>x</a:t>
+            </a:r>
+            <a:r>
+              <a:rPr lang="en" sz="2400" dirty="0">
+                <a:latin typeface="Economica"/>
+                <a:ea typeface="Economica"/>
+                <a:cs typeface="Economica"/>
+                <a:sym typeface="Economica"/>
+              </a:rPr>
+              <a:t> is a matrix and </a:t>
+            </a:r>
+            <a:r>
+              <a:rPr lang="en" sz="2400" i="1" dirty="0">
+                <a:latin typeface="Economica"/>
+                <a:ea typeface="Economica"/>
+                <a:cs typeface="Economica"/>
+                <a:sym typeface="Economica"/>
+              </a:rPr>
+              <a:t>y</a:t>
+            </a:r>
+            <a:r>
+              <a:rPr lang="en" sz="2400" dirty="0">
+                <a:latin typeface="Economica"/>
+                <a:ea typeface="Economica"/>
+                <a:cs typeface="Economica"/>
+                <a:sym typeface="Economica"/>
+              </a:rPr>
+              <a:t> is a vector</a:t>
             </a:r>
             <a:endParaRPr sz="2400" dirty="0">
               <a:latin typeface="Economica"/>
@@ -9145,7 +9169,7 @@
               <a:buChar char="❖"/>
             </a:pPr>
             <a:r>
-              <a:rPr lang="en" sz="2400">
+              <a:rPr lang="en" sz="2400" dirty="0">
                 <a:latin typeface="Economica"/>
                 <a:ea typeface="Economica"/>
                 <a:cs typeface="Economica"/>
@@ -9153,7 +9177,7 @@
               </a:rPr>
               <a:t>We train a model using some data set. But we need a separate data set to test to see how the model performs. So, we use a train-test split:</a:t>
             </a:r>
-            <a:endParaRPr sz="2400">
+            <a:endParaRPr sz="2400" dirty="0">
               <a:latin typeface="Economica"/>
               <a:ea typeface="Economica"/>
               <a:cs typeface="Economica"/>
@@ -9173,7 +9197,7 @@
               <a:buChar char="➢"/>
             </a:pPr>
             <a:r>
-              <a:rPr lang="en" sz="2400">
+              <a:rPr lang="en" sz="2400" dirty="0">
                 <a:latin typeface="Economica"/>
                 <a:ea typeface="Economica"/>
                 <a:cs typeface="Economica"/>
@@ -9181,7 +9205,7 @@
               </a:rPr>
               <a:t>Training data set: The sample of data used to fit the model. The model sees and learns from this data.</a:t>
             </a:r>
-            <a:endParaRPr sz="2400">
+            <a:endParaRPr sz="2400" dirty="0">
               <a:latin typeface="Economica"/>
               <a:ea typeface="Economica"/>
               <a:cs typeface="Economica"/>
@@ -9201,7 +9225,7 @@
               <a:buChar char="➢"/>
             </a:pPr>
             <a:r>
-              <a:rPr lang="en" sz="2400">
+              <a:rPr lang="en" sz="2400" dirty="0">
                 <a:latin typeface="Economica"/>
                 <a:ea typeface="Economica"/>
                 <a:cs typeface="Economica"/>
@@ -9209,7 +9233,7 @@
               </a:rPr>
               <a:t>Test data set: The sample of data used to provide an unbiased evaluation of a final model fit on the training dataset.</a:t>
             </a:r>
-            <a:endParaRPr sz="2400">
+            <a:endParaRPr sz="2400" dirty="0">
               <a:latin typeface="Economica"/>
               <a:ea typeface="Economica"/>
               <a:cs typeface="Economica"/>
@@ -9229,7 +9253,7 @@
               <a:buChar char="❖"/>
             </a:pPr>
             <a:r>
-              <a:rPr lang="en" sz="2400">
+              <a:rPr lang="en" sz="2400" dirty="0">
                 <a:latin typeface="Economica"/>
                 <a:ea typeface="Economica"/>
                 <a:cs typeface="Economica"/>
@@ -9237,7 +9261,7 @@
               </a:rPr>
               <a:t>There are more complicated versions of this, but this is the general idea. </a:t>
             </a:r>
-            <a:endParaRPr sz="2400">
+            <a:endParaRPr sz="2400" dirty="0">
               <a:latin typeface="Economica"/>
               <a:ea typeface="Economica"/>
               <a:cs typeface="Economica"/>
@@ -9257,15 +9281,33 @@
               <a:buChar char="❖"/>
             </a:pPr>
             <a:r>
-              <a:rPr lang="en" sz="2400">
+              <a:rPr lang="en" sz="2400" dirty="0">
                 <a:latin typeface="Economica"/>
                 <a:ea typeface="Economica"/>
                 <a:cs typeface="Economica"/>
                 <a:sym typeface="Economica"/>
               </a:rPr>
-              <a:t>This can be done manually, or with packages (caTools in R, sklearn in Python, etc.)</a:t>
+              <a:t>This can be done manually, or with packages (caret in R, </a:t>
             </a:r>
-            <a:endParaRPr sz="2400">
+            <a:r>
+              <a:rPr lang="en" sz="2400" dirty="0" err="1">
+                <a:latin typeface="Economica"/>
+                <a:ea typeface="Economica"/>
+                <a:cs typeface="Economica"/>
+                <a:sym typeface="Economica"/>
+              </a:rPr>
+              <a:t>sklearn</a:t>
+            </a:r>
+            <a:r>
+              <a:rPr lang="en" sz="2400" dirty="0">
+                <a:latin typeface="Economica"/>
+                <a:ea typeface="Economica"/>
+                <a:cs typeface="Economica"/>
+                <a:sym typeface="Economica"/>
+              </a:rPr>
+              <a:t> in Python, etc.)</a:t>
+            </a:r>
+            <a:endParaRPr sz="2400" dirty="0">
               <a:latin typeface="Economica"/>
               <a:ea typeface="Economica"/>
               <a:cs typeface="Economica"/>
@@ -9282,7 +9324,7 @@
               </a:spcAft>
               <a:buNone/>
             </a:pPr>
-            <a:endParaRPr sz="2400">
+            <a:endParaRPr sz="2400" dirty="0">
               <a:latin typeface="Economica"/>
               <a:ea typeface="Economica"/>
               <a:cs typeface="Economica"/>
@@ -9351,10 +9393,10 @@
               <a:buNone/>
             </a:pPr>
             <a:r>
-              <a:rPr lang="en"/>
+              <a:rPr lang="en" dirty="0"/>
               <a:t>6. Build the model</a:t>
             </a:r>
-            <a:endParaRPr/>
+            <a:endParaRPr dirty="0"/>
           </a:p>
         </p:txBody>
       </p:sp>
@@ -9395,7 +9437,7 @@
               <a:buChar char="❖"/>
             </a:pPr>
             <a:r>
-              <a:rPr lang="en" sz="2400">
+              <a:rPr lang="en" sz="2400" dirty="0">
                 <a:latin typeface="Economica"/>
                 <a:ea typeface="Economica"/>
                 <a:cs typeface="Economica"/>
@@ -9403,7 +9445,7 @@
               </a:rPr>
               <a:t>This is often the simplest part of the process, once you’ve decided on the type of algorithm to use. </a:t>
             </a:r>
-            <a:endParaRPr sz="2400">
+            <a:endParaRPr sz="2400" dirty="0">
               <a:latin typeface="Economica"/>
               <a:ea typeface="Economica"/>
               <a:cs typeface="Economica"/>
@@ -9423,7 +9465,7 @@
               <a:buChar char="❖"/>
             </a:pPr>
             <a:r>
-              <a:rPr lang="en" sz="2400">
+              <a:rPr lang="en" sz="2400" dirty="0">
                 <a:latin typeface="Economica"/>
                 <a:ea typeface="Economica"/>
                 <a:cs typeface="Economica"/>
@@ -9431,7 +9473,7 @@
               </a:rPr>
               <a:t>Some possible methods:</a:t>
             </a:r>
-            <a:endParaRPr sz="2400">
+            <a:endParaRPr sz="2400" dirty="0">
               <a:latin typeface="Economica"/>
               <a:ea typeface="Economica"/>
               <a:cs typeface="Economica"/>
@@ -9451,15 +9493,15 @@
               <a:buChar char="➢"/>
             </a:pPr>
             <a:r>
-              <a:rPr lang="en" sz="1800">
+              <a:rPr lang="en" sz="1800" dirty="0">
                 <a:latin typeface="Economica"/>
                 <a:ea typeface="Economica"/>
                 <a:cs typeface="Economica"/>
                 <a:sym typeface="Economica"/>
               </a:rPr>
-              <a:t>All-in: put every variables in because of either prior knowledge (you know it’s important) or you have to or prepare for backward elimination</a:t>
+              <a:t>All-in: put every variables in because of either prior knowledge (you know it’s important) or to prepare for backward elimination</a:t>
             </a:r>
-            <a:endParaRPr sz="1800">
+            <a:endParaRPr sz="1800" dirty="0">
               <a:latin typeface="Economica"/>
               <a:ea typeface="Economica"/>
               <a:cs typeface="Economica"/>
@@ -9479,15 +9521,15 @@
               <a:buChar char="➢"/>
             </a:pPr>
             <a:r>
-              <a:rPr lang="en" sz="1800">
+              <a:rPr lang="en" sz="1800" dirty="0">
                 <a:latin typeface="Economica"/>
                 <a:ea typeface="Economica"/>
                 <a:cs typeface="Economica"/>
                 <a:sym typeface="Economica"/>
               </a:rPr>
-              <a:t>Backward elimination: fit and test models until the variables with the highest p-value is still smaller than your chosen significant level</a:t>
+              <a:t>Backward elimination: fit and test models until the variable with the highest p-value is still smaller than your chosen significant level</a:t>
             </a:r>
-            <a:endParaRPr sz="1800">
+            <a:endParaRPr sz="1800" dirty="0">
               <a:latin typeface="Economica"/>
               <a:ea typeface="Economica"/>
               <a:cs typeface="Economica"/>
@@ -9507,7 +9549,7 @@
               <a:buChar char="➢"/>
             </a:pPr>
             <a:r>
-              <a:rPr lang="en" sz="1800">
+              <a:rPr lang="en" sz="1800" dirty="0">
                 <a:latin typeface="Economica"/>
                 <a:ea typeface="Economica"/>
                 <a:cs typeface="Economica"/>
@@ -9515,7 +9557,7 @@
               </a:rPr>
               <a:t>Forward selection: incrementally add variables with smallest p-value, stop when p-value &gt; significant level</a:t>
             </a:r>
-            <a:endParaRPr sz="1800">
+            <a:endParaRPr sz="1800" dirty="0">
               <a:latin typeface="Economica"/>
               <a:ea typeface="Economica"/>
               <a:cs typeface="Economica"/>
@@ -9535,7 +9577,7 @@
               <a:buChar char="➢"/>
             </a:pPr>
             <a:r>
-              <a:rPr lang="en" sz="1800">
+              <a:rPr lang="en" sz="1800" dirty="0">
                 <a:latin typeface="Economica"/>
                 <a:ea typeface="Economica"/>
                 <a:cs typeface="Economica"/>
@@ -9543,7 +9585,7 @@
               </a:rPr>
               <a:t>Bidirectional selection: combination of backward elimination and forward selection</a:t>
             </a:r>
-            <a:endParaRPr sz="1800">
+            <a:endParaRPr sz="1800" dirty="0">
               <a:latin typeface="Economica"/>
               <a:ea typeface="Economica"/>
               <a:cs typeface="Economica"/>
@@ -9563,7 +9605,7 @@
               <a:buChar char="➢"/>
             </a:pPr>
             <a:r>
-              <a:rPr lang="en" sz="1800">
+              <a:rPr lang="en" sz="1800" dirty="0">
                 <a:latin typeface="Economica"/>
                 <a:ea typeface="Economica"/>
                 <a:cs typeface="Economica"/>
@@ -9571,7 +9613,7 @@
               </a:rPr>
               <a:t>etc.</a:t>
             </a:r>
-            <a:endParaRPr sz="1800">
+            <a:endParaRPr sz="1800" dirty="0">
               <a:latin typeface="Economica"/>
               <a:ea typeface="Economica"/>
               <a:cs typeface="Economica"/>
@@ -9588,7 +9630,7 @@
               </a:spcAft>
               <a:buNone/>
             </a:pPr>
-            <a:endParaRPr sz="2400">
+            <a:endParaRPr sz="2400" dirty="0">
               <a:latin typeface="Economica"/>
               <a:ea typeface="Economica"/>
               <a:cs typeface="Economica"/>
